--- a/Table List architecture/Design + PD Quality Experiment.pptx
+++ b/Table List architecture/Design + PD Quality Experiment.pptx
@@ -27,31 +27,23 @@
     <p:sldId id="272" r:id="rId22"/>
     <p:sldId id="273" r:id="rId23"/>
     <p:sldId id="274" r:id="rId24"/>
-    <p:sldId id="275" r:id="rId25"/>
-    <p:sldId id="276" r:id="rId26"/>
-    <p:sldId id="277" r:id="rId27"/>
-    <p:sldId id="278" r:id="rId28"/>
-    <p:sldId id="279" r:id="rId29"/>
-    <p:sldId id="280" r:id="rId30"/>
-    <p:sldId id="281" r:id="rId31"/>
-    <p:sldId id="282" r:id="rId32"/>
   </p:sldIdLst>
   <p:sldSz cy="5143500" cx="9144000"/>
   <p:notesSz cx="6858000" cy="9144000"/>
   <p:embeddedFontLst>
     <p:embeddedFont>
       <p:font typeface="Avenir Next For Intuit"/>
-      <p:regular r:id="rId33"/>
-      <p:bold r:id="rId34"/>
-      <p:italic r:id="rId35"/>
-      <p:boldItalic r:id="rId36"/>
+      <p:regular r:id="rId25"/>
+      <p:bold r:id="rId26"/>
+      <p:italic r:id="rId27"/>
+      <p:boldItalic r:id="rId28"/>
     </p:embeddedFont>
     <p:embeddedFont>
       <p:font typeface="AvenirNext forINTUIT W05 Demi"/>
-      <p:regular r:id="rId37"/>
-      <p:bold r:id="rId38"/>
-      <p:italic r:id="rId39"/>
-      <p:boldItalic r:id="rId40"/>
+      <p:regular r:id="rId29"/>
+      <p:bold r:id="rId30"/>
+      <p:italic r:id="rId31"/>
+      <p:boldItalic r:id="rId32"/>
     </p:embeddedFont>
   </p:embeddedFontLst>
   <p:defaultTextStyle>
@@ -846,7 +838,7 @@
       </p:grpSpPr>
       <p:sp>
         <p:nvSpPr>
-          <p:cNvPr id="109" name="Google Shape;109;g1f38f7b6df7_0_15:notes"/>
+          <p:cNvPr id="109" name="Google Shape;109;g1f38f7b6df7_0_20:notes"/>
           <p:cNvSpPr/>
           <p:nvPr>
             <p:ph idx="2" type="sldImg"/>
@@ -881,7 +873,7 @@
       </p:sp>
       <p:sp>
         <p:nvSpPr>
-          <p:cNvPr id="110" name="Google Shape;110;g1f38f7b6df7_0_15:notes"/>
+          <p:cNvPr id="110" name="Google Shape;110;g1f38f7b6df7_0_20:notes"/>
           <p:cNvSpPr txBox="1"/>
           <p:nvPr>
             <p:ph idx="1" type="body"/>
@@ -901,6 +893,35 @@
             <a:noAutofit/>
           </a:bodyPr>
           <a:lstStyle/>
+          <a:p>
+            <a:pPr indent="0" lvl="0" marL="0" rtl="0" algn="l">
+              <a:spcBef>
+                <a:spcPts val="0"/>
+              </a:spcBef>
+              <a:spcAft>
+                <a:spcPts val="0"/>
+              </a:spcAft>
+              <a:buClr>
+                <a:schemeClr val="dk1"/>
+              </a:buClr>
+              <a:buSzPts val="1100"/>
+              <a:buFont typeface="Arial"/>
+              <a:buNone/>
+            </a:pPr>
+            <a:r>
+              <a:rPr lang="en">
+                <a:solidFill>
+                  <a:schemeClr val="dk1"/>
+                </a:solidFill>
+              </a:rPr>
+              <a:t>This image shows an ordered list (no styling applied). Refer to “Semantic OL.mov” in the “Experiment Videos” for the demonstration.</a:t>
+            </a:r>
+            <a:endParaRPr>
+              <a:solidFill>
+                <a:schemeClr val="dk1"/>
+              </a:solidFill>
+            </a:endParaRPr>
+          </a:p>
           <a:p>
             <a:pPr indent="0" lvl="0" marL="0" rtl="0" algn="l">
               <a:spcBef>
@@ -931,7 +952,7 @@
   <p:cSld>
     <p:spTree>
       <p:nvGrpSpPr>
-        <p:cNvPr id="114" name="Shape 114"/>
+        <p:cNvPr id="113" name="Shape 113"/>
         <p:cNvGrpSpPr/>
         <p:nvPr/>
       </p:nvGrpSpPr>
@@ -945,7 +966,7 @@
       </p:grpSpPr>
       <p:sp>
         <p:nvSpPr>
-          <p:cNvPr id="115" name="Google Shape;115;g1f38f7b6df7_0_20:notes"/>
+          <p:cNvPr id="114" name="Google Shape;114;g1f38f7b6df7_0_40:notes"/>
           <p:cNvSpPr/>
           <p:nvPr>
             <p:ph idx="2" type="sldImg"/>
@@ -980,7 +1001,7 @@
       </p:sp>
       <p:sp>
         <p:nvSpPr>
-          <p:cNvPr id="116" name="Google Shape;116;g1f38f7b6df7_0_20:notes"/>
+          <p:cNvPr id="115" name="Google Shape;115;g1f38f7b6df7_0_40:notes"/>
           <p:cNvSpPr txBox="1"/>
           <p:nvPr>
             <p:ph idx="1" type="body"/>
@@ -1000,6 +1021,59 @@
             <a:noAutofit/>
           </a:bodyPr>
           <a:lstStyle/>
+          <a:p>
+            <a:pPr indent="0" lvl="0" marL="0" rtl="0" algn="l">
+              <a:spcBef>
+                <a:spcPts val="0"/>
+              </a:spcBef>
+              <a:spcAft>
+                <a:spcPts val="0"/>
+              </a:spcAft>
+              <a:buClr>
+                <a:schemeClr val="dk1"/>
+              </a:buClr>
+              <a:buSzPts val="1100"/>
+              <a:buFont typeface="Arial"/>
+              <a:buNone/>
+            </a:pPr>
+            <a:r>
+              <a:rPr lang="en">
+                <a:solidFill>
+                  <a:schemeClr val="dk1"/>
+                </a:solidFill>
+              </a:rPr>
+              <a:t>This image shows the styled list. Refer to “Styled DL.mov” and “Styled OL.mov” in the “Experiment Videos” for the demonstrations.</a:t>
+            </a:r>
+            <a:endParaRPr>
+              <a:solidFill>
+                <a:schemeClr val="dk1"/>
+              </a:solidFill>
+            </a:endParaRPr>
+          </a:p>
+          <a:p>
+            <a:pPr indent="0" lvl="0" marL="0" rtl="0" algn="l">
+              <a:spcBef>
+                <a:spcPts val="0"/>
+              </a:spcBef>
+              <a:spcAft>
+                <a:spcPts val="0"/>
+              </a:spcAft>
+              <a:buClr>
+                <a:schemeClr val="dk1"/>
+              </a:buClr>
+              <a:buSzPts val="1100"/>
+              <a:buFont typeface="Arial"/>
+              <a:buNone/>
+            </a:pPr>
+            <a:r>
+              <a:t/>
+            </a:r>
+            <a:endParaRPr>
+              <a:solidFill>
+                <a:schemeClr val="dk1"/>
+              </a:solidFill>
+            </a:endParaRPr>
+          </a:p>
           <a:p>
             <a:pPr indent="0" lvl="0" marL="0" rtl="0" algn="l">
               <a:spcBef>
@@ -1030,7 +1104,7 @@
   <p:cSld>
     <p:spTree>
       <p:nvGrpSpPr>
-        <p:cNvPr id="119" name="Shape 119"/>
+        <p:cNvPr id="118" name="Shape 118"/>
         <p:cNvGrpSpPr/>
         <p:nvPr/>
       </p:nvGrpSpPr>
@@ -1044,7 +1118,7 @@
       </p:grpSpPr>
       <p:sp>
         <p:nvSpPr>
-          <p:cNvPr id="120" name="Google Shape;120;g1f38f7b6df7_0_25:notes"/>
+          <p:cNvPr id="119" name="Google Shape;119;g1f38f7b6df7_0_56:notes"/>
           <p:cNvSpPr/>
           <p:nvPr>
             <p:ph idx="2" type="sldImg"/>
@@ -1079,7 +1153,7 @@
       </p:sp>
       <p:sp>
         <p:nvSpPr>
-          <p:cNvPr id="121" name="Google Shape;121;g1f38f7b6df7_0_25:notes"/>
+          <p:cNvPr id="120" name="Google Shape;120;g1f38f7b6df7_0_56:notes"/>
           <p:cNvSpPr txBox="1"/>
           <p:nvPr>
             <p:ph idx="1" type="body"/>
@@ -1099,6 +1173,59 @@
             <a:noAutofit/>
           </a:bodyPr>
           <a:lstStyle/>
+          <a:p>
+            <a:pPr indent="0" lvl="0" marL="0" rtl="0" algn="l">
+              <a:spcBef>
+                <a:spcPts val="0"/>
+              </a:spcBef>
+              <a:spcAft>
+                <a:spcPts val="0"/>
+              </a:spcAft>
+              <a:buClr>
+                <a:schemeClr val="dk1"/>
+              </a:buClr>
+              <a:buSzPts val="1100"/>
+              <a:buFont typeface="Arial"/>
+              <a:buNone/>
+            </a:pPr>
+            <a:r>
+              <a:rPr lang="en">
+                <a:solidFill>
+                  <a:schemeClr val="dk1"/>
+                </a:solidFill>
+              </a:rPr>
+              <a:t>This image shows a structured table (no styling applied). Refer to “Semantic Table.mov” in the “Experiment Videos” for the demonstration.</a:t>
+            </a:r>
+            <a:endParaRPr>
+              <a:solidFill>
+                <a:schemeClr val="dk1"/>
+              </a:solidFill>
+            </a:endParaRPr>
+          </a:p>
+          <a:p>
+            <a:pPr indent="0" lvl="0" marL="0" rtl="0" algn="l">
+              <a:spcBef>
+                <a:spcPts val="0"/>
+              </a:spcBef>
+              <a:spcAft>
+                <a:spcPts val="0"/>
+              </a:spcAft>
+              <a:buClr>
+                <a:schemeClr val="dk1"/>
+              </a:buClr>
+              <a:buSzPts val="1100"/>
+              <a:buFont typeface="Arial"/>
+              <a:buNone/>
+            </a:pPr>
+            <a:r>
+              <a:t/>
+            </a:r>
+            <a:endParaRPr>
+              <a:solidFill>
+                <a:schemeClr val="dk1"/>
+              </a:solidFill>
+            </a:endParaRPr>
+          </a:p>
           <a:p>
             <a:pPr indent="0" lvl="0" marL="0" rtl="0" algn="l">
               <a:spcBef>
@@ -1129,7 +1256,7 @@
   <p:cSld>
     <p:spTree>
       <p:nvGrpSpPr>
-        <p:cNvPr id="125" name="Shape 125"/>
+        <p:cNvPr id="123" name="Shape 123"/>
         <p:cNvGrpSpPr/>
         <p:nvPr/>
       </p:nvGrpSpPr>
@@ -1143,7 +1270,7 @@
       </p:grpSpPr>
       <p:sp>
         <p:nvSpPr>
-          <p:cNvPr id="126" name="Google Shape;126;g1f38f7b6df7_0_40:notes"/>
+          <p:cNvPr id="124" name="Google Shape;124;g1f38f7b6df7_0_70:notes"/>
           <p:cNvSpPr/>
           <p:nvPr>
             <p:ph idx="2" type="sldImg"/>
@@ -1178,7 +1305,7 @@
       </p:sp>
       <p:sp>
         <p:nvSpPr>
-          <p:cNvPr id="127" name="Google Shape;127;g1f38f7b6df7_0_40:notes"/>
+          <p:cNvPr id="125" name="Google Shape;125;g1f38f7b6df7_0_70:notes"/>
           <p:cNvSpPr txBox="1"/>
           <p:nvPr>
             <p:ph idx="1" type="body"/>
@@ -1198,6 +1325,83 @@
             <a:noAutofit/>
           </a:bodyPr>
           <a:lstStyle/>
+          <a:p>
+            <a:pPr indent="0" lvl="0" marL="0" rtl="0" algn="l">
+              <a:spcBef>
+                <a:spcPts val="0"/>
+              </a:spcBef>
+              <a:spcAft>
+                <a:spcPts val="0"/>
+              </a:spcAft>
+              <a:buClr>
+                <a:schemeClr val="dk1"/>
+              </a:buClr>
+              <a:buSzPts val="1100"/>
+              <a:buFont typeface="Arial"/>
+              <a:buNone/>
+            </a:pPr>
+            <a:r>
+              <a:rPr lang="en">
+                <a:solidFill>
+                  <a:schemeClr val="dk1"/>
+                </a:solidFill>
+              </a:rPr>
+              <a:t>This image shows a styled table. Refer to “Styled Table.mov” in the “Experiment Videos” for the demonstration.</a:t>
+            </a:r>
+            <a:endParaRPr>
+              <a:solidFill>
+                <a:schemeClr val="dk1"/>
+              </a:solidFill>
+            </a:endParaRPr>
+          </a:p>
+          <a:p>
+            <a:pPr indent="0" lvl="0" marL="0" rtl="0" algn="l">
+              <a:spcBef>
+                <a:spcPts val="0"/>
+              </a:spcBef>
+              <a:spcAft>
+                <a:spcPts val="0"/>
+              </a:spcAft>
+              <a:buClr>
+                <a:schemeClr val="dk1"/>
+              </a:buClr>
+              <a:buSzPts val="1100"/>
+              <a:buFont typeface="Arial"/>
+              <a:buNone/>
+            </a:pPr>
+            <a:r>
+              <a:t/>
+            </a:r>
+            <a:endParaRPr>
+              <a:solidFill>
+                <a:schemeClr val="dk1"/>
+              </a:solidFill>
+            </a:endParaRPr>
+          </a:p>
+          <a:p>
+            <a:pPr indent="0" lvl="0" marL="0" rtl="0" algn="l">
+              <a:spcBef>
+                <a:spcPts val="0"/>
+              </a:spcBef>
+              <a:spcAft>
+                <a:spcPts val="0"/>
+              </a:spcAft>
+              <a:buClr>
+                <a:schemeClr val="dk1"/>
+              </a:buClr>
+              <a:buSzPts val="1100"/>
+              <a:buFont typeface="Arial"/>
+              <a:buNone/>
+            </a:pPr>
+            <a:r>
+              <a:t/>
+            </a:r>
+            <a:endParaRPr>
+              <a:solidFill>
+                <a:schemeClr val="dk1"/>
+              </a:solidFill>
+            </a:endParaRPr>
+          </a:p>
           <a:p>
             <a:pPr indent="0" lvl="0" marL="0" rtl="0" algn="l">
               <a:spcBef>
@@ -1228,7 +1432,7 @@
   <p:cSld>
     <p:spTree>
       <p:nvGrpSpPr>
-        <p:cNvPr id="130" name="Shape 130"/>
+        <p:cNvPr id="128" name="Shape 128"/>
         <p:cNvGrpSpPr/>
         <p:nvPr/>
       </p:nvGrpSpPr>
@@ -1242,7 +1446,7 @@
       </p:grpSpPr>
       <p:sp>
         <p:nvSpPr>
-          <p:cNvPr id="131" name="Google Shape;131;g1f38f7b6df7_0_45:notes"/>
+          <p:cNvPr id="129" name="Google Shape;129;g1f38f7b6df7_0_85:notes"/>
           <p:cNvSpPr/>
           <p:nvPr>
             <p:ph idx="2" type="sldImg"/>
@@ -1277,7 +1481,7 @@
       </p:sp>
       <p:sp>
         <p:nvSpPr>
-          <p:cNvPr id="132" name="Google Shape;132;g1f38f7b6df7_0_45:notes"/>
+          <p:cNvPr id="130" name="Google Shape;130;g1f38f7b6df7_0_85:notes"/>
           <p:cNvSpPr txBox="1"/>
           <p:nvPr>
             <p:ph idx="1" type="body"/>
@@ -1308,7 +1512,8 @@
               <a:buNone/>
             </a:pPr>
             <a:r>
-              <a:t/>
+              <a:rPr lang="en"/>
+              <a:t>Image illustrating a feature that meets all of the requirements of the design specification but was not built to meet the HTML specifications. This solution is not accessible to screen readers.</a:t>
             </a:r>
             <a:endParaRPr/>
           </a:p>
@@ -1327,7 +1532,7 @@
   <p:cSld>
     <p:spTree>
       <p:nvGrpSpPr>
-        <p:cNvPr id="136" name="Shape 136"/>
+        <p:cNvPr id="135" name="Shape 135"/>
         <p:cNvGrpSpPr/>
         <p:nvPr/>
       </p:nvGrpSpPr>
@@ -1341,7 +1546,7 @@
       </p:grpSpPr>
       <p:sp>
         <p:nvSpPr>
-          <p:cNvPr id="137" name="Google Shape;137;g1f38f7b6df7_0_50:notes"/>
+          <p:cNvPr id="136" name="Google Shape;136;g1f38f7b6df7_0_121:notes"/>
           <p:cNvSpPr/>
           <p:nvPr>
             <p:ph idx="2" type="sldImg"/>
@@ -1376,7 +1581,7 @@
       </p:sp>
       <p:sp>
         <p:nvSpPr>
-          <p:cNvPr id="138" name="Google Shape;138;g1f38f7b6df7_0_50:notes"/>
+          <p:cNvPr id="137" name="Google Shape;137;g1f38f7b6df7_0_121:notes"/>
           <p:cNvSpPr txBox="1"/>
           <p:nvPr>
             <p:ph idx="1" type="body"/>
@@ -1407,7 +1612,16 @@
               <a:buNone/>
             </a:pPr>
             <a:r>
-              <a:t/>
+              <a:rPr lang="en"/>
+              <a:t>Supporting the point that all 3 of our examples are built to meet the HTML specifications and </a:t>
+            </a:r>
+            <a:r>
+              <a:rPr lang="en"/>
+              <a:t>meet</a:t>
+            </a:r>
+            <a:r>
+              <a:rPr lang="en"/>
+              <a:t> accessibility requirements, but the UX of each is drastically different. Understanding the differences between each experience helps inform the architectural guidance.</a:t>
             </a:r>
             <a:endParaRPr/>
           </a:p>
@@ -1426,7 +1640,7 @@
   <p:cSld>
     <p:spTree>
       <p:nvGrpSpPr>
-        <p:cNvPr id="142" name="Shape 142"/>
+        <p:cNvPr id="141" name="Shape 141"/>
         <p:cNvGrpSpPr/>
         <p:nvPr/>
       </p:nvGrpSpPr>
@@ -1440,7 +1654,7 @@
       </p:grpSpPr>
       <p:sp>
         <p:nvSpPr>
-          <p:cNvPr id="143" name="Google Shape;143;g1f38f7b6df7_0_56:notes"/>
+          <p:cNvPr id="142" name="Google Shape;142;g1f38f7b6df7_0_116:notes"/>
           <p:cNvSpPr/>
           <p:nvPr>
             <p:ph idx="2" type="sldImg"/>
@@ -1475,7 +1689,7 @@
       </p:sp>
       <p:sp>
         <p:nvSpPr>
-          <p:cNvPr id="144" name="Google Shape;144;g1f38f7b6df7_0_56:notes"/>
+          <p:cNvPr id="143" name="Google Shape;143;g1f38f7b6df7_0_116:notes"/>
           <p:cNvSpPr txBox="1"/>
           <p:nvPr>
             <p:ph idx="1" type="body"/>
@@ -1495,6 +1709,35 @@
             <a:noAutofit/>
           </a:bodyPr>
           <a:lstStyle/>
+          <a:p>
+            <a:pPr indent="0" lvl="0" marL="0" rtl="0" algn="l">
+              <a:spcBef>
+                <a:spcPts val="0"/>
+              </a:spcBef>
+              <a:spcAft>
+                <a:spcPts val="0"/>
+              </a:spcAft>
+              <a:buClr>
+                <a:schemeClr val="dk1"/>
+              </a:buClr>
+              <a:buSzPts val="1100"/>
+              <a:buFont typeface="Arial"/>
+              <a:buNone/>
+            </a:pPr>
+            <a:r>
+              <a:rPr lang="en">
+                <a:solidFill>
+                  <a:schemeClr val="dk1"/>
+                </a:solidFill>
+              </a:rPr>
+              <a:t>Supporting the point that all 3 of our examples are built to meet the HTML specifications and meet accessibility requirements, but the UX of each is drastically different. Understanding the differences between each experience helps inform the architectural guidance.</a:t>
+            </a:r>
+            <a:endParaRPr>
+              <a:solidFill>
+                <a:schemeClr val="dk1"/>
+              </a:solidFill>
+            </a:endParaRPr>
+          </a:p>
           <a:p>
             <a:pPr indent="0" lvl="0" marL="0" rtl="0" algn="l">
               <a:spcBef>
@@ -1525,7 +1768,7 @@
   <p:cSld>
     <p:spTree>
       <p:nvGrpSpPr>
-        <p:cNvPr id="147" name="Shape 147"/>
+        <p:cNvPr id="149" name="Shape 149"/>
         <p:cNvGrpSpPr/>
         <p:nvPr/>
       </p:nvGrpSpPr>
@@ -1539,7 +1782,7 @@
       </p:grpSpPr>
       <p:sp>
         <p:nvSpPr>
-          <p:cNvPr id="148" name="Google Shape;148;g1f38f7b6df7_0_65:notes"/>
+          <p:cNvPr id="150" name="Google Shape;150;g1f38f7b6df7_0_156:notes"/>
           <p:cNvSpPr/>
           <p:nvPr>
             <p:ph idx="2" type="sldImg"/>
@@ -1574,7 +1817,7 @@
       </p:sp>
       <p:sp>
         <p:nvSpPr>
-          <p:cNvPr id="149" name="Google Shape;149;g1f38f7b6df7_0_65:notes"/>
+          <p:cNvPr id="151" name="Google Shape;151;g1f38f7b6df7_0_156:notes"/>
           <p:cNvSpPr txBox="1"/>
           <p:nvPr>
             <p:ph idx="1" type="body"/>
@@ -1605,7 +1848,16 @@
               <a:buNone/>
             </a:pPr>
             <a:r>
-              <a:t/>
+              <a:rPr lang="en"/>
+              <a:t>Our organization has a gap that exists between UX and Dev. UX creates designs and then hands them off to Dev. Dev is very talented at replicating those designs into code, but this doesn’t </a:t>
+            </a:r>
+            <a:r>
+              <a:rPr lang="en"/>
+              <a:t>guarantee</a:t>
+            </a:r>
+            <a:r>
+              <a:rPr lang="en"/>
+              <a:t> that the code meets specifications and user experience requirements.</a:t>
             </a:r>
             <a:endParaRPr/>
           </a:p>
@@ -1624,7 +1876,7 @@
   <p:cSld>
     <p:spTree>
       <p:nvGrpSpPr>
-        <p:cNvPr id="153" name="Shape 153"/>
+        <p:cNvPr id="157" name="Shape 157"/>
         <p:cNvGrpSpPr/>
         <p:nvPr/>
       </p:nvGrpSpPr>
@@ -1638,7 +1890,7 @@
       </p:grpSpPr>
       <p:sp>
         <p:nvSpPr>
-          <p:cNvPr id="154" name="Google Shape;154;g1f38f7b6df7_0_70:notes"/>
+          <p:cNvPr id="158" name="Google Shape;158;g1f38f7b6df7_0_172:notes"/>
           <p:cNvSpPr/>
           <p:nvPr>
             <p:ph idx="2" type="sldImg"/>
@@ -1673,7 +1925,7 @@
       </p:sp>
       <p:sp>
         <p:nvSpPr>
-          <p:cNvPr id="155" name="Google Shape;155;g1f38f7b6df7_0_70:notes"/>
+          <p:cNvPr id="159" name="Google Shape;159;g1f38f7b6df7_0_172:notes"/>
           <p:cNvSpPr txBox="1"/>
           <p:nvPr>
             <p:ph idx="1" type="body"/>
@@ -1723,7 +1975,7 @@
   <p:cSld>
     <p:spTree>
       <p:nvGrpSpPr>
-        <p:cNvPr id="158" name="Shape 158"/>
+        <p:cNvPr id="166" name="Shape 166"/>
         <p:cNvGrpSpPr/>
         <p:nvPr/>
       </p:nvGrpSpPr>
@@ -1737,7 +1989,7 @@
       </p:grpSpPr>
       <p:sp>
         <p:nvSpPr>
-          <p:cNvPr id="159" name="Google Shape;159;g1f38f7b6df7_0_75:notes"/>
+          <p:cNvPr id="167" name="Google Shape;167;g1f38f7b6df7_0_164:notes"/>
           <p:cNvSpPr/>
           <p:nvPr>
             <p:ph idx="2" type="sldImg"/>
@@ -1772,7 +2024,7 @@
       </p:sp>
       <p:sp>
         <p:nvSpPr>
-          <p:cNvPr id="160" name="Google Shape;160;g1f38f7b6df7_0_75:notes"/>
+          <p:cNvPr id="168" name="Google Shape;168;g1f38f7b6df7_0_164:notes"/>
           <p:cNvSpPr txBox="1"/>
           <p:nvPr>
             <p:ph idx="1" type="body"/>
@@ -1803,7 +2055,8 @@
               <a:buNone/>
             </a:pPr>
             <a:r>
-              <a:t/>
+              <a:rPr lang="en"/>
+              <a:t>We need to spend more time sitting in between UX and Dev, asking questions that align with user expectations and technical specifications. This way we can answer technical feasibility questions early and architect experiences that meet both sides of the requirements.</a:t>
             </a:r>
             <a:endParaRPr/>
           </a:p>
@@ -1872,798 +2125,6 @@
       <p:sp>
         <p:nvSpPr>
           <p:cNvPr id="63" name="Google Shape;63;p:notes"/>
-          <p:cNvSpPr txBox="1"/>
-          <p:nvPr>
-            <p:ph idx="1" type="body"/>
-          </p:nvPr>
-        </p:nvSpPr>
-        <p:spPr>
-          <a:xfrm>
-            <a:off x="685800" y="4343400"/>
-            <a:ext cx="5486400" cy="4114800"/>
-          </a:xfrm>
-          <a:prstGeom prst="rect">
-            <a:avLst/>
-          </a:prstGeom>
-        </p:spPr>
-        <p:txBody>
-          <a:bodyPr anchorCtr="0" anchor="t" bIns="91425" lIns="91425" spcFirstLastPara="1" rIns="91425" wrap="square" tIns="91425">
-            <a:noAutofit/>
-          </a:bodyPr>
-          <a:lstStyle/>
-          <a:p>
-            <a:pPr indent="0" lvl="0" marL="0" rtl="0" algn="l">
-              <a:spcBef>
-                <a:spcPts val="0"/>
-              </a:spcBef>
-              <a:spcAft>
-                <a:spcPts val="0"/>
-              </a:spcAft>
-              <a:buNone/>
-            </a:pPr>
-            <a:r>
-              <a:t/>
-            </a:r>
-            <a:endParaRPr/>
-          </a:p>
-        </p:txBody>
-      </p:sp>
-    </p:spTree>
-  </p:cSld>
-  <p:clrMapOvr>
-    <a:masterClrMapping/>
-  </p:clrMapOvr>
-</p:notes>
-</file>
-
-<file path=ppt/notesSlides/notesSlide20.xml><?xml version="1.0" encoding="utf-8"?>
-<p:notes xmlns:a="http://schemas.openxmlformats.org/drawingml/2006/main" xmlns:r="http://schemas.openxmlformats.org/officeDocument/2006/relationships" xmlns:mc="http://schemas.openxmlformats.org/markup-compatibility/2006" xmlns:mv="urn:schemas-microsoft-com:mac:vml" xmlns:p="http://schemas.openxmlformats.org/presentationml/2006/main" xmlns:c="http://schemas.openxmlformats.org/drawingml/2006/chart" xmlns:dgm="http://schemas.openxmlformats.org/drawingml/2006/diagram" xmlns:o="urn:schemas-microsoft-com:office:office" xmlns:v="urn:schemas-microsoft-com:vml" xmlns:pvml="urn:schemas-microsoft-com:office:powerpoint" xmlns:com="http://schemas.openxmlformats.org/drawingml/2006/compatibility" xmlns:p14="http://schemas.microsoft.com/office/powerpoint/2010/main" xmlns:p15="http://schemas.microsoft.com/office/powerpoint/2012/main" xmlns:ahyp="http://schemas.microsoft.com/office/drawing/2018/hyperlinkcolor" showMasterPhAnim="0" showMasterSp="0">
-  <p:cSld>
-    <p:spTree>
-      <p:nvGrpSpPr>
-        <p:cNvPr id="164" name="Shape 164"/>
-        <p:cNvGrpSpPr/>
-        <p:nvPr/>
-      </p:nvGrpSpPr>
-      <p:grpSpPr>
-        <a:xfrm>
-          <a:off x="0" y="0"/>
-          <a:ext cx="0" cy="0"/>
-          <a:chOff x="0" y="0"/>
-          <a:chExt cx="0" cy="0"/>
-        </a:xfrm>
-      </p:grpSpPr>
-      <p:sp>
-        <p:nvSpPr>
-          <p:cNvPr id="165" name="Google Shape;165;g1f38f7b6df7_0_110:notes"/>
-          <p:cNvSpPr/>
-          <p:nvPr>
-            <p:ph idx="2" type="sldImg"/>
-          </p:nvPr>
-        </p:nvSpPr>
-        <p:spPr>
-          <a:xfrm>
-            <a:off x="381300" y="685800"/>
-            <a:ext cx="6096000" cy="3429000"/>
-          </a:xfrm>
-          <a:custGeom>
-            <a:rect b="b" l="l" r="r" t="t"/>
-            <a:pathLst>
-              <a:path extrusionOk="0" h="120000" w="120000">
-                <a:moveTo>
-                  <a:pt x="0" y="0"/>
-                </a:moveTo>
-                <a:lnTo>
-                  <a:pt x="120000" y="0"/>
-                </a:lnTo>
-                <a:lnTo>
-                  <a:pt x="120000" y="120000"/>
-                </a:lnTo>
-                <a:lnTo>
-                  <a:pt x="0" y="120000"/>
-                </a:lnTo>
-                <a:close/>
-              </a:path>
-            </a:pathLst>
-          </a:custGeom>
-        </p:spPr>
-      </p:sp>
-      <p:sp>
-        <p:nvSpPr>
-          <p:cNvPr id="166" name="Google Shape;166;g1f38f7b6df7_0_110:notes"/>
-          <p:cNvSpPr txBox="1"/>
-          <p:nvPr>
-            <p:ph idx="1" type="body"/>
-          </p:nvPr>
-        </p:nvSpPr>
-        <p:spPr>
-          <a:xfrm>
-            <a:off x="685800" y="4343400"/>
-            <a:ext cx="5486400" cy="4114800"/>
-          </a:xfrm>
-          <a:prstGeom prst="rect">
-            <a:avLst/>
-          </a:prstGeom>
-        </p:spPr>
-        <p:txBody>
-          <a:bodyPr anchorCtr="0" anchor="t" bIns="91425" lIns="91425" spcFirstLastPara="1" rIns="91425" wrap="square" tIns="91425">
-            <a:noAutofit/>
-          </a:bodyPr>
-          <a:lstStyle/>
-          <a:p>
-            <a:pPr indent="0" lvl="0" marL="0" rtl="0" algn="l">
-              <a:spcBef>
-                <a:spcPts val="0"/>
-              </a:spcBef>
-              <a:spcAft>
-                <a:spcPts val="0"/>
-              </a:spcAft>
-              <a:buNone/>
-            </a:pPr>
-            <a:r>
-              <a:t/>
-            </a:r>
-            <a:endParaRPr/>
-          </a:p>
-        </p:txBody>
-      </p:sp>
-    </p:spTree>
-  </p:cSld>
-  <p:clrMapOvr>
-    <a:masterClrMapping/>
-  </p:clrMapOvr>
-</p:notes>
-</file>
-
-<file path=ppt/notesSlides/notesSlide21.xml><?xml version="1.0" encoding="utf-8"?>
-<p:notes xmlns:a="http://schemas.openxmlformats.org/drawingml/2006/main" xmlns:r="http://schemas.openxmlformats.org/officeDocument/2006/relationships" xmlns:mc="http://schemas.openxmlformats.org/markup-compatibility/2006" xmlns:mv="urn:schemas-microsoft-com:mac:vml" xmlns:p="http://schemas.openxmlformats.org/presentationml/2006/main" xmlns:c="http://schemas.openxmlformats.org/drawingml/2006/chart" xmlns:dgm="http://schemas.openxmlformats.org/drawingml/2006/diagram" xmlns:o="urn:schemas-microsoft-com:office:office" xmlns:v="urn:schemas-microsoft-com:vml" xmlns:pvml="urn:schemas-microsoft-com:office:powerpoint" xmlns:com="http://schemas.openxmlformats.org/drawingml/2006/compatibility" xmlns:p14="http://schemas.microsoft.com/office/powerpoint/2010/main" xmlns:p15="http://schemas.microsoft.com/office/powerpoint/2012/main" xmlns:ahyp="http://schemas.microsoft.com/office/drawing/2018/hyperlinkcolor" showMasterPhAnim="0" showMasterSp="0">
-  <p:cSld>
-    <p:spTree>
-      <p:nvGrpSpPr>
-        <p:cNvPr id="170" name="Shape 170"/>
-        <p:cNvGrpSpPr/>
-        <p:nvPr/>
-      </p:nvGrpSpPr>
-      <p:grpSpPr>
-        <a:xfrm>
-          <a:off x="0" y="0"/>
-          <a:ext cx="0" cy="0"/>
-          <a:chOff x="0" y="0"/>
-          <a:chExt cx="0" cy="0"/>
-        </a:xfrm>
-      </p:grpSpPr>
-      <p:sp>
-        <p:nvSpPr>
-          <p:cNvPr id="171" name="Google Shape;171;g1f38f7b6df7_0_85:notes"/>
-          <p:cNvSpPr/>
-          <p:nvPr>
-            <p:ph idx="2" type="sldImg"/>
-          </p:nvPr>
-        </p:nvSpPr>
-        <p:spPr>
-          <a:xfrm>
-            <a:off x="381300" y="685800"/>
-            <a:ext cx="6096000" cy="3429000"/>
-          </a:xfrm>
-          <a:custGeom>
-            <a:rect b="b" l="l" r="r" t="t"/>
-            <a:pathLst>
-              <a:path extrusionOk="0" h="120000" w="120000">
-                <a:moveTo>
-                  <a:pt x="0" y="0"/>
-                </a:moveTo>
-                <a:lnTo>
-                  <a:pt x="120000" y="0"/>
-                </a:lnTo>
-                <a:lnTo>
-                  <a:pt x="120000" y="120000"/>
-                </a:lnTo>
-                <a:lnTo>
-                  <a:pt x="0" y="120000"/>
-                </a:lnTo>
-                <a:close/>
-              </a:path>
-            </a:pathLst>
-          </a:custGeom>
-        </p:spPr>
-      </p:sp>
-      <p:sp>
-        <p:nvSpPr>
-          <p:cNvPr id="172" name="Google Shape;172;g1f38f7b6df7_0_85:notes"/>
-          <p:cNvSpPr txBox="1"/>
-          <p:nvPr>
-            <p:ph idx="1" type="body"/>
-          </p:nvPr>
-        </p:nvSpPr>
-        <p:spPr>
-          <a:xfrm>
-            <a:off x="685800" y="4343400"/>
-            <a:ext cx="5486400" cy="4114800"/>
-          </a:xfrm>
-          <a:prstGeom prst="rect">
-            <a:avLst/>
-          </a:prstGeom>
-        </p:spPr>
-        <p:txBody>
-          <a:bodyPr anchorCtr="0" anchor="t" bIns="91425" lIns="91425" spcFirstLastPara="1" rIns="91425" wrap="square" tIns="91425">
-            <a:noAutofit/>
-          </a:bodyPr>
-          <a:lstStyle/>
-          <a:p>
-            <a:pPr indent="0" lvl="0" marL="0" rtl="0" algn="l">
-              <a:spcBef>
-                <a:spcPts val="0"/>
-              </a:spcBef>
-              <a:spcAft>
-                <a:spcPts val="0"/>
-              </a:spcAft>
-              <a:buNone/>
-            </a:pPr>
-            <a:r>
-              <a:t/>
-            </a:r>
-            <a:endParaRPr/>
-          </a:p>
-        </p:txBody>
-      </p:sp>
-    </p:spTree>
-  </p:cSld>
-  <p:clrMapOvr>
-    <a:masterClrMapping/>
-  </p:clrMapOvr>
-</p:notes>
-</file>
-
-<file path=ppt/notesSlides/notesSlide22.xml><?xml version="1.0" encoding="utf-8"?>
-<p:notes xmlns:a="http://schemas.openxmlformats.org/drawingml/2006/main" xmlns:r="http://schemas.openxmlformats.org/officeDocument/2006/relationships" xmlns:mc="http://schemas.openxmlformats.org/markup-compatibility/2006" xmlns:mv="urn:schemas-microsoft-com:mac:vml" xmlns:p="http://schemas.openxmlformats.org/presentationml/2006/main" xmlns:c="http://schemas.openxmlformats.org/drawingml/2006/chart" xmlns:dgm="http://schemas.openxmlformats.org/drawingml/2006/diagram" xmlns:o="urn:schemas-microsoft-com:office:office" xmlns:v="urn:schemas-microsoft-com:vml" xmlns:pvml="urn:schemas-microsoft-com:office:powerpoint" xmlns:com="http://schemas.openxmlformats.org/drawingml/2006/compatibility" xmlns:p14="http://schemas.microsoft.com/office/powerpoint/2010/main" xmlns:p15="http://schemas.microsoft.com/office/powerpoint/2012/main" xmlns:ahyp="http://schemas.microsoft.com/office/drawing/2018/hyperlinkcolor" showMasterPhAnim="0" showMasterSp="0">
-  <p:cSld>
-    <p:spTree>
-      <p:nvGrpSpPr>
-        <p:cNvPr id="177" name="Shape 177"/>
-        <p:cNvGrpSpPr/>
-        <p:nvPr/>
-      </p:nvGrpSpPr>
-      <p:grpSpPr>
-        <a:xfrm>
-          <a:off x="0" y="0"/>
-          <a:ext cx="0" cy="0"/>
-          <a:chOff x="0" y="0"/>
-          <a:chExt cx="0" cy="0"/>
-        </a:xfrm>
-      </p:grpSpPr>
-      <p:sp>
-        <p:nvSpPr>
-          <p:cNvPr id="178" name="Google Shape;178;g1f38f7b6df7_0_121:notes"/>
-          <p:cNvSpPr/>
-          <p:nvPr>
-            <p:ph idx="2" type="sldImg"/>
-          </p:nvPr>
-        </p:nvSpPr>
-        <p:spPr>
-          <a:xfrm>
-            <a:off x="381300" y="685800"/>
-            <a:ext cx="6096000" cy="3429000"/>
-          </a:xfrm>
-          <a:custGeom>
-            <a:rect b="b" l="l" r="r" t="t"/>
-            <a:pathLst>
-              <a:path extrusionOk="0" h="120000" w="120000">
-                <a:moveTo>
-                  <a:pt x="0" y="0"/>
-                </a:moveTo>
-                <a:lnTo>
-                  <a:pt x="120000" y="0"/>
-                </a:lnTo>
-                <a:lnTo>
-                  <a:pt x="120000" y="120000"/>
-                </a:lnTo>
-                <a:lnTo>
-                  <a:pt x="0" y="120000"/>
-                </a:lnTo>
-                <a:close/>
-              </a:path>
-            </a:pathLst>
-          </a:custGeom>
-        </p:spPr>
-      </p:sp>
-      <p:sp>
-        <p:nvSpPr>
-          <p:cNvPr id="179" name="Google Shape;179;g1f38f7b6df7_0_121:notes"/>
-          <p:cNvSpPr txBox="1"/>
-          <p:nvPr>
-            <p:ph idx="1" type="body"/>
-          </p:nvPr>
-        </p:nvSpPr>
-        <p:spPr>
-          <a:xfrm>
-            <a:off x="685800" y="4343400"/>
-            <a:ext cx="5486400" cy="4114800"/>
-          </a:xfrm>
-          <a:prstGeom prst="rect">
-            <a:avLst/>
-          </a:prstGeom>
-        </p:spPr>
-        <p:txBody>
-          <a:bodyPr anchorCtr="0" anchor="t" bIns="91425" lIns="91425" spcFirstLastPara="1" rIns="91425" wrap="square" tIns="91425">
-            <a:noAutofit/>
-          </a:bodyPr>
-          <a:lstStyle/>
-          <a:p>
-            <a:pPr indent="0" lvl="0" marL="0" rtl="0" algn="l">
-              <a:spcBef>
-                <a:spcPts val="0"/>
-              </a:spcBef>
-              <a:spcAft>
-                <a:spcPts val="0"/>
-              </a:spcAft>
-              <a:buNone/>
-            </a:pPr>
-            <a:r>
-              <a:t/>
-            </a:r>
-            <a:endParaRPr/>
-          </a:p>
-        </p:txBody>
-      </p:sp>
-    </p:spTree>
-  </p:cSld>
-  <p:clrMapOvr>
-    <a:masterClrMapping/>
-  </p:clrMapOvr>
-</p:notes>
-</file>
-
-<file path=ppt/notesSlides/notesSlide23.xml><?xml version="1.0" encoding="utf-8"?>
-<p:notes xmlns:a="http://schemas.openxmlformats.org/drawingml/2006/main" xmlns:r="http://schemas.openxmlformats.org/officeDocument/2006/relationships" xmlns:mc="http://schemas.openxmlformats.org/markup-compatibility/2006" xmlns:mv="urn:schemas-microsoft-com:mac:vml" xmlns:p="http://schemas.openxmlformats.org/presentationml/2006/main" xmlns:c="http://schemas.openxmlformats.org/drawingml/2006/chart" xmlns:dgm="http://schemas.openxmlformats.org/drawingml/2006/diagram" xmlns:o="urn:schemas-microsoft-com:office:office" xmlns:v="urn:schemas-microsoft-com:vml" xmlns:pvml="urn:schemas-microsoft-com:office:powerpoint" xmlns:com="http://schemas.openxmlformats.org/drawingml/2006/compatibility" xmlns:p14="http://schemas.microsoft.com/office/powerpoint/2010/main" xmlns:p15="http://schemas.microsoft.com/office/powerpoint/2012/main" xmlns:ahyp="http://schemas.microsoft.com/office/drawing/2018/hyperlinkcolor" showMasterPhAnim="0" showMasterSp="0">
-  <p:cSld>
-    <p:spTree>
-      <p:nvGrpSpPr>
-        <p:cNvPr id="183" name="Shape 183"/>
-        <p:cNvGrpSpPr/>
-        <p:nvPr/>
-      </p:nvGrpSpPr>
-      <p:grpSpPr>
-        <a:xfrm>
-          <a:off x="0" y="0"/>
-          <a:ext cx="0" cy="0"/>
-          <a:chOff x="0" y="0"/>
-          <a:chExt cx="0" cy="0"/>
-        </a:xfrm>
-      </p:grpSpPr>
-      <p:sp>
-        <p:nvSpPr>
-          <p:cNvPr id="184" name="Google Shape;184;g1f38f7b6df7_0_116:notes"/>
-          <p:cNvSpPr/>
-          <p:nvPr>
-            <p:ph idx="2" type="sldImg"/>
-          </p:nvPr>
-        </p:nvSpPr>
-        <p:spPr>
-          <a:xfrm>
-            <a:off x="381300" y="685800"/>
-            <a:ext cx="6096000" cy="3429000"/>
-          </a:xfrm>
-          <a:custGeom>
-            <a:rect b="b" l="l" r="r" t="t"/>
-            <a:pathLst>
-              <a:path extrusionOk="0" h="120000" w="120000">
-                <a:moveTo>
-                  <a:pt x="0" y="0"/>
-                </a:moveTo>
-                <a:lnTo>
-                  <a:pt x="120000" y="0"/>
-                </a:lnTo>
-                <a:lnTo>
-                  <a:pt x="120000" y="120000"/>
-                </a:lnTo>
-                <a:lnTo>
-                  <a:pt x="0" y="120000"/>
-                </a:lnTo>
-                <a:close/>
-              </a:path>
-            </a:pathLst>
-          </a:custGeom>
-        </p:spPr>
-      </p:sp>
-      <p:sp>
-        <p:nvSpPr>
-          <p:cNvPr id="185" name="Google Shape;185;g1f38f7b6df7_0_116:notes"/>
-          <p:cNvSpPr txBox="1"/>
-          <p:nvPr>
-            <p:ph idx="1" type="body"/>
-          </p:nvPr>
-        </p:nvSpPr>
-        <p:spPr>
-          <a:xfrm>
-            <a:off x="685800" y="4343400"/>
-            <a:ext cx="5486400" cy="4114800"/>
-          </a:xfrm>
-          <a:prstGeom prst="rect">
-            <a:avLst/>
-          </a:prstGeom>
-        </p:spPr>
-        <p:txBody>
-          <a:bodyPr anchorCtr="0" anchor="t" bIns="91425" lIns="91425" spcFirstLastPara="1" rIns="91425" wrap="square" tIns="91425">
-            <a:noAutofit/>
-          </a:bodyPr>
-          <a:lstStyle/>
-          <a:p>
-            <a:pPr indent="0" lvl="0" marL="0" rtl="0" algn="l">
-              <a:spcBef>
-                <a:spcPts val="0"/>
-              </a:spcBef>
-              <a:spcAft>
-                <a:spcPts val="0"/>
-              </a:spcAft>
-              <a:buNone/>
-            </a:pPr>
-            <a:r>
-              <a:t/>
-            </a:r>
-            <a:endParaRPr/>
-          </a:p>
-        </p:txBody>
-      </p:sp>
-    </p:spTree>
-  </p:cSld>
-  <p:clrMapOvr>
-    <a:masterClrMapping/>
-  </p:clrMapOvr>
-</p:notes>
-</file>
-
-<file path=ppt/notesSlides/notesSlide24.xml><?xml version="1.0" encoding="utf-8"?>
-<p:notes xmlns:a="http://schemas.openxmlformats.org/drawingml/2006/main" xmlns:r="http://schemas.openxmlformats.org/officeDocument/2006/relationships" xmlns:mc="http://schemas.openxmlformats.org/markup-compatibility/2006" xmlns:mv="urn:schemas-microsoft-com:mac:vml" xmlns:p="http://schemas.openxmlformats.org/presentationml/2006/main" xmlns:c="http://schemas.openxmlformats.org/drawingml/2006/chart" xmlns:dgm="http://schemas.openxmlformats.org/drawingml/2006/diagram" xmlns:o="urn:schemas-microsoft-com:office:office" xmlns:v="urn:schemas-microsoft-com:vml" xmlns:pvml="urn:schemas-microsoft-com:office:powerpoint" xmlns:com="http://schemas.openxmlformats.org/drawingml/2006/compatibility" xmlns:p14="http://schemas.microsoft.com/office/powerpoint/2010/main" xmlns:p15="http://schemas.microsoft.com/office/powerpoint/2012/main" xmlns:ahyp="http://schemas.microsoft.com/office/drawing/2018/hyperlinkcolor" showMasterPhAnim="0" showMasterSp="0">
-  <p:cSld>
-    <p:spTree>
-      <p:nvGrpSpPr>
-        <p:cNvPr id="191" name="Shape 191"/>
-        <p:cNvGrpSpPr/>
-        <p:nvPr/>
-      </p:nvGrpSpPr>
-      <p:grpSpPr>
-        <a:xfrm>
-          <a:off x="0" y="0"/>
-          <a:ext cx="0" cy="0"/>
-          <a:chOff x="0" y="0"/>
-          <a:chExt cx="0" cy="0"/>
-        </a:xfrm>
-      </p:grpSpPr>
-      <p:sp>
-        <p:nvSpPr>
-          <p:cNvPr id="192" name="Google Shape;192;g1f38f7b6df7_0_145:notes"/>
-          <p:cNvSpPr/>
-          <p:nvPr>
-            <p:ph idx="2" type="sldImg"/>
-          </p:nvPr>
-        </p:nvSpPr>
-        <p:spPr>
-          <a:xfrm>
-            <a:off x="381300" y="685800"/>
-            <a:ext cx="6096000" cy="3429000"/>
-          </a:xfrm>
-          <a:custGeom>
-            <a:rect b="b" l="l" r="r" t="t"/>
-            <a:pathLst>
-              <a:path extrusionOk="0" h="120000" w="120000">
-                <a:moveTo>
-                  <a:pt x="0" y="0"/>
-                </a:moveTo>
-                <a:lnTo>
-                  <a:pt x="120000" y="0"/>
-                </a:lnTo>
-                <a:lnTo>
-                  <a:pt x="120000" y="120000"/>
-                </a:lnTo>
-                <a:lnTo>
-                  <a:pt x="0" y="120000"/>
-                </a:lnTo>
-                <a:close/>
-              </a:path>
-            </a:pathLst>
-          </a:custGeom>
-        </p:spPr>
-      </p:sp>
-      <p:sp>
-        <p:nvSpPr>
-          <p:cNvPr id="193" name="Google Shape;193;g1f38f7b6df7_0_145:notes"/>
-          <p:cNvSpPr txBox="1"/>
-          <p:nvPr>
-            <p:ph idx="1" type="body"/>
-          </p:nvPr>
-        </p:nvSpPr>
-        <p:spPr>
-          <a:xfrm>
-            <a:off x="685800" y="4343400"/>
-            <a:ext cx="5486400" cy="4114800"/>
-          </a:xfrm>
-          <a:prstGeom prst="rect">
-            <a:avLst/>
-          </a:prstGeom>
-        </p:spPr>
-        <p:txBody>
-          <a:bodyPr anchorCtr="0" anchor="t" bIns="91425" lIns="91425" spcFirstLastPara="1" rIns="91425" wrap="square" tIns="91425">
-            <a:noAutofit/>
-          </a:bodyPr>
-          <a:lstStyle/>
-          <a:p>
-            <a:pPr indent="0" lvl="0" marL="0" rtl="0" algn="l">
-              <a:spcBef>
-                <a:spcPts val="0"/>
-              </a:spcBef>
-              <a:spcAft>
-                <a:spcPts val="0"/>
-              </a:spcAft>
-              <a:buNone/>
-            </a:pPr>
-            <a:r>
-              <a:t/>
-            </a:r>
-            <a:endParaRPr/>
-          </a:p>
-        </p:txBody>
-      </p:sp>
-    </p:spTree>
-  </p:cSld>
-  <p:clrMapOvr>
-    <a:masterClrMapping/>
-  </p:clrMapOvr>
-</p:notes>
-</file>
-
-<file path=ppt/notesSlides/notesSlide25.xml><?xml version="1.0" encoding="utf-8"?>
-<p:notes xmlns:a="http://schemas.openxmlformats.org/drawingml/2006/main" xmlns:r="http://schemas.openxmlformats.org/officeDocument/2006/relationships" xmlns:mc="http://schemas.openxmlformats.org/markup-compatibility/2006" xmlns:mv="urn:schemas-microsoft-com:mac:vml" xmlns:p="http://schemas.openxmlformats.org/presentationml/2006/main" xmlns:c="http://schemas.openxmlformats.org/drawingml/2006/chart" xmlns:dgm="http://schemas.openxmlformats.org/drawingml/2006/diagram" xmlns:o="urn:schemas-microsoft-com:office:office" xmlns:v="urn:schemas-microsoft-com:vml" xmlns:pvml="urn:schemas-microsoft-com:office:powerpoint" xmlns:com="http://schemas.openxmlformats.org/drawingml/2006/compatibility" xmlns:p14="http://schemas.microsoft.com/office/powerpoint/2010/main" xmlns:p15="http://schemas.microsoft.com/office/powerpoint/2012/main" xmlns:ahyp="http://schemas.microsoft.com/office/drawing/2018/hyperlinkcolor" showMasterPhAnim="0" showMasterSp="0">
-  <p:cSld>
-    <p:spTree>
-      <p:nvGrpSpPr>
-        <p:cNvPr id="196" name="Shape 196"/>
-        <p:cNvGrpSpPr/>
-        <p:nvPr/>
-      </p:nvGrpSpPr>
-      <p:grpSpPr>
-        <a:xfrm>
-          <a:off x="0" y="0"/>
-          <a:ext cx="0" cy="0"/>
-          <a:chOff x="0" y="0"/>
-          <a:chExt cx="0" cy="0"/>
-        </a:xfrm>
-      </p:grpSpPr>
-      <p:sp>
-        <p:nvSpPr>
-          <p:cNvPr id="197" name="Google Shape;197;g1f38f7b6df7_0_156:notes"/>
-          <p:cNvSpPr/>
-          <p:nvPr>
-            <p:ph idx="2" type="sldImg"/>
-          </p:nvPr>
-        </p:nvSpPr>
-        <p:spPr>
-          <a:xfrm>
-            <a:off x="381300" y="685800"/>
-            <a:ext cx="6096000" cy="3429000"/>
-          </a:xfrm>
-          <a:custGeom>
-            <a:rect b="b" l="l" r="r" t="t"/>
-            <a:pathLst>
-              <a:path extrusionOk="0" h="120000" w="120000">
-                <a:moveTo>
-                  <a:pt x="0" y="0"/>
-                </a:moveTo>
-                <a:lnTo>
-                  <a:pt x="120000" y="0"/>
-                </a:lnTo>
-                <a:lnTo>
-                  <a:pt x="120000" y="120000"/>
-                </a:lnTo>
-                <a:lnTo>
-                  <a:pt x="0" y="120000"/>
-                </a:lnTo>
-                <a:close/>
-              </a:path>
-            </a:pathLst>
-          </a:custGeom>
-        </p:spPr>
-      </p:sp>
-      <p:sp>
-        <p:nvSpPr>
-          <p:cNvPr id="198" name="Google Shape;198;g1f38f7b6df7_0_156:notes"/>
-          <p:cNvSpPr txBox="1"/>
-          <p:nvPr>
-            <p:ph idx="1" type="body"/>
-          </p:nvPr>
-        </p:nvSpPr>
-        <p:spPr>
-          <a:xfrm>
-            <a:off x="685800" y="4343400"/>
-            <a:ext cx="5486400" cy="4114800"/>
-          </a:xfrm>
-          <a:prstGeom prst="rect">
-            <a:avLst/>
-          </a:prstGeom>
-        </p:spPr>
-        <p:txBody>
-          <a:bodyPr anchorCtr="0" anchor="t" bIns="91425" lIns="91425" spcFirstLastPara="1" rIns="91425" wrap="square" tIns="91425">
-            <a:noAutofit/>
-          </a:bodyPr>
-          <a:lstStyle/>
-          <a:p>
-            <a:pPr indent="0" lvl="0" marL="0" rtl="0" algn="l">
-              <a:spcBef>
-                <a:spcPts val="0"/>
-              </a:spcBef>
-              <a:spcAft>
-                <a:spcPts val="0"/>
-              </a:spcAft>
-              <a:buNone/>
-            </a:pPr>
-            <a:r>
-              <a:t/>
-            </a:r>
-            <a:endParaRPr/>
-          </a:p>
-        </p:txBody>
-      </p:sp>
-    </p:spTree>
-  </p:cSld>
-  <p:clrMapOvr>
-    <a:masterClrMapping/>
-  </p:clrMapOvr>
-</p:notes>
-</file>
-
-<file path=ppt/notesSlides/notesSlide26.xml><?xml version="1.0" encoding="utf-8"?>
-<p:notes xmlns:a="http://schemas.openxmlformats.org/drawingml/2006/main" xmlns:r="http://schemas.openxmlformats.org/officeDocument/2006/relationships" xmlns:mc="http://schemas.openxmlformats.org/markup-compatibility/2006" xmlns:mv="urn:schemas-microsoft-com:mac:vml" xmlns:p="http://schemas.openxmlformats.org/presentationml/2006/main" xmlns:c="http://schemas.openxmlformats.org/drawingml/2006/chart" xmlns:dgm="http://schemas.openxmlformats.org/drawingml/2006/diagram" xmlns:o="urn:schemas-microsoft-com:office:office" xmlns:v="urn:schemas-microsoft-com:vml" xmlns:pvml="urn:schemas-microsoft-com:office:powerpoint" xmlns:com="http://schemas.openxmlformats.org/drawingml/2006/compatibility" xmlns:p14="http://schemas.microsoft.com/office/powerpoint/2010/main" xmlns:p15="http://schemas.microsoft.com/office/powerpoint/2012/main" xmlns:ahyp="http://schemas.microsoft.com/office/drawing/2018/hyperlinkcolor" showMasterPhAnim="0" showMasterSp="0">
-  <p:cSld>
-    <p:spTree>
-      <p:nvGrpSpPr>
-        <p:cNvPr id="204" name="Shape 204"/>
-        <p:cNvGrpSpPr/>
-        <p:nvPr/>
-      </p:nvGrpSpPr>
-      <p:grpSpPr>
-        <a:xfrm>
-          <a:off x="0" y="0"/>
-          <a:ext cx="0" cy="0"/>
-          <a:chOff x="0" y="0"/>
-          <a:chExt cx="0" cy="0"/>
-        </a:xfrm>
-      </p:grpSpPr>
-      <p:sp>
-        <p:nvSpPr>
-          <p:cNvPr id="205" name="Google Shape;205;g1f38f7b6df7_0_172:notes"/>
-          <p:cNvSpPr/>
-          <p:nvPr>
-            <p:ph idx="2" type="sldImg"/>
-          </p:nvPr>
-        </p:nvSpPr>
-        <p:spPr>
-          <a:xfrm>
-            <a:off x="381300" y="685800"/>
-            <a:ext cx="6096000" cy="3429000"/>
-          </a:xfrm>
-          <a:custGeom>
-            <a:rect b="b" l="l" r="r" t="t"/>
-            <a:pathLst>
-              <a:path extrusionOk="0" h="120000" w="120000">
-                <a:moveTo>
-                  <a:pt x="0" y="0"/>
-                </a:moveTo>
-                <a:lnTo>
-                  <a:pt x="120000" y="0"/>
-                </a:lnTo>
-                <a:lnTo>
-                  <a:pt x="120000" y="120000"/>
-                </a:lnTo>
-                <a:lnTo>
-                  <a:pt x="0" y="120000"/>
-                </a:lnTo>
-                <a:close/>
-              </a:path>
-            </a:pathLst>
-          </a:custGeom>
-        </p:spPr>
-      </p:sp>
-      <p:sp>
-        <p:nvSpPr>
-          <p:cNvPr id="206" name="Google Shape;206;g1f38f7b6df7_0_172:notes"/>
-          <p:cNvSpPr txBox="1"/>
-          <p:nvPr>
-            <p:ph idx="1" type="body"/>
-          </p:nvPr>
-        </p:nvSpPr>
-        <p:spPr>
-          <a:xfrm>
-            <a:off x="685800" y="4343400"/>
-            <a:ext cx="5486400" cy="4114800"/>
-          </a:xfrm>
-          <a:prstGeom prst="rect">
-            <a:avLst/>
-          </a:prstGeom>
-        </p:spPr>
-        <p:txBody>
-          <a:bodyPr anchorCtr="0" anchor="t" bIns="91425" lIns="91425" spcFirstLastPara="1" rIns="91425" wrap="square" tIns="91425">
-            <a:noAutofit/>
-          </a:bodyPr>
-          <a:lstStyle/>
-          <a:p>
-            <a:pPr indent="0" lvl="0" marL="0" rtl="0" algn="l">
-              <a:spcBef>
-                <a:spcPts val="0"/>
-              </a:spcBef>
-              <a:spcAft>
-                <a:spcPts val="0"/>
-              </a:spcAft>
-              <a:buNone/>
-            </a:pPr>
-            <a:r>
-              <a:t/>
-            </a:r>
-            <a:endParaRPr/>
-          </a:p>
-        </p:txBody>
-      </p:sp>
-    </p:spTree>
-  </p:cSld>
-  <p:clrMapOvr>
-    <a:masterClrMapping/>
-  </p:clrMapOvr>
-</p:notes>
-</file>
-
-<file path=ppt/notesSlides/notesSlide27.xml><?xml version="1.0" encoding="utf-8"?>
-<p:notes xmlns:a="http://schemas.openxmlformats.org/drawingml/2006/main" xmlns:r="http://schemas.openxmlformats.org/officeDocument/2006/relationships" xmlns:mc="http://schemas.openxmlformats.org/markup-compatibility/2006" xmlns:mv="urn:schemas-microsoft-com:mac:vml" xmlns:p="http://schemas.openxmlformats.org/presentationml/2006/main" xmlns:c="http://schemas.openxmlformats.org/drawingml/2006/chart" xmlns:dgm="http://schemas.openxmlformats.org/drawingml/2006/diagram" xmlns:o="urn:schemas-microsoft-com:office:office" xmlns:v="urn:schemas-microsoft-com:vml" xmlns:pvml="urn:schemas-microsoft-com:office:powerpoint" xmlns:com="http://schemas.openxmlformats.org/drawingml/2006/compatibility" xmlns:p14="http://schemas.microsoft.com/office/powerpoint/2010/main" xmlns:p15="http://schemas.microsoft.com/office/powerpoint/2012/main" xmlns:ahyp="http://schemas.microsoft.com/office/drawing/2018/hyperlinkcolor" showMasterPhAnim="0" showMasterSp="0">
-  <p:cSld>
-    <p:spTree>
-      <p:nvGrpSpPr>
-        <p:cNvPr id="213" name="Shape 213"/>
-        <p:cNvGrpSpPr/>
-        <p:nvPr/>
-      </p:nvGrpSpPr>
-      <p:grpSpPr>
-        <a:xfrm>
-          <a:off x="0" y="0"/>
-          <a:ext cx="0" cy="0"/>
-          <a:chOff x="0" y="0"/>
-          <a:chExt cx="0" cy="0"/>
-        </a:xfrm>
-      </p:grpSpPr>
-      <p:sp>
-        <p:nvSpPr>
-          <p:cNvPr id="214" name="Google Shape;214;g1f38f7b6df7_0_164:notes"/>
-          <p:cNvSpPr/>
-          <p:nvPr>
-            <p:ph idx="2" type="sldImg"/>
-          </p:nvPr>
-        </p:nvSpPr>
-        <p:spPr>
-          <a:xfrm>
-            <a:off x="381300" y="685800"/>
-            <a:ext cx="6096000" cy="3429000"/>
-          </a:xfrm>
-          <a:custGeom>
-            <a:rect b="b" l="l" r="r" t="t"/>
-            <a:pathLst>
-              <a:path extrusionOk="0" h="120000" w="120000">
-                <a:moveTo>
-                  <a:pt x="0" y="0"/>
-                </a:moveTo>
-                <a:lnTo>
-                  <a:pt x="120000" y="0"/>
-                </a:lnTo>
-                <a:lnTo>
-                  <a:pt x="120000" y="120000"/>
-                </a:lnTo>
-                <a:lnTo>
-                  <a:pt x="0" y="120000"/>
-                </a:lnTo>
-                <a:close/>
-              </a:path>
-            </a:pathLst>
-          </a:custGeom>
-        </p:spPr>
-      </p:sp>
-      <p:sp>
-        <p:nvSpPr>
-          <p:cNvPr id="215" name="Google Shape;215;g1f38f7b6df7_0_164:notes"/>
           <p:cNvSpPr txBox="1"/>
           <p:nvPr>
             <p:ph idx="1" type="body"/>
@@ -2991,7 +2452,39 @@
               <a:buNone/>
             </a:pPr>
             <a:r>
+              <a:rPr lang="en"/>
+              <a:t>The image on the left is the legacy feature that we will be rebuilding using a modern JavaScript framework and UI styles.</a:t>
+            </a:r>
+            <a:endParaRPr/>
+          </a:p>
+          <a:p>
+            <a:pPr indent="0" lvl="0" marL="0" rtl="0" algn="l">
+              <a:spcBef>
+                <a:spcPts val="0"/>
+              </a:spcBef>
+              <a:spcAft>
+                <a:spcPts val="0"/>
+              </a:spcAft>
+              <a:buNone/>
+            </a:pPr>
+            <a:r>
               <a:t/>
+            </a:r>
+            <a:endParaRPr/>
+          </a:p>
+          <a:p>
+            <a:pPr indent="0" lvl="0" marL="0" rtl="0" algn="l">
+              <a:spcBef>
+                <a:spcPts val="0"/>
+              </a:spcBef>
+              <a:spcAft>
+                <a:spcPts val="0"/>
+              </a:spcAft>
+              <a:buNone/>
+            </a:pPr>
+            <a:r>
+              <a:rPr lang="en"/>
+              <a:t>The image on the right is the updated feature as designed using our modern UI component library.</a:t>
             </a:r>
             <a:endParaRPr/>
           </a:p>
@@ -3090,7 +2583,8 @@
               <a:buNone/>
             </a:pPr>
             <a:r>
-              <a:t/>
+              <a:rPr lang="en"/>
+              <a:t>This image illustrates the original feature and some interactive styles. This “list” is built using many divs and spans for layout and clickable text elements.</a:t>
             </a:r>
             <a:endParaRPr/>
           </a:p>
@@ -3178,6 +2672,43 @@
             <a:noAutofit/>
           </a:bodyPr>
           <a:lstStyle/>
+          <a:p>
+            <a:pPr indent="0" lvl="0" marL="0" rtl="0" algn="l">
+              <a:spcBef>
+                <a:spcPts val="0"/>
+              </a:spcBef>
+              <a:spcAft>
+                <a:spcPts val="0"/>
+              </a:spcAft>
+              <a:buClr>
+                <a:schemeClr val="dk1"/>
+              </a:buClr>
+              <a:buSzPts val="1100"/>
+              <a:buFont typeface="Arial"/>
+              <a:buNone/>
+            </a:pPr>
+            <a:r>
+              <a:rPr lang="en">
+                <a:solidFill>
+                  <a:schemeClr val="dk1"/>
+                </a:solidFill>
+              </a:rPr>
+              <a:t>The</a:t>
+            </a:r>
+            <a:r>
+              <a:rPr lang="en">
+                <a:solidFill>
+                  <a:schemeClr val="dk1"/>
+                </a:solidFill>
+              </a:rPr>
+              <a:t> image on the right shows the original feature with many of they styles removed. This is to illustrate the structure of the HTML as it is written in the DOM and read aloud by a screen reader.</a:t>
+            </a:r>
+            <a:endParaRPr>
+              <a:solidFill>
+                <a:schemeClr val="dk1"/>
+              </a:solidFill>
+            </a:endParaRPr>
+          </a:p>
           <a:p>
             <a:pPr indent="0" lvl="0" marL="0" rtl="0" algn="l">
               <a:spcBef>
@@ -3288,7 +2819,63 @@
               <a:buNone/>
             </a:pPr>
             <a:r>
+              <a:rPr lang="en"/>
+              <a:t>A customer interview video where the customer describes how confusing the list is to navigate with a screen reader. The legacy list does not provide any structure and the text is </a:t>
+            </a:r>
+            <a:r>
+              <a:rPr lang="en"/>
+              <a:t>completely</a:t>
+            </a:r>
+            <a:r>
+              <a:rPr lang="en"/>
+              <a:t> out of order and </a:t>
+            </a:r>
+            <a:r>
+              <a:rPr lang="en"/>
+              <a:t>without</a:t>
+            </a:r>
+            <a:r>
+              <a:rPr lang="en"/>
+              <a:t> context. The customer believes this should be built as a table while our accessibility leader believes it </a:t>
+            </a:r>
+            <a:r>
+              <a:rPr lang="en"/>
+              <a:t>should</a:t>
+            </a:r>
+            <a:r>
+              <a:rPr lang="en"/>
+              <a:t> be built as an unordered list.</a:t>
+            </a:r>
+            <a:endParaRPr/>
+          </a:p>
+          <a:p>
+            <a:pPr indent="0" lvl="0" marL="0" rtl="0" algn="l">
+              <a:spcBef>
+                <a:spcPts val="0"/>
+              </a:spcBef>
+              <a:spcAft>
+                <a:spcPts val="0"/>
+              </a:spcAft>
+              <a:buNone/>
+            </a:pPr>
+            <a:r>
               <a:t/>
+            </a:r>
+            <a:endParaRPr/>
+          </a:p>
+          <a:p>
+            <a:pPr indent="0" lvl="0" marL="0" rtl="0" algn="l">
+              <a:spcBef>
+                <a:spcPts val="0"/>
+              </a:spcBef>
+              <a:spcAft>
+                <a:spcPts val="0"/>
+              </a:spcAft>
+              <a:buNone/>
+            </a:pPr>
+            <a:r>
+              <a:rPr lang="en"/>
+              <a:t>Video cannot be shared publicly due to IP.</a:t>
             </a:r>
             <a:endParaRPr/>
           </a:p>
@@ -3387,7 +2974,8 @@
               <a:buNone/>
             </a:pPr>
             <a:r>
-              <a:t/>
+              <a:rPr lang="en"/>
+              <a:t>This image shows an ordered list (no styling applied) using a definition list to define terms and values. Refer to “Semantic DL.mov” in the “Experiment Videos” for the demonstration.</a:t>
             </a:r>
             <a:endParaRPr/>
           </a:p>
@@ -8922,8 +8510,8 @@
         </p:blipFill>
         <p:spPr>
           <a:xfrm>
-            <a:off x="381000" y="152400"/>
-            <a:ext cx="1472337" cy="4838700"/>
+            <a:off x="76200" y="152400"/>
+            <a:ext cx="2371725" cy="2705100"/>
           </a:xfrm>
           <a:prstGeom prst="rect">
             <a:avLst/>
@@ -8941,16 +8529,39 @@
           </a:effectLst>
         </p:spPr>
       </p:pic>
+    </p:spTree>
+  </p:cSld>
+  <p:clrMapOvr>
+    <a:masterClrMapping/>
+  </p:clrMapOvr>
+</p:sld>
+</file>
+
+<file path=ppt/slides/slide11.xml><?xml version="1.0" encoding="utf-8"?>
+<p:sld xmlns:a="http://schemas.openxmlformats.org/drawingml/2006/main" xmlns:r="http://schemas.openxmlformats.org/officeDocument/2006/relationships" xmlns:mc="http://schemas.openxmlformats.org/markup-compatibility/2006" xmlns:mv="urn:schemas-microsoft-com:mac:vml" xmlns:p="http://schemas.openxmlformats.org/presentationml/2006/main" xmlns:c="http://schemas.openxmlformats.org/drawingml/2006/chart" xmlns:dgm="http://schemas.openxmlformats.org/drawingml/2006/diagram" xmlns:o="urn:schemas-microsoft-com:office:office" xmlns:v="urn:schemas-microsoft-com:vml" xmlns:pvml="urn:schemas-microsoft-com:office:powerpoint" xmlns:com="http://schemas.openxmlformats.org/drawingml/2006/compatibility" xmlns:p14="http://schemas.microsoft.com/office/powerpoint/2010/main" xmlns:p15="http://schemas.microsoft.com/office/powerpoint/2012/main" xmlns:ahyp="http://schemas.microsoft.com/office/drawing/2018/hyperlinkcolor">
+  <p:cSld>
+    <p:spTree>
+      <p:nvGrpSpPr>
+        <p:cNvPr id="116" name="Shape 116"/>
+        <p:cNvGrpSpPr/>
+        <p:nvPr/>
+      </p:nvGrpSpPr>
+      <p:grpSpPr>
+        <a:xfrm>
+          <a:off x="0" y="0"/>
+          <a:ext cx="0" cy="0"/>
+          <a:chOff x="0" y="0"/>
+          <a:chExt cx="0" cy="0"/>
+        </a:xfrm>
+      </p:grpSpPr>
       <p:pic>
         <p:nvPicPr>
-          <p:cNvPr id="113" name="Google Shape;113;p23" title="1 - Semantic DL.mov">
-            <a:hlinkClick r:id="rId4"/>
-          </p:cNvPr>
+          <p:cNvPr id="117" name="Google Shape;117;p24"/>
           <p:cNvPicPr preferRelativeResize="0"/>
           <p:nvPr/>
         </p:nvPicPr>
         <p:blipFill>
-          <a:blip r:embed="rId5">
+          <a:blip r:embed="rId3">
             <a:alphaModFix/>
           </a:blip>
           <a:stretch>
@@ -8959,8 +8570,8 @@
         </p:blipFill>
         <p:spPr>
           <a:xfrm>
-            <a:off x="2584525" y="283700"/>
-            <a:ext cx="6101450" cy="4576100"/>
+            <a:off x="152400" y="152400"/>
+            <a:ext cx="2684625" cy="2792000"/>
           </a:xfrm>
           <a:prstGeom prst="rect">
             <a:avLst/>
@@ -8983,98 +8594,15 @@
   <p:clrMapOvr>
     <a:masterClrMapping/>
   </p:clrMapOvr>
-  <p:timing>
-    <p:tnLst>
-      <p:par>
-        <p:cTn dur="indefinite" nodeType="tmRoot" restart="never">
-          <p:childTnLst>
-            <p:seq concurrent="1" nextAc="seek">
-              <p:cTn dur="indefinite" id="2" nodeType="mainSeq">
-                <p:childTnLst>
-                  <p:par>
-                    <p:cTn fill="hold">
-                      <p:stCondLst>
-                        <p:cond delay="indefinite"/>
-                      </p:stCondLst>
-                      <p:childTnLst>
-                        <p:par>
-                          <p:cTn fill="hold">
-                            <p:stCondLst>
-                              <p:cond delay="0"/>
-                            </p:stCondLst>
-                            <p:childTnLst>
-                              <p:par>
-                                <p:cTn fill="hold" nodeType="clickEffect" presetClass="entr" presetID="10" presetSubtype="0">
-                                  <p:stCondLst>
-                                    <p:cond delay="0"/>
-                                  </p:stCondLst>
-                                  <p:childTnLst>
-                                    <p:set>
-                                      <p:cBhvr>
-                                        <p:cTn dur="1" fill="hold">
-                                          <p:stCondLst>
-                                            <p:cond delay="0"/>
-                                          </p:stCondLst>
-                                        </p:cTn>
-                                        <p:tgtEl>
-                                          <p:spTgt spid="113"/>
-                                        </p:tgtEl>
-                                        <p:attrNameLst>
-                                          <p:attrName>style.visibility</p:attrName>
-                                        </p:attrNameLst>
-                                      </p:cBhvr>
-                                      <p:to>
-                                        <p:strVal val="visible"/>
-                                      </p:to>
-                                    </p:set>
-                                    <p:animEffect filter="fade" transition="in">
-                                      <p:cBhvr>
-                                        <p:cTn dur="1000"/>
-                                        <p:tgtEl>
-                                          <p:spTgt spid="113"/>
-                                        </p:tgtEl>
-                                      </p:cBhvr>
-                                    </p:animEffect>
-                                  </p:childTnLst>
-                                </p:cTn>
-                              </p:par>
-                            </p:childTnLst>
-                          </p:cTn>
-                        </p:par>
-                      </p:childTnLst>
-                    </p:cTn>
-                  </p:par>
-                </p:childTnLst>
-              </p:cTn>
-              <p:prevCondLst>
-                <p:cond evt="onPrev">
-                  <p:tgtEl>
-                    <p:sldTgt/>
-                  </p:tgtEl>
-                </p:cond>
-              </p:prevCondLst>
-              <p:nextCondLst>
-                <p:cond evt="onNext">
-                  <p:tgtEl>
-                    <p:sldTgt/>
-                  </p:tgtEl>
-                </p:cond>
-              </p:nextCondLst>
-            </p:seq>
-          </p:childTnLst>
-        </p:cTn>
-      </p:par>
-    </p:tnLst>
-  </p:timing>
 </p:sld>
 </file>
 
-<file path=ppt/slides/slide11.xml><?xml version="1.0" encoding="utf-8"?>
+<file path=ppt/slides/slide12.xml><?xml version="1.0" encoding="utf-8"?>
 <p:sld xmlns:a="http://schemas.openxmlformats.org/drawingml/2006/main" xmlns:r="http://schemas.openxmlformats.org/officeDocument/2006/relationships" xmlns:mc="http://schemas.openxmlformats.org/markup-compatibility/2006" xmlns:mv="urn:schemas-microsoft-com:mac:vml" xmlns:p="http://schemas.openxmlformats.org/presentationml/2006/main" xmlns:c="http://schemas.openxmlformats.org/drawingml/2006/chart" xmlns:dgm="http://schemas.openxmlformats.org/drawingml/2006/diagram" xmlns:o="urn:schemas-microsoft-com:office:office" xmlns:v="urn:schemas-microsoft-com:vml" xmlns:pvml="urn:schemas-microsoft-com:office:powerpoint" xmlns:com="http://schemas.openxmlformats.org/drawingml/2006/compatibility" xmlns:p14="http://schemas.microsoft.com/office/powerpoint/2010/main" xmlns:p15="http://schemas.microsoft.com/office/powerpoint/2012/main" xmlns:ahyp="http://schemas.microsoft.com/office/drawing/2018/hyperlinkcolor">
   <p:cSld>
     <p:spTree>
       <p:nvGrpSpPr>
-        <p:cNvPr id="117" name="Shape 117"/>
+        <p:cNvPr id="121" name="Shape 121"/>
         <p:cNvGrpSpPr/>
         <p:nvPr/>
       </p:nvGrpSpPr>
@@ -9088,7 +8616,7 @@
       </p:grpSpPr>
       <p:pic>
         <p:nvPicPr>
-          <p:cNvPr id="118" name="Google Shape;118;p24"/>
+          <p:cNvPr id="122" name="Google Shape;122;p25"/>
           <p:cNvPicPr preferRelativeResize="0"/>
           <p:nvPr/>
         </p:nvPicPr>
@@ -9102,8 +8630,209 @@
         </p:blipFill>
         <p:spPr>
           <a:xfrm>
-            <a:off x="76200" y="152400"/>
-            <a:ext cx="2371725" cy="2705100"/>
+            <a:off x="152400" y="152400"/>
+            <a:ext cx="5114925" cy="2085975"/>
+          </a:xfrm>
+          <a:prstGeom prst="rect">
+            <a:avLst/>
+          </a:prstGeom>
+          <a:noFill/>
+          <a:ln>
+            <a:noFill/>
+          </a:ln>
+        </p:spPr>
+      </p:pic>
+    </p:spTree>
+  </p:cSld>
+  <p:clrMapOvr>
+    <a:masterClrMapping/>
+  </p:clrMapOvr>
+</p:sld>
+</file>
+
+<file path=ppt/slides/slide13.xml><?xml version="1.0" encoding="utf-8"?>
+<p:sld xmlns:a="http://schemas.openxmlformats.org/drawingml/2006/main" xmlns:r="http://schemas.openxmlformats.org/officeDocument/2006/relationships" xmlns:mc="http://schemas.openxmlformats.org/markup-compatibility/2006" xmlns:mv="urn:schemas-microsoft-com:mac:vml" xmlns:p="http://schemas.openxmlformats.org/presentationml/2006/main" xmlns:c="http://schemas.openxmlformats.org/drawingml/2006/chart" xmlns:dgm="http://schemas.openxmlformats.org/drawingml/2006/diagram" xmlns:o="urn:schemas-microsoft-com:office:office" xmlns:v="urn:schemas-microsoft-com:vml" xmlns:pvml="urn:schemas-microsoft-com:office:powerpoint" xmlns:com="http://schemas.openxmlformats.org/drawingml/2006/compatibility" xmlns:p14="http://schemas.microsoft.com/office/powerpoint/2010/main" xmlns:p15="http://schemas.microsoft.com/office/powerpoint/2012/main" xmlns:ahyp="http://schemas.microsoft.com/office/drawing/2018/hyperlinkcolor">
+  <p:cSld>
+    <p:spTree>
+      <p:nvGrpSpPr>
+        <p:cNvPr id="126" name="Shape 126"/>
+        <p:cNvGrpSpPr/>
+        <p:nvPr/>
+      </p:nvGrpSpPr>
+      <p:grpSpPr>
+        <a:xfrm>
+          <a:off x="0" y="0"/>
+          <a:ext cx="0" cy="0"/>
+          <a:chOff x="0" y="0"/>
+          <a:chExt cx="0" cy="0"/>
+        </a:xfrm>
+      </p:grpSpPr>
+      <p:pic>
+        <p:nvPicPr>
+          <p:cNvPr id="127" name="Google Shape;127;p26"/>
+          <p:cNvPicPr preferRelativeResize="0"/>
+          <p:nvPr/>
+        </p:nvPicPr>
+        <p:blipFill>
+          <a:blip r:embed="rId3">
+            <a:alphaModFix/>
+          </a:blip>
+          <a:stretch>
+            <a:fillRect/>
+          </a:stretch>
+        </p:blipFill>
+        <p:spPr>
+          <a:xfrm>
+            <a:off x="152400" y="152400"/>
+            <a:ext cx="3886200" cy="3476625"/>
+          </a:xfrm>
+          <a:prstGeom prst="rect">
+            <a:avLst/>
+          </a:prstGeom>
+          <a:noFill/>
+          <a:ln>
+            <a:noFill/>
+          </a:ln>
+        </p:spPr>
+      </p:pic>
+    </p:spTree>
+  </p:cSld>
+  <p:clrMapOvr>
+    <a:masterClrMapping/>
+  </p:clrMapOvr>
+</p:sld>
+</file>
+
+<file path=ppt/slides/slide14.xml><?xml version="1.0" encoding="utf-8"?>
+<p:sld xmlns:a="http://schemas.openxmlformats.org/drawingml/2006/main" xmlns:r="http://schemas.openxmlformats.org/officeDocument/2006/relationships" xmlns:mc="http://schemas.openxmlformats.org/markup-compatibility/2006" xmlns:mv="urn:schemas-microsoft-com:mac:vml" xmlns:p="http://schemas.openxmlformats.org/presentationml/2006/main" xmlns:c="http://schemas.openxmlformats.org/drawingml/2006/chart" xmlns:dgm="http://schemas.openxmlformats.org/drawingml/2006/diagram" xmlns:o="urn:schemas-microsoft-com:office:office" xmlns:v="urn:schemas-microsoft-com:vml" xmlns:pvml="urn:schemas-microsoft-com:office:powerpoint" xmlns:com="http://schemas.openxmlformats.org/drawingml/2006/compatibility" xmlns:p14="http://schemas.microsoft.com/office/powerpoint/2010/main" xmlns:p15="http://schemas.microsoft.com/office/powerpoint/2012/main" xmlns:ahyp="http://schemas.microsoft.com/office/drawing/2018/hyperlinkcolor">
+  <p:cSld>
+    <p:spTree>
+      <p:nvGrpSpPr>
+        <p:cNvPr id="131" name="Shape 131"/>
+        <p:cNvGrpSpPr/>
+        <p:nvPr/>
+      </p:nvGrpSpPr>
+      <p:grpSpPr>
+        <a:xfrm>
+          <a:off x="0" y="0"/>
+          <a:ext cx="0" cy="0"/>
+          <a:chOff x="0" y="0"/>
+          <a:chExt cx="0" cy="0"/>
+        </a:xfrm>
+      </p:grpSpPr>
+      <p:sp>
+        <p:nvSpPr>
+          <p:cNvPr id="132" name="Google Shape;132;p27"/>
+          <p:cNvSpPr txBox="1"/>
+          <p:nvPr>
+            <p:ph type="title"/>
+          </p:nvPr>
+        </p:nvSpPr>
+        <p:spPr>
+          <a:xfrm>
+            <a:off x="311700" y="445025"/>
+            <a:ext cx="8520600" cy="572700"/>
+          </a:xfrm>
+          <a:prstGeom prst="rect">
+            <a:avLst/>
+          </a:prstGeom>
+        </p:spPr>
+        <p:txBody>
+          <a:bodyPr anchorCtr="0" anchor="t" bIns="91425" lIns="91425" spcFirstLastPara="1" rIns="91425" wrap="square" tIns="91425">
+            <a:normAutofit fontScale="90000"/>
+          </a:bodyPr>
+          <a:lstStyle/>
+          <a:p>
+            <a:pPr indent="0" lvl="0" marL="0" rtl="0" algn="l">
+              <a:spcBef>
+                <a:spcPts val="0"/>
+              </a:spcBef>
+              <a:spcAft>
+                <a:spcPts val="0"/>
+              </a:spcAft>
+              <a:buNone/>
+            </a:pPr>
+            <a:r>
+              <a:rPr lang="en"/>
+              <a:t>Lessons Learned</a:t>
+            </a:r>
+            <a:endParaRPr/>
+          </a:p>
+        </p:txBody>
+      </p:sp>
+      <p:sp>
+        <p:nvSpPr>
+          <p:cNvPr id="133" name="Google Shape;133;p27"/>
+          <p:cNvSpPr txBox="1"/>
+          <p:nvPr>
+            <p:ph idx="1" type="body"/>
+          </p:nvPr>
+        </p:nvSpPr>
+        <p:spPr>
+          <a:xfrm>
+            <a:off x="311700" y="1152475"/>
+            <a:ext cx="8520600" cy="3416400"/>
+          </a:xfrm>
+          <a:prstGeom prst="rect">
+            <a:avLst/>
+          </a:prstGeom>
+        </p:spPr>
+        <p:txBody>
+          <a:bodyPr anchorCtr="0" anchor="t" bIns="91425" lIns="91425" spcFirstLastPara="1" rIns="91425" wrap="square" tIns="91425">
+            <a:normAutofit/>
+          </a:bodyPr>
+          <a:lstStyle/>
+          <a:p>
+            <a:pPr indent="-342900" lvl="0" marL="457200" rtl="0" algn="l">
+              <a:spcBef>
+                <a:spcPts val="0"/>
+              </a:spcBef>
+              <a:spcAft>
+                <a:spcPts val="0"/>
+              </a:spcAft>
+              <a:buSzPts val="1800"/>
+              <a:buAutoNum type="arabicPeriod"/>
+            </a:pPr>
+            <a:r>
+              <a:rPr lang="en"/>
+              <a:t>Visually delightful ≠ accessible</a:t>
+            </a:r>
+            <a:endParaRPr/>
+          </a:p>
+          <a:p>
+            <a:pPr indent="0" lvl="0" marL="457200" rtl="0" algn="l">
+              <a:spcBef>
+                <a:spcPts val="1200"/>
+              </a:spcBef>
+              <a:spcAft>
+                <a:spcPts val="1200"/>
+              </a:spcAft>
+              <a:buNone/>
+            </a:pPr>
+            <a:r>
+              <a:t/>
+            </a:r>
+            <a:endParaRPr/>
+          </a:p>
+        </p:txBody>
+      </p:sp>
+      <p:pic>
+        <p:nvPicPr>
+          <p:cNvPr id="134" name="Google Shape;134;p27"/>
+          <p:cNvPicPr preferRelativeResize="0"/>
+          <p:nvPr/>
+        </p:nvPicPr>
+        <p:blipFill rotWithShape="1">
+          <a:blip r:embed="rId3">
+            <a:alphaModFix/>
+          </a:blip>
+          <a:srcRect b="0" l="3595" r="2029" t="0"/>
+          <a:stretch/>
+        </p:blipFill>
+        <p:spPr>
+          <a:xfrm>
+            <a:off x="5325800" y="405925"/>
+            <a:ext cx="3083450" cy="3876675"/>
           </a:xfrm>
           <a:prstGeom prst="rect">
             <a:avLst/>
@@ -9129,12 +8858,12 @@
 </p:sld>
 </file>
 
-<file path=ppt/slides/slide12.xml><?xml version="1.0" encoding="utf-8"?>
+<file path=ppt/slides/slide15.xml><?xml version="1.0" encoding="utf-8"?>
 <p:sld xmlns:a="http://schemas.openxmlformats.org/drawingml/2006/main" xmlns:r="http://schemas.openxmlformats.org/officeDocument/2006/relationships" xmlns:mc="http://schemas.openxmlformats.org/markup-compatibility/2006" xmlns:mv="urn:schemas-microsoft-com:mac:vml" xmlns:p="http://schemas.openxmlformats.org/presentationml/2006/main" xmlns:c="http://schemas.openxmlformats.org/drawingml/2006/chart" xmlns:dgm="http://schemas.openxmlformats.org/drawingml/2006/diagram" xmlns:o="urn:schemas-microsoft-com:office:office" xmlns:v="urn:schemas-microsoft-com:vml" xmlns:pvml="urn:schemas-microsoft-com:office:powerpoint" xmlns:com="http://schemas.openxmlformats.org/drawingml/2006/compatibility" xmlns:p14="http://schemas.microsoft.com/office/powerpoint/2010/main" xmlns:p15="http://schemas.microsoft.com/office/powerpoint/2012/main" xmlns:ahyp="http://schemas.microsoft.com/office/drawing/2018/hyperlinkcolor">
   <p:cSld>
     <p:spTree>
       <p:nvGrpSpPr>
-        <p:cNvPr id="122" name="Shape 122"/>
+        <p:cNvPr id="138" name="Shape 138"/>
         <p:cNvGrpSpPr/>
         <p:nvPr/>
       </p:nvGrpSpPr>
@@ -9146,9 +8875,264 @@
           <a:chExt cx="0" cy="0"/>
         </a:xfrm>
       </p:grpSpPr>
+      <p:sp>
+        <p:nvSpPr>
+          <p:cNvPr id="139" name="Google Shape;139;p28"/>
+          <p:cNvSpPr txBox="1"/>
+          <p:nvPr>
+            <p:ph type="title"/>
+          </p:nvPr>
+        </p:nvSpPr>
+        <p:spPr>
+          <a:xfrm>
+            <a:off x="311700" y="445025"/>
+            <a:ext cx="8520600" cy="572700"/>
+          </a:xfrm>
+          <a:prstGeom prst="rect">
+            <a:avLst/>
+          </a:prstGeom>
+        </p:spPr>
+        <p:txBody>
+          <a:bodyPr anchorCtr="0" anchor="t" bIns="91425" lIns="91425" spcFirstLastPara="1" rIns="91425" wrap="square" tIns="91425">
+            <a:normAutofit fontScale="90000"/>
+          </a:bodyPr>
+          <a:lstStyle/>
+          <a:p>
+            <a:pPr indent="0" lvl="0" marL="0" rtl="0" algn="l">
+              <a:spcBef>
+                <a:spcPts val="0"/>
+              </a:spcBef>
+              <a:spcAft>
+                <a:spcPts val="0"/>
+              </a:spcAft>
+              <a:buNone/>
+            </a:pPr>
+            <a:r>
+              <a:rPr lang="en"/>
+              <a:t>Lessons Learned</a:t>
+            </a:r>
+            <a:endParaRPr/>
+          </a:p>
+        </p:txBody>
+      </p:sp>
+      <p:sp>
+        <p:nvSpPr>
+          <p:cNvPr id="140" name="Google Shape;140;p28"/>
+          <p:cNvSpPr txBox="1"/>
+          <p:nvPr>
+            <p:ph idx="1" type="body"/>
+          </p:nvPr>
+        </p:nvSpPr>
+        <p:spPr>
+          <a:xfrm>
+            <a:off x="311700" y="1152475"/>
+            <a:ext cx="8520600" cy="3416400"/>
+          </a:xfrm>
+          <a:prstGeom prst="rect">
+            <a:avLst/>
+          </a:prstGeom>
+        </p:spPr>
+        <p:txBody>
+          <a:bodyPr anchorCtr="0" anchor="t" bIns="91425" lIns="91425" spcFirstLastPara="1" rIns="91425" wrap="square" tIns="91425">
+            <a:normAutofit/>
+          </a:bodyPr>
+          <a:lstStyle/>
+          <a:p>
+            <a:pPr indent="-342900" lvl="0" marL="457200" rtl="0" algn="l">
+              <a:spcBef>
+                <a:spcPts val="0"/>
+              </a:spcBef>
+              <a:spcAft>
+                <a:spcPts val="0"/>
+              </a:spcAft>
+              <a:buSzPts val="1800"/>
+              <a:buAutoNum type="arabicPeriod"/>
+            </a:pPr>
+            <a:r>
+              <a:rPr lang="en"/>
+              <a:t>Visually delightful ≠ accessible</a:t>
+            </a:r>
+            <a:endParaRPr/>
+          </a:p>
+          <a:p>
+            <a:pPr indent="-342900" lvl="0" marL="457200" rtl="0" algn="l">
+              <a:spcBef>
+                <a:spcPts val="0"/>
+              </a:spcBef>
+              <a:spcAft>
+                <a:spcPts val="0"/>
+              </a:spcAft>
+              <a:buSzPts val="1800"/>
+              <a:buAutoNum type="arabicPeriod"/>
+            </a:pPr>
+            <a:r>
+              <a:rPr lang="en"/>
+              <a:t>Accessible ≠ delightful experience</a:t>
+            </a:r>
+            <a:endParaRPr/>
+          </a:p>
+          <a:p>
+            <a:pPr indent="-342900" lvl="0" marL="457200" rtl="0" algn="l">
+              <a:spcBef>
+                <a:spcPts val="0"/>
+              </a:spcBef>
+              <a:spcAft>
+                <a:spcPts val="0"/>
+              </a:spcAft>
+              <a:buSzPts val="1800"/>
+              <a:buAutoNum type="arabicPeriod"/>
+            </a:pPr>
+            <a:r>
+              <a:rPr lang="en"/>
+              <a:t>Building to spec ≠ delightful experience</a:t>
+            </a:r>
+            <a:endParaRPr/>
+          </a:p>
+        </p:txBody>
+      </p:sp>
+    </p:spTree>
+  </p:cSld>
+  <p:clrMapOvr>
+    <a:masterClrMapping/>
+  </p:clrMapOvr>
+</p:sld>
+</file>
+
+<file path=ppt/slides/slide16.xml><?xml version="1.0" encoding="utf-8"?>
+<p:sld xmlns:a="http://schemas.openxmlformats.org/drawingml/2006/main" xmlns:r="http://schemas.openxmlformats.org/officeDocument/2006/relationships" xmlns:mc="http://schemas.openxmlformats.org/markup-compatibility/2006" xmlns:mv="urn:schemas-microsoft-com:mac:vml" xmlns:p="http://schemas.openxmlformats.org/presentationml/2006/main" xmlns:c="http://schemas.openxmlformats.org/drawingml/2006/chart" xmlns:dgm="http://schemas.openxmlformats.org/drawingml/2006/diagram" xmlns:o="urn:schemas-microsoft-com:office:office" xmlns:v="urn:schemas-microsoft-com:vml" xmlns:pvml="urn:schemas-microsoft-com:office:powerpoint" xmlns:com="http://schemas.openxmlformats.org/drawingml/2006/compatibility" xmlns:p14="http://schemas.microsoft.com/office/powerpoint/2010/main" xmlns:p15="http://schemas.microsoft.com/office/powerpoint/2012/main" xmlns:ahyp="http://schemas.microsoft.com/office/drawing/2018/hyperlinkcolor">
+  <p:cSld>
+    <p:spTree>
+      <p:nvGrpSpPr>
+        <p:cNvPr id="144" name="Shape 144"/>
+        <p:cNvGrpSpPr/>
+        <p:nvPr/>
+      </p:nvGrpSpPr>
+      <p:grpSpPr>
+        <a:xfrm>
+          <a:off x="0" y="0"/>
+          <a:ext cx="0" cy="0"/>
+          <a:chOff x="0" y="0"/>
+          <a:chExt cx="0" cy="0"/>
+        </a:xfrm>
+      </p:grpSpPr>
+      <p:sp>
+        <p:nvSpPr>
+          <p:cNvPr id="145" name="Google Shape;145;p29"/>
+          <p:cNvSpPr txBox="1"/>
+          <p:nvPr>
+            <p:ph type="title"/>
+          </p:nvPr>
+        </p:nvSpPr>
+        <p:spPr>
+          <a:xfrm>
+            <a:off x="311700" y="445025"/>
+            <a:ext cx="8520600" cy="572700"/>
+          </a:xfrm>
+          <a:prstGeom prst="rect">
+            <a:avLst/>
+          </a:prstGeom>
+        </p:spPr>
+        <p:txBody>
+          <a:bodyPr anchorCtr="0" anchor="t" bIns="91425" lIns="91425" spcFirstLastPara="1" rIns="91425" wrap="square" tIns="91425">
+            <a:normAutofit fontScale="90000"/>
+          </a:bodyPr>
+          <a:lstStyle/>
+          <a:p>
+            <a:pPr indent="0" lvl="0" marL="0" rtl="0" algn="l">
+              <a:spcBef>
+                <a:spcPts val="0"/>
+              </a:spcBef>
+              <a:spcAft>
+                <a:spcPts val="0"/>
+              </a:spcAft>
+              <a:buNone/>
+            </a:pPr>
+            <a:r>
+              <a:rPr lang="en"/>
+              <a:t>Lessons Learned</a:t>
+            </a:r>
+            <a:endParaRPr/>
+          </a:p>
+        </p:txBody>
+      </p:sp>
+      <p:sp>
+        <p:nvSpPr>
+          <p:cNvPr id="146" name="Google Shape;146;p29"/>
+          <p:cNvSpPr txBox="1"/>
+          <p:nvPr>
+            <p:ph idx="1" type="body"/>
+          </p:nvPr>
+        </p:nvSpPr>
+        <p:spPr>
+          <a:xfrm>
+            <a:off x="311700" y="1152475"/>
+            <a:ext cx="8520600" cy="3416400"/>
+          </a:xfrm>
+          <a:prstGeom prst="rect">
+            <a:avLst/>
+          </a:prstGeom>
+        </p:spPr>
+        <p:txBody>
+          <a:bodyPr anchorCtr="0" anchor="t" bIns="91425" lIns="91425" spcFirstLastPara="1" rIns="91425" wrap="square" tIns="91425">
+            <a:normAutofit/>
+          </a:bodyPr>
+          <a:lstStyle/>
+          <a:p>
+            <a:pPr indent="-342900" lvl="0" marL="457200" rtl="0" algn="l">
+              <a:spcBef>
+                <a:spcPts val="0"/>
+              </a:spcBef>
+              <a:spcAft>
+                <a:spcPts val="0"/>
+              </a:spcAft>
+              <a:buSzPts val="1800"/>
+              <a:buAutoNum type="arabicPeriod"/>
+            </a:pPr>
+            <a:r>
+              <a:rPr lang="en"/>
+              <a:t>Visually delightful ≠ accessible</a:t>
+            </a:r>
+            <a:endParaRPr/>
+          </a:p>
+          <a:p>
+            <a:pPr indent="-342900" lvl="0" marL="457200" rtl="0" algn="l">
+              <a:spcBef>
+                <a:spcPts val="0"/>
+              </a:spcBef>
+              <a:spcAft>
+                <a:spcPts val="0"/>
+              </a:spcAft>
+              <a:buSzPts val="1800"/>
+              <a:buAutoNum type="arabicPeriod"/>
+            </a:pPr>
+            <a:r>
+              <a:rPr lang="en"/>
+              <a:t>Accessible ≠ delightful experience</a:t>
+            </a:r>
+            <a:endParaRPr/>
+          </a:p>
+          <a:p>
+            <a:pPr indent="-342900" lvl="0" marL="457200" rtl="0" algn="l">
+              <a:spcBef>
+                <a:spcPts val="0"/>
+              </a:spcBef>
+              <a:spcAft>
+                <a:spcPts val="0"/>
+              </a:spcAft>
+              <a:buSzPts val="1800"/>
+              <a:buAutoNum type="arabicPeriod"/>
+            </a:pPr>
+            <a:r>
+              <a:rPr lang="en"/>
+              <a:t>Building to spec ≠ delightful experience</a:t>
+            </a:r>
+            <a:endParaRPr/>
+          </a:p>
+        </p:txBody>
+      </p:sp>
       <p:pic>
         <p:nvPicPr>
-          <p:cNvPr id="123" name="Google Shape;123;p25"/>
+          <p:cNvPr id="147" name="Google Shape;147;p29"/>
           <p:cNvPicPr preferRelativeResize="0"/>
           <p:nvPr/>
         </p:nvPicPr>
@@ -9162,8 +9146,8 @@
         </p:blipFill>
         <p:spPr>
           <a:xfrm>
-            <a:off x="76200" y="152400"/>
-            <a:ext cx="2371725" cy="2705100"/>
+            <a:off x="4966350" y="152400"/>
+            <a:ext cx="1472337" cy="4838700"/>
           </a:xfrm>
           <a:prstGeom prst="rect">
             <a:avLst/>
@@ -9183,14 +9167,12 @@
       </p:pic>
       <p:pic>
         <p:nvPicPr>
-          <p:cNvPr id="124" name="Google Shape;124;p25" title="2 - Semantic OL.mov">
-            <a:hlinkClick r:id="rId4"/>
-          </p:cNvPr>
+          <p:cNvPr id="148" name="Google Shape;148;p29"/>
           <p:cNvPicPr preferRelativeResize="0"/>
           <p:nvPr/>
         </p:nvPicPr>
         <p:blipFill>
-          <a:blip r:embed="rId5">
+          <a:blip r:embed="rId4">
             <a:alphaModFix/>
           </a:blip>
           <a:stretch>
@@ -9199,8 +9181,8 @@
         </p:blipFill>
         <p:spPr>
           <a:xfrm>
-            <a:off x="2723575" y="159887"/>
-            <a:ext cx="6216125" cy="4823725"/>
+            <a:off x="6612975" y="1219200"/>
+            <a:ext cx="2371725" cy="2705100"/>
           </a:xfrm>
           <a:prstGeom prst="rect">
             <a:avLst/>
@@ -9223,98 +9205,15 @@
   <p:clrMapOvr>
     <a:masterClrMapping/>
   </p:clrMapOvr>
-  <p:timing>
-    <p:tnLst>
-      <p:par>
-        <p:cTn dur="indefinite" nodeType="tmRoot" restart="never">
-          <p:childTnLst>
-            <p:seq concurrent="1" nextAc="seek">
-              <p:cTn dur="indefinite" id="2" nodeType="mainSeq">
-                <p:childTnLst>
-                  <p:par>
-                    <p:cTn fill="hold">
-                      <p:stCondLst>
-                        <p:cond delay="indefinite"/>
-                      </p:stCondLst>
-                      <p:childTnLst>
-                        <p:par>
-                          <p:cTn fill="hold">
-                            <p:stCondLst>
-                              <p:cond delay="0"/>
-                            </p:stCondLst>
-                            <p:childTnLst>
-                              <p:par>
-                                <p:cTn fill="hold" nodeType="clickEffect" presetClass="entr" presetID="10" presetSubtype="0">
-                                  <p:stCondLst>
-                                    <p:cond delay="0"/>
-                                  </p:stCondLst>
-                                  <p:childTnLst>
-                                    <p:set>
-                                      <p:cBhvr>
-                                        <p:cTn dur="1" fill="hold">
-                                          <p:stCondLst>
-                                            <p:cond delay="0"/>
-                                          </p:stCondLst>
-                                        </p:cTn>
-                                        <p:tgtEl>
-                                          <p:spTgt spid="124"/>
-                                        </p:tgtEl>
-                                        <p:attrNameLst>
-                                          <p:attrName>style.visibility</p:attrName>
-                                        </p:attrNameLst>
-                                      </p:cBhvr>
-                                      <p:to>
-                                        <p:strVal val="visible"/>
-                                      </p:to>
-                                    </p:set>
-                                    <p:animEffect filter="fade" transition="in">
-                                      <p:cBhvr>
-                                        <p:cTn dur="1000"/>
-                                        <p:tgtEl>
-                                          <p:spTgt spid="124"/>
-                                        </p:tgtEl>
-                                      </p:cBhvr>
-                                    </p:animEffect>
-                                  </p:childTnLst>
-                                </p:cTn>
-                              </p:par>
-                            </p:childTnLst>
-                          </p:cTn>
-                        </p:par>
-                      </p:childTnLst>
-                    </p:cTn>
-                  </p:par>
-                </p:childTnLst>
-              </p:cTn>
-              <p:prevCondLst>
-                <p:cond evt="onPrev">
-                  <p:tgtEl>
-                    <p:sldTgt/>
-                  </p:tgtEl>
-                </p:cond>
-              </p:prevCondLst>
-              <p:nextCondLst>
-                <p:cond evt="onNext">
-                  <p:tgtEl>
-                    <p:sldTgt/>
-                  </p:tgtEl>
-                </p:cond>
-              </p:nextCondLst>
-            </p:seq>
-          </p:childTnLst>
-        </p:cTn>
-      </p:par>
-    </p:tnLst>
-  </p:timing>
 </p:sld>
 </file>
 
-<file path=ppt/slides/slide13.xml><?xml version="1.0" encoding="utf-8"?>
+<file path=ppt/slides/slide17.xml><?xml version="1.0" encoding="utf-8"?>
 <p:sld xmlns:a="http://schemas.openxmlformats.org/drawingml/2006/main" xmlns:r="http://schemas.openxmlformats.org/officeDocument/2006/relationships" xmlns:mc="http://schemas.openxmlformats.org/markup-compatibility/2006" xmlns:mv="urn:schemas-microsoft-com:mac:vml" xmlns:p="http://schemas.openxmlformats.org/presentationml/2006/main" xmlns:c="http://schemas.openxmlformats.org/drawingml/2006/chart" xmlns:dgm="http://schemas.openxmlformats.org/drawingml/2006/diagram" xmlns:o="urn:schemas-microsoft-com:office:office" xmlns:v="urn:schemas-microsoft-com:vml" xmlns:pvml="urn:schemas-microsoft-com:office:powerpoint" xmlns:com="http://schemas.openxmlformats.org/drawingml/2006/compatibility" xmlns:p14="http://schemas.microsoft.com/office/powerpoint/2010/main" xmlns:p15="http://schemas.microsoft.com/office/powerpoint/2012/main" xmlns:ahyp="http://schemas.microsoft.com/office/drawing/2018/hyperlinkcolor">
   <p:cSld>
     <p:spTree>
       <p:nvGrpSpPr>
-        <p:cNvPr id="128" name="Shape 128"/>
+        <p:cNvPr id="152" name="Shape 152"/>
         <p:cNvGrpSpPr/>
         <p:nvPr/>
       </p:nvGrpSpPr>
@@ -9328,22 +9227,21 @@
       </p:grpSpPr>
       <p:pic>
         <p:nvPicPr>
-          <p:cNvPr id="129" name="Google Shape;129;p26"/>
+          <p:cNvPr id="153" name="Google Shape;153;p30"/>
           <p:cNvPicPr preferRelativeResize="0"/>
           <p:nvPr/>
         </p:nvPicPr>
-        <p:blipFill>
+        <p:blipFill rotWithShape="1">
           <a:blip r:embed="rId3">
             <a:alphaModFix/>
           </a:blip>
-          <a:stretch>
-            <a:fillRect/>
-          </a:stretch>
+          <a:srcRect b="10402" l="0" r="0" t="0"/>
+          <a:stretch/>
         </p:blipFill>
         <p:spPr>
           <a:xfrm>
-            <a:off x="152400" y="152400"/>
-            <a:ext cx="2684625" cy="2792000"/>
+            <a:off x="4248150" y="495300"/>
+            <a:ext cx="4762500" cy="4267000"/>
           </a:xfrm>
           <a:prstGeom prst="rect">
             <a:avLst/>
@@ -9361,6 +9259,126 @@
           </a:effectLst>
         </p:spPr>
       </p:pic>
+      <p:sp>
+        <p:nvSpPr>
+          <p:cNvPr id="154" name="Google Shape;154;p30"/>
+          <p:cNvSpPr txBox="1"/>
+          <p:nvPr>
+            <p:ph type="title"/>
+          </p:nvPr>
+        </p:nvSpPr>
+        <p:spPr>
+          <a:xfrm>
+            <a:off x="311700" y="445025"/>
+            <a:ext cx="8520600" cy="572700"/>
+          </a:xfrm>
+          <a:prstGeom prst="rect">
+            <a:avLst/>
+          </a:prstGeom>
+        </p:spPr>
+        <p:txBody>
+          <a:bodyPr anchorCtr="0" anchor="t" bIns="91425" lIns="91425" spcFirstLastPara="1" rIns="91425" wrap="square" tIns="91425">
+            <a:normAutofit fontScale="90000"/>
+          </a:bodyPr>
+          <a:lstStyle/>
+          <a:p>
+            <a:pPr indent="0" lvl="0" marL="0" rtl="0" algn="l">
+              <a:spcBef>
+                <a:spcPts val="0"/>
+              </a:spcBef>
+              <a:spcAft>
+                <a:spcPts val="0"/>
+              </a:spcAft>
+              <a:buNone/>
+            </a:pPr>
+            <a:r>
+              <a:rPr lang="en"/>
+              <a:t>Forward-Thinking</a:t>
+            </a:r>
+            <a:endParaRPr/>
+          </a:p>
+        </p:txBody>
+      </p:sp>
+      <p:sp>
+        <p:nvSpPr>
+          <p:cNvPr id="155" name="Google Shape;155;p30"/>
+          <p:cNvSpPr txBox="1"/>
+          <p:nvPr>
+            <p:ph idx="1" type="body"/>
+          </p:nvPr>
+        </p:nvSpPr>
+        <p:spPr>
+          <a:xfrm>
+            <a:off x="3893650" y="2212725"/>
+            <a:ext cx="1577700" cy="1031400"/>
+          </a:xfrm>
+          <a:prstGeom prst="rect">
+            <a:avLst/>
+          </a:prstGeom>
+        </p:spPr>
+        <p:txBody>
+          <a:bodyPr anchorCtr="0" anchor="t" bIns="91425" lIns="91425" spcFirstLastPara="1" rIns="91425" wrap="square" tIns="91425">
+            <a:noAutofit/>
+          </a:bodyPr>
+          <a:lstStyle/>
+          <a:p>
+            <a:pPr indent="0" lvl="0" marL="457200" rtl="0" algn="l">
+              <a:spcBef>
+                <a:spcPts val="0"/>
+              </a:spcBef>
+              <a:spcAft>
+                <a:spcPts val="1200"/>
+              </a:spcAft>
+              <a:buNone/>
+            </a:pPr>
+            <a:r>
+              <a:rPr lang="en" sz="4400"/>
+              <a:t>UX</a:t>
+            </a:r>
+            <a:endParaRPr sz="4400"/>
+          </a:p>
+        </p:txBody>
+      </p:sp>
+      <p:sp>
+        <p:nvSpPr>
+          <p:cNvPr id="156" name="Google Shape;156;p30"/>
+          <p:cNvSpPr txBox="1"/>
+          <p:nvPr>
+            <p:ph idx="1" type="body"/>
+          </p:nvPr>
+        </p:nvSpPr>
+        <p:spPr>
+          <a:xfrm>
+            <a:off x="7352850" y="2212725"/>
+            <a:ext cx="1657800" cy="1031400"/>
+          </a:xfrm>
+          <a:prstGeom prst="rect">
+            <a:avLst/>
+          </a:prstGeom>
+        </p:spPr>
+        <p:txBody>
+          <a:bodyPr anchorCtr="0" anchor="t" bIns="91425" lIns="91425" spcFirstLastPara="1" rIns="91425" wrap="square" tIns="91425">
+            <a:noAutofit/>
+          </a:bodyPr>
+          <a:lstStyle/>
+          <a:p>
+            <a:pPr indent="0" lvl="0" marL="457200" rtl="0" algn="l">
+              <a:spcBef>
+                <a:spcPts val="0"/>
+              </a:spcBef>
+              <a:spcAft>
+                <a:spcPts val="1200"/>
+              </a:spcAft>
+              <a:buNone/>
+            </a:pPr>
+            <a:r>
+              <a:rPr lang="en" sz="4400"/>
+              <a:t>Dev</a:t>
+            </a:r>
+            <a:endParaRPr sz="4400"/>
+          </a:p>
+        </p:txBody>
+      </p:sp>
     </p:spTree>
   </p:cSld>
   <p:clrMapOvr>
@@ -9369,12 +9387,12 @@
 </p:sld>
 </file>
 
-<file path=ppt/slides/slide14.xml><?xml version="1.0" encoding="utf-8"?>
+<file path=ppt/slides/slide18.xml><?xml version="1.0" encoding="utf-8"?>
 <p:sld xmlns:a="http://schemas.openxmlformats.org/drawingml/2006/main" xmlns:r="http://schemas.openxmlformats.org/officeDocument/2006/relationships" xmlns:mc="http://schemas.openxmlformats.org/markup-compatibility/2006" xmlns:mv="urn:schemas-microsoft-com:mac:vml" xmlns:p="http://schemas.openxmlformats.org/presentationml/2006/main" xmlns:c="http://schemas.openxmlformats.org/drawingml/2006/chart" xmlns:dgm="http://schemas.openxmlformats.org/drawingml/2006/diagram" xmlns:o="urn:schemas-microsoft-com:office:office" xmlns:v="urn:schemas-microsoft-com:vml" xmlns:pvml="urn:schemas-microsoft-com:office:powerpoint" xmlns:com="http://schemas.openxmlformats.org/drawingml/2006/compatibility" xmlns:p14="http://schemas.microsoft.com/office/powerpoint/2010/main" xmlns:p15="http://schemas.microsoft.com/office/powerpoint/2012/main" xmlns:ahyp="http://schemas.microsoft.com/office/drawing/2018/hyperlinkcolor">
   <p:cSld>
     <p:spTree>
       <p:nvGrpSpPr>
-        <p:cNvPr id="133" name="Shape 133"/>
+        <p:cNvPr id="160" name="Shape 160"/>
         <p:cNvGrpSpPr/>
         <p:nvPr/>
       </p:nvGrpSpPr>
@@ -9388,22 +9406,21 @@
       </p:grpSpPr>
       <p:pic>
         <p:nvPicPr>
-          <p:cNvPr id="134" name="Google Shape;134;p27"/>
+          <p:cNvPr id="161" name="Google Shape;161;p31"/>
           <p:cNvPicPr preferRelativeResize="0"/>
           <p:nvPr/>
         </p:nvPicPr>
-        <p:blipFill>
+        <p:blipFill rotWithShape="1">
           <a:blip r:embed="rId3">
             <a:alphaModFix/>
           </a:blip>
-          <a:stretch>
-            <a:fillRect/>
-          </a:stretch>
+          <a:srcRect b="10402" l="0" r="0" t="0"/>
+          <a:stretch/>
         </p:blipFill>
         <p:spPr>
           <a:xfrm>
-            <a:off x="152400" y="152400"/>
-            <a:ext cx="2684625" cy="2792000"/>
+            <a:off x="4248150" y="495300"/>
+            <a:ext cx="4762500" cy="4267000"/>
           </a:xfrm>
           <a:prstGeom prst="rect">
             <a:avLst/>
@@ -9421,26 +9438,226 @@
           </a:effectLst>
         </p:spPr>
       </p:pic>
+      <p:sp>
+        <p:nvSpPr>
+          <p:cNvPr id="162" name="Google Shape;162;p31"/>
+          <p:cNvSpPr txBox="1"/>
+          <p:nvPr>
+            <p:ph type="title"/>
+          </p:nvPr>
+        </p:nvSpPr>
+        <p:spPr>
+          <a:xfrm>
+            <a:off x="311700" y="445025"/>
+            <a:ext cx="8520600" cy="572700"/>
+          </a:xfrm>
+          <a:prstGeom prst="rect">
+            <a:avLst/>
+          </a:prstGeom>
+        </p:spPr>
+        <p:txBody>
+          <a:bodyPr anchorCtr="0" anchor="t" bIns="91425" lIns="91425" spcFirstLastPara="1" rIns="91425" wrap="square" tIns="91425">
+            <a:normAutofit fontScale="90000"/>
+          </a:bodyPr>
+          <a:lstStyle/>
+          <a:p>
+            <a:pPr indent="0" lvl="0" marL="0" rtl="0" algn="l">
+              <a:spcBef>
+                <a:spcPts val="0"/>
+              </a:spcBef>
+              <a:spcAft>
+                <a:spcPts val="0"/>
+              </a:spcAft>
+              <a:buNone/>
+            </a:pPr>
+            <a:r>
+              <a:rPr lang="en"/>
+              <a:t>Forward-Thinking</a:t>
+            </a:r>
+            <a:endParaRPr/>
+          </a:p>
+        </p:txBody>
+      </p:sp>
+      <p:sp>
+        <p:nvSpPr>
+          <p:cNvPr id="163" name="Google Shape;163;p31"/>
+          <p:cNvSpPr txBox="1"/>
+          <p:nvPr>
+            <p:ph idx="1" type="body"/>
+          </p:nvPr>
+        </p:nvSpPr>
+        <p:spPr>
+          <a:xfrm>
+            <a:off x="3893650" y="2212725"/>
+            <a:ext cx="1577700" cy="1031400"/>
+          </a:xfrm>
+          <a:prstGeom prst="rect">
+            <a:avLst/>
+          </a:prstGeom>
+        </p:spPr>
+        <p:txBody>
+          <a:bodyPr anchorCtr="0" anchor="t" bIns="91425" lIns="91425" spcFirstLastPara="1" rIns="91425" wrap="square" tIns="91425">
+            <a:noAutofit/>
+          </a:bodyPr>
+          <a:lstStyle/>
+          <a:p>
+            <a:pPr indent="0" lvl="0" marL="457200" rtl="0" algn="l">
+              <a:spcBef>
+                <a:spcPts val="0"/>
+              </a:spcBef>
+              <a:spcAft>
+                <a:spcPts val="1200"/>
+              </a:spcAft>
+              <a:buNone/>
+            </a:pPr>
+            <a:r>
+              <a:rPr lang="en" sz="4400"/>
+              <a:t>UX</a:t>
+            </a:r>
+            <a:endParaRPr sz="4400"/>
+          </a:p>
+        </p:txBody>
+      </p:sp>
+      <p:sp>
+        <p:nvSpPr>
+          <p:cNvPr id="164" name="Google Shape;164;p31"/>
+          <p:cNvSpPr txBox="1"/>
+          <p:nvPr>
+            <p:ph idx="1" type="body"/>
+          </p:nvPr>
+        </p:nvSpPr>
+        <p:spPr>
+          <a:xfrm>
+            <a:off x="7352850" y="2212725"/>
+            <a:ext cx="1657800" cy="1031400"/>
+          </a:xfrm>
+          <a:prstGeom prst="rect">
+            <a:avLst/>
+          </a:prstGeom>
+        </p:spPr>
+        <p:txBody>
+          <a:bodyPr anchorCtr="0" anchor="t" bIns="91425" lIns="91425" spcFirstLastPara="1" rIns="91425" wrap="square" tIns="91425">
+            <a:noAutofit/>
+          </a:bodyPr>
+          <a:lstStyle/>
+          <a:p>
+            <a:pPr indent="0" lvl="0" marL="457200" rtl="0" algn="l">
+              <a:spcBef>
+                <a:spcPts val="0"/>
+              </a:spcBef>
+              <a:spcAft>
+                <a:spcPts val="1200"/>
+              </a:spcAft>
+              <a:buNone/>
+            </a:pPr>
+            <a:r>
+              <a:rPr lang="en" sz="4400"/>
+              <a:t>Dev</a:t>
+            </a:r>
+            <a:endParaRPr sz="4400"/>
+          </a:p>
+        </p:txBody>
+      </p:sp>
+      <p:sp>
+        <p:nvSpPr>
+          <p:cNvPr id="165" name="Google Shape;165;p31"/>
+          <p:cNvSpPr/>
+          <p:nvPr/>
+        </p:nvSpPr>
+        <p:spPr>
+          <a:xfrm>
+            <a:off x="5935275" y="1548800"/>
+            <a:ext cx="1521288" cy="1357668"/>
+          </a:xfrm>
+          <a:prstGeom prst="cloud">
+            <a:avLst/>
+          </a:prstGeom>
+          <a:solidFill>
+            <a:schemeClr val="lt2"/>
+          </a:solidFill>
+          <a:ln cap="flat" cmpd="sng" w="9525">
+            <a:solidFill>
+              <a:schemeClr val="dk2"/>
+            </a:solidFill>
+            <a:prstDash val="solid"/>
+            <a:round/>
+            <a:headEnd len="sm" w="sm" type="none"/>
+            <a:tailEnd len="sm" w="sm" type="none"/>
+          </a:ln>
+        </p:spPr>
+        <p:txBody>
+          <a:bodyPr anchorCtr="0" anchor="ctr" bIns="91425" lIns="91425" spcFirstLastPara="1" rIns="91425" wrap="square" tIns="91425">
+            <a:noAutofit/>
+          </a:bodyPr>
+          <a:lstStyle/>
+          <a:p>
+            <a:pPr indent="0" lvl="0" marL="0" rtl="0" algn="ctr">
+              <a:spcBef>
+                <a:spcPts val="0"/>
+              </a:spcBef>
+              <a:spcAft>
+                <a:spcPts val="0"/>
+              </a:spcAft>
+              <a:buNone/>
+            </a:pPr>
+            <a:r>
+              <a:rPr lang="en" sz="5500">
+                <a:solidFill>
+                  <a:srgbClr val="FF0000"/>
+                </a:solidFill>
+              </a:rPr>
+              <a:t>X</a:t>
+            </a:r>
+            <a:endParaRPr sz="5500">
+              <a:solidFill>
+                <a:srgbClr val="FF0000"/>
+              </a:solidFill>
+            </a:endParaRPr>
+          </a:p>
+        </p:txBody>
+      </p:sp>
+    </p:spTree>
+  </p:cSld>
+  <p:clrMapOvr>
+    <a:masterClrMapping/>
+  </p:clrMapOvr>
+</p:sld>
+</file>
+
+<file path=ppt/slides/slide19.xml><?xml version="1.0" encoding="utf-8"?>
+<p:sld xmlns:a="http://schemas.openxmlformats.org/drawingml/2006/main" xmlns:r="http://schemas.openxmlformats.org/officeDocument/2006/relationships" xmlns:mc="http://schemas.openxmlformats.org/markup-compatibility/2006" xmlns:mv="urn:schemas-microsoft-com:mac:vml" xmlns:p="http://schemas.openxmlformats.org/presentationml/2006/main" xmlns:c="http://schemas.openxmlformats.org/drawingml/2006/chart" xmlns:dgm="http://schemas.openxmlformats.org/drawingml/2006/diagram" xmlns:o="urn:schemas-microsoft-com:office:office" xmlns:v="urn:schemas-microsoft-com:vml" xmlns:pvml="urn:schemas-microsoft-com:office:powerpoint" xmlns:com="http://schemas.openxmlformats.org/drawingml/2006/compatibility" xmlns:p14="http://schemas.microsoft.com/office/powerpoint/2010/main" xmlns:p15="http://schemas.microsoft.com/office/powerpoint/2012/main" xmlns:ahyp="http://schemas.microsoft.com/office/drawing/2018/hyperlinkcolor">
+  <p:cSld>
+    <p:spTree>
+      <p:nvGrpSpPr>
+        <p:cNvPr id="169" name="Shape 169"/>
+        <p:cNvGrpSpPr/>
+        <p:nvPr/>
+      </p:nvGrpSpPr>
+      <p:grpSpPr>
+        <a:xfrm>
+          <a:off x="0" y="0"/>
+          <a:ext cx="0" cy="0"/>
+          <a:chOff x="0" y="0"/>
+          <a:chExt cx="0" cy="0"/>
+        </a:xfrm>
+      </p:grpSpPr>
       <p:pic>
         <p:nvPicPr>
-          <p:cNvPr id="135" name="Google Shape;135;p27" title="3 - Styled DL.mov">
-            <a:hlinkClick r:id="rId4"/>
-          </p:cNvPr>
+          <p:cNvPr id="170" name="Google Shape;170;p32"/>
           <p:cNvPicPr preferRelativeResize="0"/>
           <p:nvPr/>
         </p:nvPicPr>
-        <p:blipFill>
-          <a:blip r:embed="rId5">
+        <p:blipFill rotWithShape="1">
+          <a:blip r:embed="rId3">
             <a:alphaModFix/>
           </a:blip>
-          <a:stretch>
-            <a:fillRect/>
-          </a:stretch>
+          <a:srcRect b="10402" l="0" r="0" t="0"/>
+          <a:stretch/>
         </p:blipFill>
         <p:spPr>
           <a:xfrm>
-            <a:off x="3016950" y="152400"/>
-            <a:ext cx="5947325" cy="4460500"/>
+            <a:off x="4248150" y="495300"/>
+            <a:ext cx="4762500" cy="4267000"/>
           </a:xfrm>
           <a:prstGeom prst="rect">
             <a:avLst/>
@@ -9458,726 +9675,264 @@
           </a:effectLst>
         </p:spPr>
       </p:pic>
+      <p:sp>
+        <p:nvSpPr>
+          <p:cNvPr id="171" name="Google Shape;171;p32"/>
+          <p:cNvSpPr txBox="1"/>
+          <p:nvPr>
+            <p:ph type="title"/>
+          </p:nvPr>
+        </p:nvSpPr>
+        <p:spPr>
+          <a:xfrm>
+            <a:off x="311700" y="445025"/>
+            <a:ext cx="8520600" cy="572700"/>
+          </a:xfrm>
+          <a:prstGeom prst="rect">
+            <a:avLst/>
+          </a:prstGeom>
+        </p:spPr>
+        <p:txBody>
+          <a:bodyPr anchorCtr="0" anchor="t" bIns="91425" lIns="91425" spcFirstLastPara="1" rIns="91425" wrap="square" tIns="91425">
+            <a:normAutofit fontScale="90000"/>
+          </a:bodyPr>
+          <a:lstStyle/>
+          <a:p>
+            <a:pPr indent="0" lvl="0" marL="0" rtl="0" algn="l">
+              <a:spcBef>
+                <a:spcPts val="0"/>
+              </a:spcBef>
+              <a:spcAft>
+                <a:spcPts val="0"/>
+              </a:spcAft>
+              <a:buNone/>
+            </a:pPr>
+            <a:r>
+              <a:rPr lang="en"/>
+              <a:t>Forward-Thinking</a:t>
+            </a:r>
+            <a:endParaRPr/>
+          </a:p>
+        </p:txBody>
+      </p:sp>
+      <p:sp>
+        <p:nvSpPr>
+          <p:cNvPr id="172" name="Google Shape;172;p32"/>
+          <p:cNvSpPr txBox="1"/>
+          <p:nvPr>
+            <p:ph idx="1" type="body"/>
+          </p:nvPr>
+        </p:nvSpPr>
+        <p:spPr>
+          <a:xfrm>
+            <a:off x="3893650" y="2212725"/>
+            <a:ext cx="1577700" cy="1031400"/>
+          </a:xfrm>
+          <a:prstGeom prst="rect">
+            <a:avLst/>
+          </a:prstGeom>
+        </p:spPr>
+        <p:txBody>
+          <a:bodyPr anchorCtr="0" anchor="t" bIns="91425" lIns="91425" spcFirstLastPara="1" rIns="91425" wrap="square" tIns="91425">
+            <a:noAutofit/>
+          </a:bodyPr>
+          <a:lstStyle/>
+          <a:p>
+            <a:pPr indent="0" lvl="0" marL="457200" rtl="0" algn="l">
+              <a:spcBef>
+                <a:spcPts val="0"/>
+              </a:spcBef>
+              <a:spcAft>
+                <a:spcPts val="1200"/>
+              </a:spcAft>
+              <a:buNone/>
+            </a:pPr>
+            <a:r>
+              <a:rPr lang="en" sz="4400"/>
+              <a:t>UX</a:t>
+            </a:r>
+            <a:endParaRPr sz="4400"/>
+          </a:p>
+        </p:txBody>
+      </p:sp>
+      <p:sp>
+        <p:nvSpPr>
+          <p:cNvPr id="173" name="Google Shape;173;p32"/>
+          <p:cNvSpPr txBox="1"/>
+          <p:nvPr>
+            <p:ph idx="1" type="body"/>
+          </p:nvPr>
+        </p:nvSpPr>
+        <p:spPr>
+          <a:xfrm>
+            <a:off x="7352850" y="2212725"/>
+            <a:ext cx="1657800" cy="1031400"/>
+          </a:xfrm>
+          <a:prstGeom prst="rect">
+            <a:avLst/>
+          </a:prstGeom>
+        </p:spPr>
+        <p:txBody>
+          <a:bodyPr anchorCtr="0" anchor="t" bIns="91425" lIns="91425" spcFirstLastPara="1" rIns="91425" wrap="square" tIns="91425">
+            <a:noAutofit/>
+          </a:bodyPr>
+          <a:lstStyle/>
+          <a:p>
+            <a:pPr indent="0" lvl="0" marL="457200" rtl="0" algn="l">
+              <a:spcBef>
+                <a:spcPts val="0"/>
+              </a:spcBef>
+              <a:spcAft>
+                <a:spcPts val="1200"/>
+              </a:spcAft>
+              <a:buNone/>
+            </a:pPr>
+            <a:r>
+              <a:rPr lang="en" sz="4400"/>
+              <a:t>Dev</a:t>
+            </a:r>
+            <a:endParaRPr sz="4400"/>
+          </a:p>
+        </p:txBody>
+      </p:sp>
+      <p:sp>
+        <p:nvSpPr>
+          <p:cNvPr id="174" name="Google Shape;174;p32"/>
+          <p:cNvSpPr txBox="1"/>
+          <p:nvPr>
+            <p:ph idx="1" type="body"/>
+          </p:nvPr>
+        </p:nvSpPr>
+        <p:spPr>
+          <a:xfrm>
+            <a:off x="311700" y="1152475"/>
+            <a:ext cx="3826800" cy="3416400"/>
+          </a:xfrm>
+          <a:prstGeom prst="rect">
+            <a:avLst/>
+          </a:prstGeom>
+        </p:spPr>
+        <p:txBody>
+          <a:bodyPr anchorCtr="0" anchor="t" bIns="91425" lIns="91425" spcFirstLastPara="1" rIns="91425" wrap="square" tIns="91425">
+            <a:normAutofit/>
+          </a:bodyPr>
+          <a:lstStyle/>
+          <a:p>
+            <a:pPr indent="-342900" lvl="0" marL="457200" rtl="0" algn="l">
+              <a:spcBef>
+                <a:spcPts val="0"/>
+              </a:spcBef>
+              <a:spcAft>
+                <a:spcPts val="0"/>
+              </a:spcAft>
+              <a:buSzPts val="1800"/>
+              <a:buAutoNum type="arabicPeriod"/>
+            </a:pPr>
+            <a:r>
+              <a:rPr lang="en"/>
+              <a:t>UI Architecture between Design and Dev</a:t>
+            </a:r>
+            <a:endParaRPr/>
+          </a:p>
+          <a:p>
+            <a:pPr indent="-342900" lvl="0" marL="457200" rtl="0" algn="l">
+              <a:spcBef>
+                <a:spcPts val="0"/>
+              </a:spcBef>
+              <a:spcAft>
+                <a:spcPts val="0"/>
+              </a:spcAft>
+              <a:buSzPts val="1800"/>
+              <a:buAutoNum type="arabicPeriod"/>
+            </a:pPr>
+            <a:r>
+              <a:rPr lang="en"/>
+              <a:t>Proof-of-Concepts between Design and Dev</a:t>
+            </a:r>
+            <a:endParaRPr/>
+          </a:p>
+          <a:p>
+            <a:pPr indent="-342900" lvl="0" marL="457200" rtl="0" algn="l">
+              <a:spcBef>
+                <a:spcPts val="0"/>
+              </a:spcBef>
+              <a:spcAft>
+                <a:spcPts val="0"/>
+              </a:spcAft>
+              <a:buSzPts val="1800"/>
+              <a:buAutoNum type="arabicPeriod"/>
+            </a:pPr>
+            <a:r>
+              <a:rPr lang="en"/>
+              <a:t>UI Coaching between Design and Dev</a:t>
+            </a:r>
+            <a:endParaRPr/>
+          </a:p>
+        </p:txBody>
+      </p:sp>
+      <p:sp>
+        <p:nvSpPr>
+          <p:cNvPr id="175" name="Google Shape;175;p32"/>
+          <p:cNvSpPr/>
+          <p:nvPr/>
+        </p:nvSpPr>
+        <p:spPr>
+          <a:xfrm>
+            <a:off x="5935275" y="1548800"/>
+            <a:ext cx="1521288" cy="1357668"/>
+          </a:xfrm>
+          <a:prstGeom prst="cloud">
+            <a:avLst/>
+          </a:prstGeom>
+          <a:solidFill>
+            <a:schemeClr val="lt2"/>
+          </a:solidFill>
+          <a:ln cap="flat" cmpd="sng" w="9525">
+            <a:solidFill>
+              <a:schemeClr val="dk2"/>
+            </a:solidFill>
+            <a:prstDash val="solid"/>
+            <a:round/>
+            <a:headEnd len="sm" w="sm" type="none"/>
+            <a:tailEnd len="sm" w="sm" type="none"/>
+          </a:ln>
+        </p:spPr>
+        <p:txBody>
+          <a:bodyPr anchorCtr="0" anchor="ctr" bIns="91425" lIns="91425" spcFirstLastPara="1" rIns="91425" wrap="square" tIns="91425">
+            <a:noAutofit/>
+          </a:bodyPr>
+          <a:lstStyle/>
+          <a:p>
+            <a:pPr indent="0" lvl="0" marL="0" rtl="0" algn="ctr">
+              <a:spcBef>
+                <a:spcPts val="0"/>
+              </a:spcBef>
+              <a:spcAft>
+                <a:spcPts val="0"/>
+              </a:spcAft>
+              <a:buNone/>
+            </a:pPr>
+            <a:r>
+              <a:rPr lang="en" sz="5500">
+                <a:solidFill>
+                  <a:srgbClr val="5BD228"/>
+                </a:solidFill>
+              </a:rPr>
+              <a:t>✔</a:t>
+            </a:r>
+            <a:endParaRPr sz="5500">
+              <a:solidFill>
+                <a:srgbClr val="5BD228"/>
+              </a:solidFill>
+            </a:endParaRPr>
+          </a:p>
+        </p:txBody>
+      </p:sp>
     </p:spTree>
   </p:cSld>
   <p:clrMapOvr>
     <a:masterClrMapping/>
   </p:clrMapOvr>
-  <p:timing>
-    <p:tnLst>
-      <p:par>
-        <p:cTn dur="indefinite" nodeType="tmRoot" restart="never">
-          <p:childTnLst>
-            <p:seq concurrent="1" nextAc="seek">
-              <p:cTn dur="indefinite" id="2" nodeType="mainSeq">
-                <p:childTnLst>
-                  <p:par>
-                    <p:cTn fill="hold">
-                      <p:stCondLst>
-                        <p:cond delay="indefinite"/>
-                      </p:stCondLst>
-                      <p:childTnLst>
-                        <p:par>
-                          <p:cTn fill="hold">
-                            <p:stCondLst>
-                              <p:cond delay="0"/>
-                            </p:stCondLst>
-                            <p:childTnLst>
-                              <p:par>
-                                <p:cTn fill="hold" nodeType="clickEffect" presetClass="entr" presetID="10" presetSubtype="0">
-                                  <p:stCondLst>
-                                    <p:cond delay="0"/>
-                                  </p:stCondLst>
-                                  <p:childTnLst>
-                                    <p:set>
-                                      <p:cBhvr>
-                                        <p:cTn dur="1" fill="hold">
-                                          <p:stCondLst>
-                                            <p:cond delay="0"/>
-                                          </p:stCondLst>
-                                        </p:cTn>
-                                        <p:tgtEl>
-                                          <p:spTgt spid="135"/>
-                                        </p:tgtEl>
-                                        <p:attrNameLst>
-                                          <p:attrName>style.visibility</p:attrName>
-                                        </p:attrNameLst>
-                                      </p:cBhvr>
-                                      <p:to>
-                                        <p:strVal val="visible"/>
-                                      </p:to>
-                                    </p:set>
-                                    <p:animEffect filter="fade" transition="in">
-                                      <p:cBhvr>
-                                        <p:cTn dur="1000"/>
-                                        <p:tgtEl>
-                                          <p:spTgt spid="135"/>
-                                        </p:tgtEl>
-                                      </p:cBhvr>
-                                    </p:animEffect>
-                                  </p:childTnLst>
-                                </p:cTn>
-                              </p:par>
-                            </p:childTnLst>
-                          </p:cTn>
-                        </p:par>
-                      </p:childTnLst>
-                    </p:cTn>
-                  </p:par>
-                </p:childTnLst>
-              </p:cTn>
-              <p:prevCondLst>
-                <p:cond evt="onPrev">
-                  <p:tgtEl>
-                    <p:sldTgt/>
-                  </p:tgtEl>
-                </p:cond>
-              </p:prevCondLst>
-              <p:nextCondLst>
-                <p:cond evt="onNext">
-                  <p:tgtEl>
-                    <p:sldTgt/>
-                  </p:tgtEl>
-                </p:cond>
-              </p:nextCondLst>
-            </p:seq>
-          </p:childTnLst>
-        </p:cTn>
-      </p:par>
-    </p:tnLst>
-  </p:timing>
-</p:sld>
-</file>
-
-<file path=ppt/slides/slide15.xml><?xml version="1.0" encoding="utf-8"?>
-<p:sld xmlns:a="http://schemas.openxmlformats.org/drawingml/2006/main" xmlns:r="http://schemas.openxmlformats.org/officeDocument/2006/relationships" xmlns:mc="http://schemas.openxmlformats.org/markup-compatibility/2006" xmlns:mv="urn:schemas-microsoft-com:mac:vml" xmlns:p="http://schemas.openxmlformats.org/presentationml/2006/main" xmlns:c="http://schemas.openxmlformats.org/drawingml/2006/chart" xmlns:dgm="http://schemas.openxmlformats.org/drawingml/2006/diagram" xmlns:o="urn:schemas-microsoft-com:office:office" xmlns:v="urn:schemas-microsoft-com:vml" xmlns:pvml="urn:schemas-microsoft-com:office:powerpoint" xmlns:com="http://schemas.openxmlformats.org/drawingml/2006/compatibility" xmlns:p14="http://schemas.microsoft.com/office/powerpoint/2010/main" xmlns:p15="http://schemas.microsoft.com/office/powerpoint/2012/main" xmlns:ahyp="http://schemas.microsoft.com/office/drawing/2018/hyperlinkcolor">
-  <p:cSld>
-    <p:spTree>
-      <p:nvGrpSpPr>
-        <p:cNvPr id="139" name="Shape 139"/>
-        <p:cNvGrpSpPr/>
-        <p:nvPr/>
-      </p:nvGrpSpPr>
-      <p:grpSpPr>
-        <a:xfrm>
-          <a:off x="0" y="0"/>
-          <a:ext cx="0" cy="0"/>
-          <a:chOff x="0" y="0"/>
-          <a:chExt cx="0" cy="0"/>
-        </a:xfrm>
-      </p:grpSpPr>
-      <p:pic>
-        <p:nvPicPr>
-          <p:cNvPr id="140" name="Google Shape;140;p28"/>
-          <p:cNvPicPr preferRelativeResize="0"/>
-          <p:nvPr/>
-        </p:nvPicPr>
-        <p:blipFill>
-          <a:blip r:embed="rId3">
-            <a:alphaModFix/>
-          </a:blip>
-          <a:stretch>
-            <a:fillRect/>
-          </a:stretch>
-        </p:blipFill>
-        <p:spPr>
-          <a:xfrm>
-            <a:off x="152400" y="152400"/>
-            <a:ext cx="2684625" cy="2792000"/>
-          </a:xfrm>
-          <a:prstGeom prst="rect">
-            <a:avLst/>
-          </a:prstGeom>
-          <a:noFill/>
-          <a:ln>
-            <a:noFill/>
-          </a:ln>
-          <a:effectLst>
-            <a:outerShdw blurRad="57150" rotWithShape="0" algn="bl" dir="5400000" dist="19050">
-              <a:srgbClr val="000000">
-                <a:alpha val="50000"/>
-              </a:srgbClr>
-            </a:outerShdw>
-          </a:effectLst>
-        </p:spPr>
-      </p:pic>
-      <p:pic>
-        <p:nvPicPr>
-          <p:cNvPr id="141" name="Google Shape;141;p28" title="4 - Styled OL.mov">
-            <a:hlinkClick r:id="rId4"/>
-          </p:cNvPr>
-          <p:cNvPicPr preferRelativeResize="0"/>
-          <p:nvPr/>
-        </p:nvPicPr>
-        <p:blipFill>
-          <a:blip r:embed="rId5">
-            <a:alphaModFix/>
-          </a:blip>
-          <a:stretch>
-            <a:fillRect/>
-          </a:stretch>
-        </p:blipFill>
-        <p:spPr>
-          <a:xfrm>
-            <a:off x="3042550" y="152400"/>
-            <a:ext cx="5949050" cy="4616474"/>
-          </a:xfrm>
-          <a:prstGeom prst="rect">
-            <a:avLst/>
-          </a:prstGeom>
-          <a:noFill/>
-          <a:ln>
-            <a:noFill/>
-          </a:ln>
-          <a:effectLst>
-            <a:outerShdw blurRad="57150" rotWithShape="0" algn="bl" dir="5400000" dist="19050">
-              <a:srgbClr val="000000">
-                <a:alpha val="50000"/>
-              </a:srgbClr>
-            </a:outerShdw>
-          </a:effectLst>
-        </p:spPr>
-      </p:pic>
-    </p:spTree>
-  </p:cSld>
-  <p:clrMapOvr>
-    <a:masterClrMapping/>
-  </p:clrMapOvr>
-  <p:timing>
-    <p:tnLst>
-      <p:par>
-        <p:cTn dur="indefinite" nodeType="tmRoot" restart="never">
-          <p:childTnLst>
-            <p:seq concurrent="1" nextAc="seek">
-              <p:cTn dur="indefinite" id="2" nodeType="mainSeq">
-                <p:childTnLst>
-                  <p:par>
-                    <p:cTn fill="hold">
-                      <p:stCondLst>
-                        <p:cond delay="indefinite"/>
-                      </p:stCondLst>
-                      <p:childTnLst>
-                        <p:par>
-                          <p:cTn fill="hold">
-                            <p:stCondLst>
-                              <p:cond delay="0"/>
-                            </p:stCondLst>
-                            <p:childTnLst>
-                              <p:par>
-                                <p:cTn fill="hold" nodeType="clickEffect" presetClass="entr" presetID="10" presetSubtype="0">
-                                  <p:stCondLst>
-                                    <p:cond delay="0"/>
-                                  </p:stCondLst>
-                                  <p:childTnLst>
-                                    <p:set>
-                                      <p:cBhvr>
-                                        <p:cTn dur="1" fill="hold">
-                                          <p:stCondLst>
-                                            <p:cond delay="0"/>
-                                          </p:stCondLst>
-                                        </p:cTn>
-                                        <p:tgtEl>
-                                          <p:spTgt spid="141"/>
-                                        </p:tgtEl>
-                                        <p:attrNameLst>
-                                          <p:attrName>style.visibility</p:attrName>
-                                        </p:attrNameLst>
-                                      </p:cBhvr>
-                                      <p:to>
-                                        <p:strVal val="visible"/>
-                                      </p:to>
-                                    </p:set>
-                                    <p:animEffect filter="fade" transition="in">
-                                      <p:cBhvr>
-                                        <p:cTn dur="1000"/>
-                                        <p:tgtEl>
-                                          <p:spTgt spid="141"/>
-                                        </p:tgtEl>
-                                      </p:cBhvr>
-                                    </p:animEffect>
-                                  </p:childTnLst>
-                                </p:cTn>
-                              </p:par>
-                            </p:childTnLst>
-                          </p:cTn>
-                        </p:par>
-                      </p:childTnLst>
-                    </p:cTn>
-                  </p:par>
-                </p:childTnLst>
-              </p:cTn>
-              <p:prevCondLst>
-                <p:cond evt="onPrev">
-                  <p:tgtEl>
-                    <p:sldTgt/>
-                  </p:tgtEl>
-                </p:cond>
-              </p:prevCondLst>
-              <p:nextCondLst>
-                <p:cond evt="onNext">
-                  <p:tgtEl>
-                    <p:sldTgt/>
-                  </p:tgtEl>
-                </p:cond>
-              </p:nextCondLst>
-            </p:seq>
-          </p:childTnLst>
-        </p:cTn>
-      </p:par>
-    </p:tnLst>
-  </p:timing>
-</p:sld>
-</file>
-
-<file path=ppt/slides/slide16.xml><?xml version="1.0" encoding="utf-8"?>
-<p:sld xmlns:a="http://schemas.openxmlformats.org/drawingml/2006/main" xmlns:r="http://schemas.openxmlformats.org/officeDocument/2006/relationships" xmlns:mc="http://schemas.openxmlformats.org/markup-compatibility/2006" xmlns:mv="urn:schemas-microsoft-com:mac:vml" xmlns:p="http://schemas.openxmlformats.org/presentationml/2006/main" xmlns:c="http://schemas.openxmlformats.org/drawingml/2006/chart" xmlns:dgm="http://schemas.openxmlformats.org/drawingml/2006/diagram" xmlns:o="urn:schemas-microsoft-com:office:office" xmlns:v="urn:schemas-microsoft-com:vml" xmlns:pvml="urn:schemas-microsoft-com:office:powerpoint" xmlns:com="http://schemas.openxmlformats.org/drawingml/2006/compatibility" xmlns:p14="http://schemas.microsoft.com/office/powerpoint/2010/main" xmlns:p15="http://schemas.microsoft.com/office/powerpoint/2012/main" xmlns:ahyp="http://schemas.microsoft.com/office/drawing/2018/hyperlinkcolor">
-  <p:cSld>
-    <p:spTree>
-      <p:nvGrpSpPr>
-        <p:cNvPr id="145" name="Shape 145"/>
-        <p:cNvGrpSpPr/>
-        <p:nvPr/>
-      </p:nvGrpSpPr>
-      <p:grpSpPr>
-        <a:xfrm>
-          <a:off x="0" y="0"/>
-          <a:ext cx="0" cy="0"/>
-          <a:chOff x="0" y="0"/>
-          <a:chExt cx="0" cy="0"/>
-        </a:xfrm>
-      </p:grpSpPr>
-      <p:pic>
-        <p:nvPicPr>
-          <p:cNvPr id="146" name="Google Shape;146;p29"/>
-          <p:cNvPicPr preferRelativeResize="0"/>
-          <p:nvPr/>
-        </p:nvPicPr>
-        <p:blipFill>
-          <a:blip r:embed="rId3">
-            <a:alphaModFix/>
-          </a:blip>
-          <a:stretch>
-            <a:fillRect/>
-          </a:stretch>
-        </p:blipFill>
-        <p:spPr>
-          <a:xfrm>
-            <a:off x="152400" y="152400"/>
-            <a:ext cx="5114925" cy="2085975"/>
-          </a:xfrm>
-          <a:prstGeom prst="rect">
-            <a:avLst/>
-          </a:prstGeom>
-          <a:noFill/>
-          <a:ln>
-            <a:noFill/>
-          </a:ln>
-        </p:spPr>
-      </p:pic>
-    </p:spTree>
-  </p:cSld>
-  <p:clrMapOvr>
-    <a:masterClrMapping/>
-  </p:clrMapOvr>
-</p:sld>
-</file>
-
-<file path=ppt/slides/slide17.xml><?xml version="1.0" encoding="utf-8"?>
-<p:sld xmlns:a="http://schemas.openxmlformats.org/drawingml/2006/main" xmlns:r="http://schemas.openxmlformats.org/officeDocument/2006/relationships" xmlns:mc="http://schemas.openxmlformats.org/markup-compatibility/2006" xmlns:mv="urn:schemas-microsoft-com:mac:vml" xmlns:p="http://schemas.openxmlformats.org/presentationml/2006/main" xmlns:c="http://schemas.openxmlformats.org/drawingml/2006/chart" xmlns:dgm="http://schemas.openxmlformats.org/drawingml/2006/diagram" xmlns:o="urn:schemas-microsoft-com:office:office" xmlns:v="urn:schemas-microsoft-com:vml" xmlns:pvml="urn:schemas-microsoft-com:office:powerpoint" xmlns:com="http://schemas.openxmlformats.org/drawingml/2006/compatibility" xmlns:p14="http://schemas.microsoft.com/office/powerpoint/2010/main" xmlns:p15="http://schemas.microsoft.com/office/powerpoint/2012/main" xmlns:ahyp="http://schemas.microsoft.com/office/drawing/2018/hyperlinkcolor">
-  <p:cSld>
-    <p:spTree>
-      <p:nvGrpSpPr>
-        <p:cNvPr id="150" name="Shape 150"/>
-        <p:cNvGrpSpPr/>
-        <p:nvPr/>
-      </p:nvGrpSpPr>
-      <p:grpSpPr>
-        <a:xfrm>
-          <a:off x="0" y="0"/>
-          <a:ext cx="0" cy="0"/>
-          <a:chOff x="0" y="0"/>
-          <a:chExt cx="0" cy="0"/>
-        </a:xfrm>
-      </p:grpSpPr>
-      <p:pic>
-        <p:nvPicPr>
-          <p:cNvPr id="151" name="Google Shape;151;p30"/>
-          <p:cNvPicPr preferRelativeResize="0"/>
-          <p:nvPr/>
-        </p:nvPicPr>
-        <p:blipFill>
-          <a:blip r:embed="rId3">
-            <a:alphaModFix/>
-          </a:blip>
-          <a:stretch>
-            <a:fillRect/>
-          </a:stretch>
-        </p:blipFill>
-        <p:spPr>
-          <a:xfrm>
-            <a:off x="152400" y="152400"/>
-            <a:ext cx="2399425" cy="978525"/>
-          </a:xfrm>
-          <a:prstGeom prst="rect">
-            <a:avLst/>
-          </a:prstGeom>
-          <a:noFill/>
-          <a:ln>
-            <a:noFill/>
-          </a:ln>
-        </p:spPr>
-      </p:pic>
-      <p:pic>
-        <p:nvPicPr>
-          <p:cNvPr id="152" name="Google Shape;152;p30" title="5 - Semantic Table.mov">
-            <a:hlinkClick r:id="rId4"/>
-          </p:cNvPr>
-          <p:cNvPicPr preferRelativeResize="0"/>
-          <p:nvPr/>
-        </p:nvPicPr>
-        <p:blipFill>
-          <a:blip r:embed="rId5">
-            <a:alphaModFix/>
-          </a:blip>
-          <a:stretch>
-            <a:fillRect/>
-          </a:stretch>
-        </p:blipFill>
-        <p:spPr>
-          <a:xfrm>
-            <a:off x="2735200" y="626438"/>
-            <a:ext cx="6195275" cy="3890626"/>
-          </a:xfrm>
-          <a:prstGeom prst="rect">
-            <a:avLst/>
-          </a:prstGeom>
-          <a:noFill/>
-          <a:ln>
-            <a:noFill/>
-          </a:ln>
-          <a:effectLst>
-            <a:outerShdw blurRad="57150" rotWithShape="0" algn="bl" dir="5400000" dist="19050">
-              <a:srgbClr val="000000">
-                <a:alpha val="50000"/>
-              </a:srgbClr>
-            </a:outerShdw>
-          </a:effectLst>
-        </p:spPr>
-      </p:pic>
-    </p:spTree>
-  </p:cSld>
-  <p:clrMapOvr>
-    <a:masterClrMapping/>
-  </p:clrMapOvr>
-  <p:timing>
-    <p:tnLst>
-      <p:par>
-        <p:cTn dur="indefinite" nodeType="tmRoot" restart="never">
-          <p:childTnLst>
-            <p:seq concurrent="1" nextAc="seek">
-              <p:cTn dur="indefinite" id="2" nodeType="mainSeq">
-                <p:childTnLst>
-                  <p:par>
-                    <p:cTn fill="hold">
-                      <p:stCondLst>
-                        <p:cond delay="indefinite"/>
-                      </p:stCondLst>
-                      <p:childTnLst>
-                        <p:par>
-                          <p:cTn fill="hold">
-                            <p:stCondLst>
-                              <p:cond delay="0"/>
-                            </p:stCondLst>
-                            <p:childTnLst>
-                              <p:par>
-                                <p:cTn fill="hold" nodeType="clickEffect" presetClass="entr" presetID="10" presetSubtype="0">
-                                  <p:stCondLst>
-                                    <p:cond delay="0"/>
-                                  </p:stCondLst>
-                                  <p:childTnLst>
-                                    <p:set>
-                                      <p:cBhvr>
-                                        <p:cTn dur="1" fill="hold">
-                                          <p:stCondLst>
-                                            <p:cond delay="0"/>
-                                          </p:stCondLst>
-                                        </p:cTn>
-                                        <p:tgtEl>
-                                          <p:spTgt spid="152"/>
-                                        </p:tgtEl>
-                                        <p:attrNameLst>
-                                          <p:attrName>style.visibility</p:attrName>
-                                        </p:attrNameLst>
-                                      </p:cBhvr>
-                                      <p:to>
-                                        <p:strVal val="visible"/>
-                                      </p:to>
-                                    </p:set>
-                                    <p:animEffect filter="fade" transition="in">
-                                      <p:cBhvr>
-                                        <p:cTn dur="1000"/>
-                                        <p:tgtEl>
-                                          <p:spTgt spid="152"/>
-                                        </p:tgtEl>
-                                      </p:cBhvr>
-                                    </p:animEffect>
-                                  </p:childTnLst>
-                                </p:cTn>
-                              </p:par>
-                            </p:childTnLst>
-                          </p:cTn>
-                        </p:par>
-                      </p:childTnLst>
-                    </p:cTn>
-                  </p:par>
-                </p:childTnLst>
-              </p:cTn>
-              <p:prevCondLst>
-                <p:cond evt="onPrev">
-                  <p:tgtEl>
-                    <p:sldTgt/>
-                  </p:tgtEl>
-                </p:cond>
-              </p:prevCondLst>
-              <p:nextCondLst>
-                <p:cond evt="onNext">
-                  <p:tgtEl>
-                    <p:sldTgt/>
-                  </p:tgtEl>
-                </p:cond>
-              </p:nextCondLst>
-            </p:seq>
-          </p:childTnLst>
-        </p:cTn>
-      </p:par>
-    </p:tnLst>
-  </p:timing>
-</p:sld>
-</file>
-
-<file path=ppt/slides/slide18.xml><?xml version="1.0" encoding="utf-8"?>
-<p:sld xmlns:a="http://schemas.openxmlformats.org/drawingml/2006/main" xmlns:r="http://schemas.openxmlformats.org/officeDocument/2006/relationships" xmlns:mc="http://schemas.openxmlformats.org/markup-compatibility/2006" xmlns:mv="urn:schemas-microsoft-com:mac:vml" xmlns:p="http://schemas.openxmlformats.org/presentationml/2006/main" xmlns:c="http://schemas.openxmlformats.org/drawingml/2006/chart" xmlns:dgm="http://schemas.openxmlformats.org/drawingml/2006/diagram" xmlns:o="urn:schemas-microsoft-com:office:office" xmlns:v="urn:schemas-microsoft-com:vml" xmlns:pvml="urn:schemas-microsoft-com:office:powerpoint" xmlns:com="http://schemas.openxmlformats.org/drawingml/2006/compatibility" xmlns:p14="http://schemas.microsoft.com/office/powerpoint/2010/main" xmlns:p15="http://schemas.microsoft.com/office/powerpoint/2012/main" xmlns:ahyp="http://schemas.microsoft.com/office/drawing/2018/hyperlinkcolor">
-  <p:cSld>
-    <p:spTree>
-      <p:nvGrpSpPr>
-        <p:cNvPr id="156" name="Shape 156"/>
-        <p:cNvGrpSpPr/>
-        <p:nvPr/>
-      </p:nvGrpSpPr>
-      <p:grpSpPr>
-        <a:xfrm>
-          <a:off x="0" y="0"/>
-          <a:ext cx="0" cy="0"/>
-          <a:chOff x="0" y="0"/>
-          <a:chExt cx="0" cy="0"/>
-        </a:xfrm>
-      </p:grpSpPr>
-      <p:pic>
-        <p:nvPicPr>
-          <p:cNvPr id="157" name="Google Shape;157;p31"/>
-          <p:cNvPicPr preferRelativeResize="0"/>
-          <p:nvPr/>
-        </p:nvPicPr>
-        <p:blipFill>
-          <a:blip r:embed="rId3">
-            <a:alphaModFix/>
-          </a:blip>
-          <a:stretch>
-            <a:fillRect/>
-          </a:stretch>
-        </p:blipFill>
-        <p:spPr>
-          <a:xfrm>
-            <a:off x="152400" y="152400"/>
-            <a:ext cx="3886200" cy="3476625"/>
-          </a:xfrm>
-          <a:prstGeom prst="rect">
-            <a:avLst/>
-          </a:prstGeom>
-          <a:noFill/>
-          <a:ln>
-            <a:noFill/>
-          </a:ln>
-        </p:spPr>
-      </p:pic>
-    </p:spTree>
-  </p:cSld>
-  <p:clrMapOvr>
-    <a:masterClrMapping/>
-  </p:clrMapOvr>
-</p:sld>
-</file>
-
-<file path=ppt/slides/slide19.xml><?xml version="1.0" encoding="utf-8"?>
-<p:sld xmlns:a="http://schemas.openxmlformats.org/drawingml/2006/main" xmlns:r="http://schemas.openxmlformats.org/officeDocument/2006/relationships" xmlns:mc="http://schemas.openxmlformats.org/markup-compatibility/2006" xmlns:mv="urn:schemas-microsoft-com:mac:vml" xmlns:p="http://schemas.openxmlformats.org/presentationml/2006/main" xmlns:c="http://schemas.openxmlformats.org/drawingml/2006/chart" xmlns:dgm="http://schemas.openxmlformats.org/drawingml/2006/diagram" xmlns:o="urn:schemas-microsoft-com:office:office" xmlns:v="urn:schemas-microsoft-com:vml" xmlns:pvml="urn:schemas-microsoft-com:office:powerpoint" xmlns:com="http://schemas.openxmlformats.org/drawingml/2006/compatibility" xmlns:p14="http://schemas.microsoft.com/office/powerpoint/2010/main" xmlns:p15="http://schemas.microsoft.com/office/powerpoint/2012/main" xmlns:ahyp="http://schemas.microsoft.com/office/drawing/2018/hyperlinkcolor">
-  <p:cSld>
-    <p:spTree>
-      <p:nvGrpSpPr>
-        <p:cNvPr id="161" name="Shape 161"/>
-        <p:cNvGrpSpPr/>
-        <p:nvPr/>
-      </p:nvGrpSpPr>
-      <p:grpSpPr>
-        <a:xfrm>
-          <a:off x="0" y="0"/>
-          <a:ext cx="0" cy="0"/>
-          <a:chOff x="0" y="0"/>
-          <a:chExt cx="0" cy="0"/>
-        </a:xfrm>
-      </p:grpSpPr>
-      <p:pic>
-        <p:nvPicPr>
-          <p:cNvPr id="162" name="Google Shape;162;p32"/>
-          <p:cNvPicPr preferRelativeResize="0"/>
-          <p:nvPr/>
-        </p:nvPicPr>
-        <p:blipFill>
-          <a:blip r:embed="rId3">
-            <a:alphaModFix/>
-          </a:blip>
-          <a:stretch>
-            <a:fillRect/>
-          </a:stretch>
-        </p:blipFill>
-        <p:spPr>
-          <a:xfrm>
-            <a:off x="152400" y="152400"/>
-            <a:ext cx="2462675" cy="2203125"/>
-          </a:xfrm>
-          <a:prstGeom prst="rect">
-            <a:avLst/>
-          </a:prstGeom>
-          <a:noFill/>
-          <a:ln>
-            <a:noFill/>
-          </a:ln>
-        </p:spPr>
-      </p:pic>
-      <p:pic>
-        <p:nvPicPr>
-          <p:cNvPr id="163" name="Google Shape;163;p32" title="6 - Styled Table.mov">
-            <a:hlinkClick r:id="rId4"/>
-          </p:cNvPr>
-          <p:cNvPicPr preferRelativeResize="0"/>
-          <p:nvPr/>
-        </p:nvPicPr>
-        <p:blipFill>
-          <a:blip r:embed="rId5">
-            <a:alphaModFix/>
-          </a:blip>
-          <a:stretch>
-            <a:fillRect/>
-          </a:stretch>
-        </p:blipFill>
-        <p:spPr>
-          <a:xfrm>
-            <a:off x="2915575" y="320704"/>
-            <a:ext cx="6002825" cy="4502100"/>
-          </a:xfrm>
-          <a:prstGeom prst="rect">
-            <a:avLst/>
-          </a:prstGeom>
-          <a:noFill/>
-          <a:ln>
-            <a:noFill/>
-          </a:ln>
-          <a:effectLst>
-            <a:outerShdw blurRad="57150" rotWithShape="0" algn="bl" dir="5400000" dist="19050">
-              <a:srgbClr val="000000">
-                <a:alpha val="50000"/>
-              </a:srgbClr>
-            </a:outerShdw>
-          </a:effectLst>
-        </p:spPr>
-      </p:pic>
-    </p:spTree>
-  </p:cSld>
-  <p:clrMapOvr>
-    <a:masterClrMapping/>
-  </p:clrMapOvr>
-  <p:timing>
-    <p:tnLst>
-      <p:par>
-        <p:cTn dur="indefinite" nodeType="tmRoot" restart="never">
-          <p:childTnLst>
-            <p:seq concurrent="1" nextAc="seek">
-              <p:cTn dur="indefinite" id="2" nodeType="mainSeq">
-                <p:childTnLst>
-                  <p:par>
-                    <p:cTn fill="hold">
-                      <p:stCondLst>
-                        <p:cond delay="indefinite"/>
-                      </p:stCondLst>
-                      <p:childTnLst>
-                        <p:par>
-                          <p:cTn fill="hold">
-                            <p:stCondLst>
-                              <p:cond delay="0"/>
-                            </p:stCondLst>
-                            <p:childTnLst>
-                              <p:par>
-                                <p:cTn fill="hold" nodeType="clickEffect" presetClass="entr" presetID="10" presetSubtype="0">
-                                  <p:stCondLst>
-                                    <p:cond delay="0"/>
-                                  </p:stCondLst>
-                                  <p:childTnLst>
-                                    <p:set>
-                                      <p:cBhvr>
-                                        <p:cTn dur="1" fill="hold">
-                                          <p:stCondLst>
-                                            <p:cond delay="0"/>
-                                          </p:stCondLst>
-                                        </p:cTn>
-                                        <p:tgtEl>
-                                          <p:spTgt spid="163"/>
-                                        </p:tgtEl>
-                                        <p:attrNameLst>
-                                          <p:attrName>style.visibility</p:attrName>
-                                        </p:attrNameLst>
-                                      </p:cBhvr>
-                                      <p:to>
-                                        <p:strVal val="visible"/>
-                                      </p:to>
-                                    </p:set>
-                                    <p:animEffect filter="fade" transition="in">
-                                      <p:cBhvr>
-                                        <p:cTn dur="1000"/>
-                                        <p:tgtEl>
-                                          <p:spTgt spid="163"/>
-                                        </p:tgtEl>
-                                      </p:cBhvr>
-                                    </p:animEffect>
-                                  </p:childTnLst>
-                                </p:cTn>
-                              </p:par>
-                            </p:childTnLst>
-                          </p:cTn>
-                        </p:par>
-                      </p:childTnLst>
-                    </p:cTn>
-                  </p:par>
-                </p:childTnLst>
-              </p:cTn>
-              <p:prevCondLst>
-                <p:cond evt="onPrev">
-                  <p:tgtEl>
-                    <p:sldTgt/>
-                  </p:tgtEl>
-                </p:cond>
-              </p:prevCondLst>
-              <p:nextCondLst>
-                <p:cond evt="onNext">
-                  <p:tgtEl>
-                    <p:sldTgt/>
-                  </p:tgtEl>
-                </p:cond>
-              </p:nextCondLst>
-            </p:seq>
-          </p:childTnLst>
-        </p:cTn>
-      </p:par>
-    </p:tnLst>
-  </p:timing>
 </p:sld>
 </file>
 
@@ -10313,1425 +10068,6 @@
               <a:t/>
             </a:r>
             <a:endParaRPr i="1"/>
-          </a:p>
-        </p:txBody>
-      </p:sp>
-    </p:spTree>
-  </p:cSld>
-  <p:clrMapOvr>
-    <a:masterClrMapping/>
-  </p:clrMapOvr>
-</p:sld>
-</file>
-
-<file path=ppt/slides/slide20.xml><?xml version="1.0" encoding="utf-8"?>
-<p:sld xmlns:a="http://schemas.openxmlformats.org/drawingml/2006/main" xmlns:r="http://schemas.openxmlformats.org/officeDocument/2006/relationships" xmlns:mc="http://schemas.openxmlformats.org/markup-compatibility/2006" xmlns:mv="urn:schemas-microsoft-com:mac:vml" xmlns:p="http://schemas.openxmlformats.org/presentationml/2006/main" xmlns:c="http://schemas.openxmlformats.org/drawingml/2006/chart" xmlns:dgm="http://schemas.openxmlformats.org/drawingml/2006/diagram" xmlns:o="urn:schemas-microsoft-com:office:office" xmlns:v="urn:schemas-microsoft-com:vml" xmlns:pvml="urn:schemas-microsoft-com:office:powerpoint" xmlns:com="http://schemas.openxmlformats.org/drawingml/2006/compatibility" xmlns:p14="http://schemas.microsoft.com/office/powerpoint/2010/main" xmlns:p15="http://schemas.microsoft.com/office/powerpoint/2012/main" xmlns:ahyp="http://schemas.microsoft.com/office/drawing/2018/hyperlinkcolor">
-  <p:cSld>
-    <p:spTree>
-      <p:nvGrpSpPr>
-        <p:cNvPr id="167" name="Shape 167"/>
-        <p:cNvGrpSpPr/>
-        <p:nvPr/>
-      </p:nvGrpSpPr>
-      <p:grpSpPr>
-        <a:xfrm>
-          <a:off x="0" y="0"/>
-          <a:ext cx="0" cy="0"/>
-          <a:chOff x="0" y="0"/>
-          <a:chExt cx="0" cy="0"/>
-        </a:xfrm>
-      </p:grpSpPr>
-      <p:sp>
-        <p:nvSpPr>
-          <p:cNvPr id="168" name="Google Shape;168;p33"/>
-          <p:cNvSpPr txBox="1"/>
-          <p:nvPr>
-            <p:ph type="title"/>
-          </p:nvPr>
-        </p:nvSpPr>
-        <p:spPr>
-          <a:xfrm>
-            <a:off x="311700" y="445025"/>
-            <a:ext cx="8520600" cy="572700"/>
-          </a:xfrm>
-          <a:prstGeom prst="rect">
-            <a:avLst/>
-          </a:prstGeom>
-        </p:spPr>
-        <p:txBody>
-          <a:bodyPr anchorCtr="0" anchor="t" bIns="91425" lIns="91425" spcFirstLastPara="1" rIns="91425" wrap="square" tIns="91425">
-            <a:normAutofit fontScale="90000"/>
-          </a:bodyPr>
-          <a:lstStyle/>
-          <a:p>
-            <a:pPr indent="0" lvl="0" marL="0" rtl="0" algn="l">
-              <a:spcBef>
-                <a:spcPts val="0"/>
-              </a:spcBef>
-              <a:spcAft>
-                <a:spcPts val="0"/>
-              </a:spcAft>
-              <a:buNone/>
-            </a:pPr>
-            <a:r>
-              <a:rPr lang="en"/>
-              <a:t>Lessons Learned</a:t>
-            </a:r>
-            <a:endParaRPr/>
-          </a:p>
-        </p:txBody>
-      </p:sp>
-      <p:sp>
-        <p:nvSpPr>
-          <p:cNvPr id="169" name="Google Shape;169;p33"/>
-          <p:cNvSpPr txBox="1"/>
-          <p:nvPr>
-            <p:ph idx="1" type="body"/>
-          </p:nvPr>
-        </p:nvSpPr>
-        <p:spPr>
-          <a:xfrm>
-            <a:off x="311700" y="1152475"/>
-            <a:ext cx="8520600" cy="3416400"/>
-          </a:xfrm>
-          <a:prstGeom prst="rect">
-            <a:avLst/>
-          </a:prstGeom>
-        </p:spPr>
-        <p:txBody>
-          <a:bodyPr anchorCtr="0" anchor="t" bIns="91425" lIns="91425" spcFirstLastPara="1" rIns="91425" wrap="square" tIns="91425">
-            <a:normAutofit/>
-          </a:bodyPr>
-          <a:lstStyle/>
-          <a:p>
-            <a:pPr indent="-342900" lvl="0" marL="457200" rtl="0" algn="l">
-              <a:spcBef>
-                <a:spcPts val="0"/>
-              </a:spcBef>
-              <a:spcAft>
-                <a:spcPts val="0"/>
-              </a:spcAft>
-              <a:buSzPts val="1800"/>
-              <a:buAutoNum type="arabicPeriod"/>
-            </a:pPr>
-            <a:r>
-              <a:rPr lang="en"/>
-              <a:t>Visually delightful ≠ accessible</a:t>
-            </a:r>
-            <a:endParaRPr/>
-          </a:p>
-          <a:p>
-            <a:pPr indent="0" lvl="0" marL="457200" rtl="0" algn="l">
-              <a:spcBef>
-                <a:spcPts val="1200"/>
-              </a:spcBef>
-              <a:spcAft>
-                <a:spcPts val="1200"/>
-              </a:spcAft>
-              <a:buNone/>
-            </a:pPr>
-            <a:r>
-              <a:t/>
-            </a:r>
-            <a:endParaRPr/>
-          </a:p>
-        </p:txBody>
-      </p:sp>
-    </p:spTree>
-  </p:cSld>
-  <p:clrMapOvr>
-    <a:masterClrMapping/>
-  </p:clrMapOvr>
-</p:sld>
-</file>
-
-<file path=ppt/slides/slide21.xml><?xml version="1.0" encoding="utf-8"?>
-<p:sld xmlns:a="http://schemas.openxmlformats.org/drawingml/2006/main" xmlns:r="http://schemas.openxmlformats.org/officeDocument/2006/relationships" xmlns:mc="http://schemas.openxmlformats.org/markup-compatibility/2006" xmlns:mv="urn:schemas-microsoft-com:mac:vml" xmlns:p="http://schemas.openxmlformats.org/presentationml/2006/main" xmlns:c="http://schemas.openxmlformats.org/drawingml/2006/chart" xmlns:dgm="http://schemas.openxmlformats.org/drawingml/2006/diagram" xmlns:o="urn:schemas-microsoft-com:office:office" xmlns:v="urn:schemas-microsoft-com:vml" xmlns:pvml="urn:schemas-microsoft-com:office:powerpoint" xmlns:com="http://schemas.openxmlformats.org/drawingml/2006/compatibility" xmlns:p14="http://schemas.microsoft.com/office/powerpoint/2010/main" xmlns:p15="http://schemas.microsoft.com/office/powerpoint/2012/main" xmlns:ahyp="http://schemas.microsoft.com/office/drawing/2018/hyperlinkcolor">
-  <p:cSld>
-    <p:spTree>
-      <p:nvGrpSpPr>
-        <p:cNvPr id="173" name="Shape 173"/>
-        <p:cNvGrpSpPr/>
-        <p:nvPr/>
-      </p:nvGrpSpPr>
-      <p:grpSpPr>
-        <a:xfrm>
-          <a:off x="0" y="0"/>
-          <a:ext cx="0" cy="0"/>
-          <a:chOff x="0" y="0"/>
-          <a:chExt cx="0" cy="0"/>
-        </a:xfrm>
-      </p:grpSpPr>
-      <p:sp>
-        <p:nvSpPr>
-          <p:cNvPr id="174" name="Google Shape;174;p34"/>
-          <p:cNvSpPr txBox="1"/>
-          <p:nvPr>
-            <p:ph type="title"/>
-          </p:nvPr>
-        </p:nvSpPr>
-        <p:spPr>
-          <a:xfrm>
-            <a:off x="311700" y="445025"/>
-            <a:ext cx="8520600" cy="572700"/>
-          </a:xfrm>
-          <a:prstGeom prst="rect">
-            <a:avLst/>
-          </a:prstGeom>
-        </p:spPr>
-        <p:txBody>
-          <a:bodyPr anchorCtr="0" anchor="t" bIns="91425" lIns="91425" spcFirstLastPara="1" rIns="91425" wrap="square" tIns="91425">
-            <a:normAutofit fontScale="90000"/>
-          </a:bodyPr>
-          <a:lstStyle/>
-          <a:p>
-            <a:pPr indent="0" lvl="0" marL="0" rtl="0" algn="l">
-              <a:spcBef>
-                <a:spcPts val="0"/>
-              </a:spcBef>
-              <a:spcAft>
-                <a:spcPts val="0"/>
-              </a:spcAft>
-              <a:buNone/>
-            </a:pPr>
-            <a:r>
-              <a:rPr lang="en"/>
-              <a:t>Lessons Learned</a:t>
-            </a:r>
-            <a:endParaRPr/>
-          </a:p>
-        </p:txBody>
-      </p:sp>
-      <p:sp>
-        <p:nvSpPr>
-          <p:cNvPr id="175" name="Google Shape;175;p34"/>
-          <p:cNvSpPr txBox="1"/>
-          <p:nvPr>
-            <p:ph idx="1" type="body"/>
-          </p:nvPr>
-        </p:nvSpPr>
-        <p:spPr>
-          <a:xfrm>
-            <a:off x="311700" y="1152475"/>
-            <a:ext cx="8520600" cy="3416400"/>
-          </a:xfrm>
-          <a:prstGeom prst="rect">
-            <a:avLst/>
-          </a:prstGeom>
-        </p:spPr>
-        <p:txBody>
-          <a:bodyPr anchorCtr="0" anchor="t" bIns="91425" lIns="91425" spcFirstLastPara="1" rIns="91425" wrap="square" tIns="91425">
-            <a:normAutofit/>
-          </a:bodyPr>
-          <a:lstStyle/>
-          <a:p>
-            <a:pPr indent="-342900" lvl="0" marL="457200" rtl="0" algn="l">
-              <a:spcBef>
-                <a:spcPts val="0"/>
-              </a:spcBef>
-              <a:spcAft>
-                <a:spcPts val="0"/>
-              </a:spcAft>
-              <a:buSzPts val="1800"/>
-              <a:buAutoNum type="arabicPeriod"/>
-            </a:pPr>
-            <a:r>
-              <a:rPr lang="en"/>
-              <a:t>Visually delightful ≠ accessible</a:t>
-            </a:r>
-            <a:endParaRPr/>
-          </a:p>
-          <a:p>
-            <a:pPr indent="0" lvl="0" marL="457200" rtl="0" algn="l">
-              <a:spcBef>
-                <a:spcPts val="1200"/>
-              </a:spcBef>
-              <a:spcAft>
-                <a:spcPts val="1200"/>
-              </a:spcAft>
-              <a:buNone/>
-            </a:pPr>
-            <a:r>
-              <a:t/>
-            </a:r>
-            <a:endParaRPr/>
-          </a:p>
-        </p:txBody>
-      </p:sp>
-      <p:pic>
-        <p:nvPicPr>
-          <p:cNvPr id="176" name="Google Shape;176;p34"/>
-          <p:cNvPicPr preferRelativeResize="0"/>
-          <p:nvPr/>
-        </p:nvPicPr>
-        <p:blipFill rotWithShape="1">
-          <a:blip r:embed="rId3">
-            <a:alphaModFix/>
-          </a:blip>
-          <a:srcRect b="0" l="3595" r="2029" t="0"/>
-          <a:stretch/>
-        </p:blipFill>
-        <p:spPr>
-          <a:xfrm>
-            <a:off x="5325800" y="405925"/>
-            <a:ext cx="3083450" cy="3876675"/>
-          </a:xfrm>
-          <a:prstGeom prst="rect">
-            <a:avLst/>
-          </a:prstGeom>
-          <a:noFill/>
-          <a:ln>
-            <a:noFill/>
-          </a:ln>
-          <a:effectLst>
-            <a:outerShdw blurRad="57150" rotWithShape="0" algn="bl" dir="5400000" dist="19050">
-              <a:srgbClr val="000000">
-                <a:alpha val="50000"/>
-              </a:srgbClr>
-            </a:outerShdw>
-          </a:effectLst>
-        </p:spPr>
-      </p:pic>
-    </p:spTree>
-  </p:cSld>
-  <p:clrMapOvr>
-    <a:masterClrMapping/>
-  </p:clrMapOvr>
-</p:sld>
-</file>
-
-<file path=ppt/slides/slide22.xml><?xml version="1.0" encoding="utf-8"?>
-<p:sld xmlns:a="http://schemas.openxmlformats.org/drawingml/2006/main" xmlns:r="http://schemas.openxmlformats.org/officeDocument/2006/relationships" xmlns:mc="http://schemas.openxmlformats.org/markup-compatibility/2006" xmlns:mv="urn:schemas-microsoft-com:mac:vml" xmlns:p="http://schemas.openxmlformats.org/presentationml/2006/main" xmlns:c="http://schemas.openxmlformats.org/drawingml/2006/chart" xmlns:dgm="http://schemas.openxmlformats.org/drawingml/2006/diagram" xmlns:o="urn:schemas-microsoft-com:office:office" xmlns:v="urn:schemas-microsoft-com:vml" xmlns:pvml="urn:schemas-microsoft-com:office:powerpoint" xmlns:com="http://schemas.openxmlformats.org/drawingml/2006/compatibility" xmlns:p14="http://schemas.microsoft.com/office/powerpoint/2010/main" xmlns:p15="http://schemas.microsoft.com/office/powerpoint/2012/main" xmlns:ahyp="http://schemas.microsoft.com/office/drawing/2018/hyperlinkcolor">
-  <p:cSld>
-    <p:spTree>
-      <p:nvGrpSpPr>
-        <p:cNvPr id="180" name="Shape 180"/>
-        <p:cNvGrpSpPr/>
-        <p:nvPr/>
-      </p:nvGrpSpPr>
-      <p:grpSpPr>
-        <a:xfrm>
-          <a:off x="0" y="0"/>
-          <a:ext cx="0" cy="0"/>
-          <a:chOff x="0" y="0"/>
-          <a:chExt cx="0" cy="0"/>
-        </a:xfrm>
-      </p:grpSpPr>
-      <p:sp>
-        <p:nvSpPr>
-          <p:cNvPr id="181" name="Google Shape;181;p35"/>
-          <p:cNvSpPr txBox="1"/>
-          <p:nvPr>
-            <p:ph type="title"/>
-          </p:nvPr>
-        </p:nvSpPr>
-        <p:spPr>
-          <a:xfrm>
-            <a:off x="311700" y="445025"/>
-            <a:ext cx="8520600" cy="572700"/>
-          </a:xfrm>
-          <a:prstGeom prst="rect">
-            <a:avLst/>
-          </a:prstGeom>
-        </p:spPr>
-        <p:txBody>
-          <a:bodyPr anchorCtr="0" anchor="t" bIns="91425" lIns="91425" spcFirstLastPara="1" rIns="91425" wrap="square" tIns="91425">
-            <a:normAutofit fontScale="90000"/>
-          </a:bodyPr>
-          <a:lstStyle/>
-          <a:p>
-            <a:pPr indent="0" lvl="0" marL="0" rtl="0" algn="l">
-              <a:spcBef>
-                <a:spcPts val="0"/>
-              </a:spcBef>
-              <a:spcAft>
-                <a:spcPts val="0"/>
-              </a:spcAft>
-              <a:buNone/>
-            </a:pPr>
-            <a:r>
-              <a:rPr lang="en"/>
-              <a:t>Lessons Learned</a:t>
-            </a:r>
-            <a:endParaRPr/>
-          </a:p>
-        </p:txBody>
-      </p:sp>
-      <p:sp>
-        <p:nvSpPr>
-          <p:cNvPr id="182" name="Google Shape;182;p35"/>
-          <p:cNvSpPr txBox="1"/>
-          <p:nvPr>
-            <p:ph idx="1" type="body"/>
-          </p:nvPr>
-        </p:nvSpPr>
-        <p:spPr>
-          <a:xfrm>
-            <a:off x="311700" y="1152475"/>
-            <a:ext cx="8520600" cy="3416400"/>
-          </a:xfrm>
-          <a:prstGeom prst="rect">
-            <a:avLst/>
-          </a:prstGeom>
-        </p:spPr>
-        <p:txBody>
-          <a:bodyPr anchorCtr="0" anchor="t" bIns="91425" lIns="91425" spcFirstLastPara="1" rIns="91425" wrap="square" tIns="91425">
-            <a:normAutofit/>
-          </a:bodyPr>
-          <a:lstStyle/>
-          <a:p>
-            <a:pPr indent="-342900" lvl="0" marL="457200" rtl="0" algn="l">
-              <a:spcBef>
-                <a:spcPts val="0"/>
-              </a:spcBef>
-              <a:spcAft>
-                <a:spcPts val="0"/>
-              </a:spcAft>
-              <a:buSzPts val="1800"/>
-              <a:buAutoNum type="arabicPeriod"/>
-            </a:pPr>
-            <a:r>
-              <a:rPr lang="en"/>
-              <a:t>Visually delightful ≠ accessible</a:t>
-            </a:r>
-            <a:endParaRPr/>
-          </a:p>
-          <a:p>
-            <a:pPr indent="-342900" lvl="0" marL="457200" rtl="0" algn="l">
-              <a:spcBef>
-                <a:spcPts val="0"/>
-              </a:spcBef>
-              <a:spcAft>
-                <a:spcPts val="0"/>
-              </a:spcAft>
-              <a:buSzPts val="1800"/>
-              <a:buAutoNum type="arabicPeriod"/>
-            </a:pPr>
-            <a:r>
-              <a:rPr lang="en"/>
-              <a:t>Accessible ≠ delightful experience</a:t>
-            </a:r>
-            <a:endParaRPr/>
-          </a:p>
-          <a:p>
-            <a:pPr indent="-342900" lvl="0" marL="457200" rtl="0" algn="l">
-              <a:spcBef>
-                <a:spcPts val="0"/>
-              </a:spcBef>
-              <a:spcAft>
-                <a:spcPts val="0"/>
-              </a:spcAft>
-              <a:buSzPts val="1800"/>
-              <a:buAutoNum type="arabicPeriod"/>
-            </a:pPr>
-            <a:r>
-              <a:rPr lang="en"/>
-              <a:t>Building to spec ≠ delightful experience</a:t>
-            </a:r>
-            <a:endParaRPr/>
-          </a:p>
-        </p:txBody>
-      </p:sp>
-    </p:spTree>
-  </p:cSld>
-  <p:clrMapOvr>
-    <a:masterClrMapping/>
-  </p:clrMapOvr>
-</p:sld>
-</file>
-
-<file path=ppt/slides/slide23.xml><?xml version="1.0" encoding="utf-8"?>
-<p:sld xmlns:a="http://schemas.openxmlformats.org/drawingml/2006/main" xmlns:r="http://schemas.openxmlformats.org/officeDocument/2006/relationships" xmlns:mc="http://schemas.openxmlformats.org/markup-compatibility/2006" xmlns:mv="urn:schemas-microsoft-com:mac:vml" xmlns:p="http://schemas.openxmlformats.org/presentationml/2006/main" xmlns:c="http://schemas.openxmlformats.org/drawingml/2006/chart" xmlns:dgm="http://schemas.openxmlformats.org/drawingml/2006/diagram" xmlns:o="urn:schemas-microsoft-com:office:office" xmlns:v="urn:schemas-microsoft-com:vml" xmlns:pvml="urn:schemas-microsoft-com:office:powerpoint" xmlns:com="http://schemas.openxmlformats.org/drawingml/2006/compatibility" xmlns:p14="http://schemas.microsoft.com/office/powerpoint/2010/main" xmlns:p15="http://schemas.microsoft.com/office/powerpoint/2012/main" xmlns:ahyp="http://schemas.microsoft.com/office/drawing/2018/hyperlinkcolor">
-  <p:cSld>
-    <p:spTree>
-      <p:nvGrpSpPr>
-        <p:cNvPr id="186" name="Shape 186"/>
-        <p:cNvGrpSpPr/>
-        <p:nvPr/>
-      </p:nvGrpSpPr>
-      <p:grpSpPr>
-        <a:xfrm>
-          <a:off x="0" y="0"/>
-          <a:ext cx="0" cy="0"/>
-          <a:chOff x="0" y="0"/>
-          <a:chExt cx="0" cy="0"/>
-        </a:xfrm>
-      </p:grpSpPr>
-      <p:sp>
-        <p:nvSpPr>
-          <p:cNvPr id="187" name="Google Shape;187;p36"/>
-          <p:cNvSpPr txBox="1"/>
-          <p:nvPr>
-            <p:ph type="title"/>
-          </p:nvPr>
-        </p:nvSpPr>
-        <p:spPr>
-          <a:xfrm>
-            <a:off x="311700" y="445025"/>
-            <a:ext cx="8520600" cy="572700"/>
-          </a:xfrm>
-          <a:prstGeom prst="rect">
-            <a:avLst/>
-          </a:prstGeom>
-        </p:spPr>
-        <p:txBody>
-          <a:bodyPr anchorCtr="0" anchor="t" bIns="91425" lIns="91425" spcFirstLastPara="1" rIns="91425" wrap="square" tIns="91425">
-            <a:normAutofit fontScale="90000"/>
-          </a:bodyPr>
-          <a:lstStyle/>
-          <a:p>
-            <a:pPr indent="0" lvl="0" marL="0" rtl="0" algn="l">
-              <a:spcBef>
-                <a:spcPts val="0"/>
-              </a:spcBef>
-              <a:spcAft>
-                <a:spcPts val="0"/>
-              </a:spcAft>
-              <a:buNone/>
-            </a:pPr>
-            <a:r>
-              <a:rPr lang="en"/>
-              <a:t>Lessons Learned</a:t>
-            </a:r>
-            <a:endParaRPr/>
-          </a:p>
-        </p:txBody>
-      </p:sp>
-      <p:sp>
-        <p:nvSpPr>
-          <p:cNvPr id="188" name="Google Shape;188;p36"/>
-          <p:cNvSpPr txBox="1"/>
-          <p:nvPr>
-            <p:ph idx="1" type="body"/>
-          </p:nvPr>
-        </p:nvSpPr>
-        <p:spPr>
-          <a:xfrm>
-            <a:off x="311700" y="1152475"/>
-            <a:ext cx="8520600" cy="3416400"/>
-          </a:xfrm>
-          <a:prstGeom prst="rect">
-            <a:avLst/>
-          </a:prstGeom>
-        </p:spPr>
-        <p:txBody>
-          <a:bodyPr anchorCtr="0" anchor="t" bIns="91425" lIns="91425" spcFirstLastPara="1" rIns="91425" wrap="square" tIns="91425">
-            <a:normAutofit/>
-          </a:bodyPr>
-          <a:lstStyle/>
-          <a:p>
-            <a:pPr indent="-342900" lvl="0" marL="457200" rtl="0" algn="l">
-              <a:spcBef>
-                <a:spcPts val="0"/>
-              </a:spcBef>
-              <a:spcAft>
-                <a:spcPts val="0"/>
-              </a:spcAft>
-              <a:buSzPts val="1800"/>
-              <a:buAutoNum type="arabicPeriod"/>
-            </a:pPr>
-            <a:r>
-              <a:rPr lang="en"/>
-              <a:t>Visually delightful ≠ accessible</a:t>
-            </a:r>
-            <a:endParaRPr/>
-          </a:p>
-          <a:p>
-            <a:pPr indent="-342900" lvl="0" marL="457200" rtl="0" algn="l">
-              <a:spcBef>
-                <a:spcPts val="0"/>
-              </a:spcBef>
-              <a:spcAft>
-                <a:spcPts val="0"/>
-              </a:spcAft>
-              <a:buSzPts val="1800"/>
-              <a:buAutoNum type="arabicPeriod"/>
-            </a:pPr>
-            <a:r>
-              <a:rPr lang="en"/>
-              <a:t>Accessible ≠ delightful experience</a:t>
-            </a:r>
-            <a:endParaRPr/>
-          </a:p>
-          <a:p>
-            <a:pPr indent="-342900" lvl="0" marL="457200" rtl="0" algn="l">
-              <a:spcBef>
-                <a:spcPts val="0"/>
-              </a:spcBef>
-              <a:spcAft>
-                <a:spcPts val="0"/>
-              </a:spcAft>
-              <a:buSzPts val="1800"/>
-              <a:buAutoNum type="arabicPeriod"/>
-            </a:pPr>
-            <a:r>
-              <a:rPr lang="en"/>
-              <a:t>Building to spec ≠ delightful experience</a:t>
-            </a:r>
-            <a:endParaRPr/>
-          </a:p>
-        </p:txBody>
-      </p:sp>
-      <p:pic>
-        <p:nvPicPr>
-          <p:cNvPr id="189" name="Google Shape;189;p36"/>
-          <p:cNvPicPr preferRelativeResize="0"/>
-          <p:nvPr/>
-        </p:nvPicPr>
-        <p:blipFill>
-          <a:blip r:embed="rId3">
-            <a:alphaModFix/>
-          </a:blip>
-          <a:stretch>
-            <a:fillRect/>
-          </a:stretch>
-        </p:blipFill>
-        <p:spPr>
-          <a:xfrm>
-            <a:off x="4966350" y="152400"/>
-            <a:ext cx="1472337" cy="4838700"/>
-          </a:xfrm>
-          <a:prstGeom prst="rect">
-            <a:avLst/>
-          </a:prstGeom>
-          <a:noFill/>
-          <a:ln>
-            <a:noFill/>
-          </a:ln>
-          <a:effectLst>
-            <a:outerShdw blurRad="57150" rotWithShape="0" algn="bl" dir="5400000" dist="19050">
-              <a:srgbClr val="000000">
-                <a:alpha val="50000"/>
-              </a:srgbClr>
-            </a:outerShdw>
-          </a:effectLst>
-        </p:spPr>
-      </p:pic>
-      <p:pic>
-        <p:nvPicPr>
-          <p:cNvPr id="190" name="Google Shape;190;p36"/>
-          <p:cNvPicPr preferRelativeResize="0"/>
-          <p:nvPr/>
-        </p:nvPicPr>
-        <p:blipFill>
-          <a:blip r:embed="rId4">
-            <a:alphaModFix/>
-          </a:blip>
-          <a:stretch>
-            <a:fillRect/>
-          </a:stretch>
-        </p:blipFill>
-        <p:spPr>
-          <a:xfrm>
-            <a:off x="6612975" y="1219200"/>
-            <a:ext cx="2371725" cy="2705100"/>
-          </a:xfrm>
-          <a:prstGeom prst="rect">
-            <a:avLst/>
-          </a:prstGeom>
-          <a:noFill/>
-          <a:ln>
-            <a:noFill/>
-          </a:ln>
-          <a:effectLst>
-            <a:outerShdw blurRad="57150" rotWithShape="0" algn="bl" dir="5400000" dist="19050">
-              <a:srgbClr val="000000">
-                <a:alpha val="50000"/>
-              </a:srgbClr>
-            </a:outerShdw>
-          </a:effectLst>
-        </p:spPr>
-      </p:pic>
-    </p:spTree>
-  </p:cSld>
-  <p:clrMapOvr>
-    <a:masterClrMapping/>
-  </p:clrMapOvr>
-</p:sld>
-</file>
-
-<file path=ppt/slides/slide24.xml><?xml version="1.0" encoding="utf-8"?>
-<p:sld xmlns:a="http://schemas.openxmlformats.org/drawingml/2006/main" xmlns:r="http://schemas.openxmlformats.org/officeDocument/2006/relationships" xmlns:mc="http://schemas.openxmlformats.org/markup-compatibility/2006" xmlns:mv="urn:schemas-microsoft-com:mac:vml" xmlns:p="http://schemas.openxmlformats.org/presentationml/2006/main" xmlns:c="http://schemas.openxmlformats.org/drawingml/2006/chart" xmlns:dgm="http://schemas.openxmlformats.org/drawingml/2006/diagram" xmlns:o="urn:schemas-microsoft-com:office:office" xmlns:v="urn:schemas-microsoft-com:vml" xmlns:pvml="urn:schemas-microsoft-com:office:powerpoint" xmlns:com="http://schemas.openxmlformats.org/drawingml/2006/compatibility" xmlns:p14="http://schemas.microsoft.com/office/powerpoint/2010/main" xmlns:p15="http://schemas.microsoft.com/office/powerpoint/2012/main" xmlns:ahyp="http://schemas.microsoft.com/office/drawing/2018/hyperlinkcolor">
-  <p:cSld>
-    <p:spTree>
-      <p:nvGrpSpPr>
-        <p:cNvPr id="194" name="Shape 194"/>
-        <p:cNvGrpSpPr/>
-        <p:nvPr/>
-      </p:nvGrpSpPr>
-      <p:grpSpPr>
-        <a:xfrm>
-          <a:off x="0" y="0"/>
-          <a:ext cx="0" cy="0"/>
-          <a:chOff x="0" y="0"/>
-          <a:chExt cx="0" cy="0"/>
-        </a:xfrm>
-      </p:grpSpPr>
-      <p:sp>
-        <p:nvSpPr>
-          <p:cNvPr id="195" name="Google Shape;195;p37"/>
-          <p:cNvSpPr txBox="1"/>
-          <p:nvPr>
-            <p:ph type="title"/>
-          </p:nvPr>
-        </p:nvSpPr>
-        <p:spPr>
-          <a:xfrm>
-            <a:off x="311700" y="445025"/>
-            <a:ext cx="8520600" cy="572700"/>
-          </a:xfrm>
-          <a:prstGeom prst="rect">
-            <a:avLst/>
-          </a:prstGeom>
-        </p:spPr>
-        <p:txBody>
-          <a:bodyPr anchorCtr="0" anchor="t" bIns="91425" lIns="91425" spcFirstLastPara="1" rIns="91425" wrap="square" tIns="91425">
-            <a:normAutofit fontScale="90000"/>
-          </a:bodyPr>
-          <a:lstStyle/>
-          <a:p>
-            <a:pPr indent="0" lvl="0" marL="0" rtl="0" algn="l">
-              <a:spcBef>
-                <a:spcPts val="0"/>
-              </a:spcBef>
-              <a:spcAft>
-                <a:spcPts val="0"/>
-              </a:spcAft>
-              <a:buNone/>
-            </a:pPr>
-            <a:r>
-              <a:rPr lang="en"/>
-              <a:t>Forward-Thinking</a:t>
-            </a:r>
-            <a:endParaRPr/>
-          </a:p>
-        </p:txBody>
-      </p:sp>
-    </p:spTree>
-  </p:cSld>
-  <p:clrMapOvr>
-    <a:masterClrMapping/>
-  </p:clrMapOvr>
-</p:sld>
-</file>
-
-<file path=ppt/slides/slide25.xml><?xml version="1.0" encoding="utf-8"?>
-<p:sld xmlns:a="http://schemas.openxmlformats.org/drawingml/2006/main" xmlns:r="http://schemas.openxmlformats.org/officeDocument/2006/relationships" xmlns:mc="http://schemas.openxmlformats.org/markup-compatibility/2006" xmlns:mv="urn:schemas-microsoft-com:mac:vml" xmlns:p="http://schemas.openxmlformats.org/presentationml/2006/main" xmlns:c="http://schemas.openxmlformats.org/drawingml/2006/chart" xmlns:dgm="http://schemas.openxmlformats.org/drawingml/2006/diagram" xmlns:o="urn:schemas-microsoft-com:office:office" xmlns:v="urn:schemas-microsoft-com:vml" xmlns:pvml="urn:schemas-microsoft-com:office:powerpoint" xmlns:com="http://schemas.openxmlformats.org/drawingml/2006/compatibility" xmlns:p14="http://schemas.microsoft.com/office/powerpoint/2010/main" xmlns:p15="http://schemas.microsoft.com/office/powerpoint/2012/main" xmlns:ahyp="http://schemas.microsoft.com/office/drawing/2018/hyperlinkcolor">
-  <p:cSld>
-    <p:spTree>
-      <p:nvGrpSpPr>
-        <p:cNvPr id="199" name="Shape 199"/>
-        <p:cNvGrpSpPr/>
-        <p:nvPr/>
-      </p:nvGrpSpPr>
-      <p:grpSpPr>
-        <a:xfrm>
-          <a:off x="0" y="0"/>
-          <a:ext cx="0" cy="0"/>
-          <a:chOff x="0" y="0"/>
-          <a:chExt cx="0" cy="0"/>
-        </a:xfrm>
-      </p:grpSpPr>
-      <p:pic>
-        <p:nvPicPr>
-          <p:cNvPr id="200" name="Google Shape;200;p38"/>
-          <p:cNvPicPr preferRelativeResize="0"/>
-          <p:nvPr/>
-        </p:nvPicPr>
-        <p:blipFill rotWithShape="1">
-          <a:blip r:embed="rId3">
-            <a:alphaModFix/>
-          </a:blip>
-          <a:srcRect b="10402" l="0" r="0" t="0"/>
-          <a:stretch/>
-        </p:blipFill>
-        <p:spPr>
-          <a:xfrm>
-            <a:off x="4248150" y="495300"/>
-            <a:ext cx="4762500" cy="4267000"/>
-          </a:xfrm>
-          <a:prstGeom prst="rect">
-            <a:avLst/>
-          </a:prstGeom>
-          <a:noFill/>
-          <a:ln>
-            <a:noFill/>
-          </a:ln>
-          <a:effectLst>
-            <a:outerShdw blurRad="57150" rotWithShape="0" algn="bl" dir="5400000" dist="19050">
-              <a:srgbClr val="000000">
-                <a:alpha val="50000"/>
-              </a:srgbClr>
-            </a:outerShdw>
-          </a:effectLst>
-        </p:spPr>
-      </p:pic>
-      <p:sp>
-        <p:nvSpPr>
-          <p:cNvPr id="201" name="Google Shape;201;p38"/>
-          <p:cNvSpPr txBox="1"/>
-          <p:nvPr>
-            <p:ph type="title"/>
-          </p:nvPr>
-        </p:nvSpPr>
-        <p:spPr>
-          <a:xfrm>
-            <a:off x="311700" y="445025"/>
-            <a:ext cx="8520600" cy="572700"/>
-          </a:xfrm>
-          <a:prstGeom prst="rect">
-            <a:avLst/>
-          </a:prstGeom>
-        </p:spPr>
-        <p:txBody>
-          <a:bodyPr anchorCtr="0" anchor="t" bIns="91425" lIns="91425" spcFirstLastPara="1" rIns="91425" wrap="square" tIns="91425">
-            <a:normAutofit fontScale="90000"/>
-          </a:bodyPr>
-          <a:lstStyle/>
-          <a:p>
-            <a:pPr indent="0" lvl="0" marL="0" rtl="0" algn="l">
-              <a:spcBef>
-                <a:spcPts val="0"/>
-              </a:spcBef>
-              <a:spcAft>
-                <a:spcPts val="0"/>
-              </a:spcAft>
-              <a:buNone/>
-            </a:pPr>
-            <a:r>
-              <a:rPr lang="en"/>
-              <a:t>Forward-Thinking</a:t>
-            </a:r>
-            <a:endParaRPr/>
-          </a:p>
-        </p:txBody>
-      </p:sp>
-      <p:sp>
-        <p:nvSpPr>
-          <p:cNvPr id="202" name="Google Shape;202;p38"/>
-          <p:cNvSpPr txBox="1"/>
-          <p:nvPr>
-            <p:ph idx="1" type="body"/>
-          </p:nvPr>
-        </p:nvSpPr>
-        <p:spPr>
-          <a:xfrm>
-            <a:off x="3893650" y="2212725"/>
-            <a:ext cx="1577700" cy="1031400"/>
-          </a:xfrm>
-          <a:prstGeom prst="rect">
-            <a:avLst/>
-          </a:prstGeom>
-        </p:spPr>
-        <p:txBody>
-          <a:bodyPr anchorCtr="0" anchor="t" bIns="91425" lIns="91425" spcFirstLastPara="1" rIns="91425" wrap="square" tIns="91425">
-            <a:noAutofit/>
-          </a:bodyPr>
-          <a:lstStyle/>
-          <a:p>
-            <a:pPr indent="0" lvl="0" marL="457200" rtl="0" algn="l">
-              <a:spcBef>
-                <a:spcPts val="0"/>
-              </a:spcBef>
-              <a:spcAft>
-                <a:spcPts val="1200"/>
-              </a:spcAft>
-              <a:buNone/>
-            </a:pPr>
-            <a:r>
-              <a:rPr lang="en" sz="4400"/>
-              <a:t>UX</a:t>
-            </a:r>
-            <a:endParaRPr sz="4400"/>
-          </a:p>
-        </p:txBody>
-      </p:sp>
-      <p:sp>
-        <p:nvSpPr>
-          <p:cNvPr id="203" name="Google Shape;203;p38"/>
-          <p:cNvSpPr txBox="1"/>
-          <p:nvPr>
-            <p:ph idx="1" type="body"/>
-          </p:nvPr>
-        </p:nvSpPr>
-        <p:spPr>
-          <a:xfrm>
-            <a:off x="7352850" y="2212725"/>
-            <a:ext cx="1657800" cy="1031400"/>
-          </a:xfrm>
-          <a:prstGeom prst="rect">
-            <a:avLst/>
-          </a:prstGeom>
-        </p:spPr>
-        <p:txBody>
-          <a:bodyPr anchorCtr="0" anchor="t" bIns="91425" lIns="91425" spcFirstLastPara="1" rIns="91425" wrap="square" tIns="91425">
-            <a:noAutofit/>
-          </a:bodyPr>
-          <a:lstStyle/>
-          <a:p>
-            <a:pPr indent="0" lvl="0" marL="457200" rtl="0" algn="l">
-              <a:spcBef>
-                <a:spcPts val="0"/>
-              </a:spcBef>
-              <a:spcAft>
-                <a:spcPts val="1200"/>
-              </a:spcAft>
-              <a:buNone/>
-            </a:pPr>
-            <a:r>
-              <a:rPr lang="en" sz="4400"/>
-              <a:t>Dev</a:t>
-            </a:r>
-            <a:endParaRPr sz="4400"/>
-          </a:p>
-        </p:txBody>
-      </p:sp>
-    </p:spTree>
-  </p:cSld>
-  <p:clrMapOvr>
-    <a:masterClrMapping/>
-  </p:clrMapOvr>
-</p:sld>
-</file>
-
-<file path=ppt/slides/slide26.xml><?xml version="1.0" encoding="utf-8"?>
-<p:sld xmlns:a="http://schemas.openxmlformats.org/drawingml/2006/main" xmlns:r="http://schemas.openxmlformats.org/officeDocument/2006/relationships" xmlns:mc="http://schemas.openxmlformats.org/markup-compatibility/2006" xmlns:mv="urn:schemas-microsoft-com:mac:vml" xmlns:p="http://schemas.openxmlformats.org/presentationml/2006/main" xmlns:c="http://schemas.openxmlformats.org/drawingml/2006/chart" xmlns:dgm="http://schemas.openxmlformats.org/drawingml/2006/diagram" xmlns:o="urn:schemas-microsoft-com:office:office" xmlns:v="urn:schemas-microsoft-com:vml" xmlns:pvml="urn:schemas-microsoft-com:office:powerpoint" xmlns:com="http://schemas.openxmlformats.org/drawingml/2006/compatibility" xmlns:p14="http://schemas.microsoft.com/office/powerpoint/2010/main" xmlns:p15="http://schemas.microsoft.com/office/powerpoint/2012/main" xmlns:ahyp="http://schemas.microsoft.com/office/drawing/2018/hyperlinkcolor">
-  <p:cSld>
-    <p:spTree>
-      <p:nvGrpSpPr>
-        <p:cNvPr id="207" name="Shape 207"/>
-        <p:cNvGrpSpPr/>
-        <p:nvPr/>
-      </p:nvGrpSpPr>
-      <p:grpSpPr>
-        <a:xfrm>
-          <a:off x="0" y="0"/>
-          <a:ext cx="0" cy="0"/>
-          <a:chOff x="0" y="0"/>
-          <a:chExt cx="0" cy="0"/>
-        </a:xfrm>
-      </p:grpSpPr>
-      <p:pic>
-        <p:nvPicPr>
-          <p:cNvPr id="208" name="Google Shape;208;p39"/>
-          <p:cNvPicPr preferRelativeResize="0"/>
-          <p:nvPr/>
-        </p:nvPicPr>
-        <p:blipFill rotWithShape="1">
-          <a:blip r:embed="rId3">
-            <a:alphaModFix/>
-          </a:blip>
-          <a:srcRect b="10402" l="0" r="0" t="0"/>
-          <a:stretch/>
-        </p:blipFill>
-        <p:spPr>
-          <a:xfrm>
-            <a:off x="4248150" y="495300"/>
-            <a:ext cx="4762500" cy="4267000"/>
-          </a:xfrm>
-          <a:prstGeom prst="rect">
-            <a:avLst/>
-          </a:prstGeom>
-          <a:noFill/>
-          <a:ln>
-            <a:noFill/>
-          </a:ln>
-          <a:effectLst>
-            <a:outerShdw blurRad="57150" rotWithShape="0" algn="bl" dir="5400000" dist="19050">
-              <a:srgbClr val="000000">
-                <a:alpha val="50000"/>
-              </a:srgbClr>
-            </a:outerShdw>
-          </a:effectLst>
-        </p:spPr>
-      </p:pic>
-      <p:sp>
-        <p:nvSpPr>
-          <p:cNvPr id="209" name="Google Shape;209;p39"/>
-          <p:cNvSpPr txBox="1"/>
-          <p:nvPr>
-            <p:ph type="title"/>
-          </p:nvPr>
-        </p:nvSpPr>
-        <p:spPr>
-          <a:xfrm>
-            <a:off x="311700" y="445025"/>
-            <a:ext cx="8520600" cy="572700"/>
-          </a:xfrm>
-          <a:prstGeom prst="rect">
-            <a:avLst/>
-          </a:prstGeom>
-        </p:spPr>
-        <p:txBody>
-          <a:bodyPr anchorCtr="0" anchor="t" bIns="91425" lIns="91425" spcFirstLastPara="1" rIns="91425" wrap="square" tIns="91425">
-            <a:normAutofit fontScale="90000"/>
-          </a:bodyPr>
-          <a:lstStyle/>
-          <a:p>
-            <a:pPr indent="0" lvl="0" marL="0" rtl="0" algn="l">
-              <a:spcBef>
-                <a:spcPts val="0"/>
-              </a:spcBef>
-              <a:spcAft>
-                <a:spcPts val="0"/>
-              </a:spcAft>
-              <a:buNone/>
-            </a:pPr>
-            <a:r>
-              <a:rPr lang="en"/>
-              <a:t>Forward-Thinking</a:t>
-            </a:r>
-            <a:endParaRPr/>
-          </a:p>
-        </p:txBody>
-      </p:sp>
-      <p:sp>
-        <p:nvSpPr>
-          <p:cNvPr id="210" name="Google Shape;210;p39"/>
-          <p:cNvSpPr txBox="1"/>
-          <p:nvPr>
-            <p:ph idx="1" type="body"/>
-          </p:nvPr>
-        </p:nvSpPr>
-        <p:spPr>
-          <a:xfrm>
-            <a:off x="3893650" y="2212725"/>
-            <a:ext cx="1577700" cy="1031400"/>
-          </a:xfrm>
-          <a:prstGeom prst="rect">
-            <a:avLst/>
-          </a:prstGeom>
-        </p:spPr>
-        <p:txBody>
-          <a:bodyPr anchorCtr="0" anchor="t" bIns="91425" lIns="91425" spcFirstLastPara="1" rIns="91425" wrap="square" tIns="91425">
-            <a:noAutofit/>
-          </a:bodyPr>
-          <a:lstStyle/>
-          <a:p>
-            <a:pPr indent="0" lvl="0" marL="457200" rtl="0" algn="l">
-              <a:spcBef>
-                <a:spcPts val="0"/>
-              </a:spcBef>
-              <a:spcAft>
-                <a:spcPts val="1200"/>
-              </a:spcAft>
-              <a:buNone/>
-            </a:pPr>
-            <a:r>
-              <a:rPr lang="en" sz="4400"/>
-              <a:t>UX</a:t>
-            </a:r>
-            <a:endParaRPr sz="4400"/>
-          </a:p>
-        </p:txBody>
-      </p:sp>
-      <p:sp>
-        <p:nvSpPr>
-          <p:cNvPr id="211" name="Google Shape;211;p39"/>
-          <p:cNvSpPr txBox="1"/>
-          <p:nvPr>
-            <p:ph idx="1" type="body"/>
-          </p:nvPr>
-        </p:nvSpPr>
-        <p:spPr>
-          <a:xfrm>
-            <a:off x="7352850" y="2212725"/>
-            <a:ext cx="1657800" cy="1031400"/>
-          </a:xfrm>
-          <a:prstGeom prst="rect">
-            <a:avLst/>
-          </a:prstGeom>
-        </p:spPr>
-        <p:txBody>
-          <a:bodyPr anchorCtr="0" anchor="t" bIns="91425" lIns="91425" spcFirstLastPara="1" rIns="91425" wrap="square" tIns="91425">
-            <a:noAutofit/>
-          </a:bodyPr>
-          <a:lstStyle/>
-          <a:p>
-            <a:pPr indent="0" lvl="0" marL="457200" rtl="0" algn="l">
-              <a:spcBef>
-                <a:spcPts val="0"/>
-              </a:spcBef>
-              <a:spcAft>
-                <a:spcPts val="1200"/>
-              </a:spcAft>
-              <a:buNone/>
-            </a:pPr>
-            <a:r>
-              <a:rPr lang="en" sz="4400"/>
-              <a:t>Dev</a:t>
-            </a:r>
-            <a:endParaRPr sz="4400"/>
-          </a:p>
-        </p:txBody>
-      </p:sp>
-      <p:sp>
-        <p:nvSpPr>
-          <p:cNvPr id="212" name="Google Shape;212;p39"/>
-          <p:cNvSpPr/>
-          <p:nvPr/>
-        </p:nvSpPr>
-        <p:spPr>
-          <a:xfrm>
-            <a:off x="5935275" y="1548800"/>
-            <a:ext cx="1521288" cy="1357668"/>
-          </a:xfrm>
-          <a:prstGeom prst="cloud">
-            <a:avLst/>
-          </a:prstGeom>
-          <a:solidFill>
-            <a:schemeClr val="lt2"/>
-          </a:solidFill>
-          <a:ln cap="flat" cmpd="sng" w="9525">
-            <a:solidFill>
-              <a:schemeClr val="dk2"/>
-            </a:solidFill>
-            <a:prstDash val="solid"/>
-            <a:round/>
-            <a:headEnd len="sm" w="sm" type="none"/>
-            <a:tailEnd len="sm" w="sm" type="none"/>
-          </a:ln>
-        </p:spPr>
-        <p:txBody>
-          <a:bodyPr anchorCtr="0" anchor="ctr" bIns="91425" lIns="91425" spcFirstLastPara="1" rIns="91425" wrap="square" tIns="91425">
-            <a:noAutofit/>
-          </a:bodyPr>
-          <a:lstStyle/>
-          <a:p>
-            <a:pPr indent="0" lvl="0" marL="0" rtl="0" algn="ctr">
-              <a:spcBef>
-                <a:spcPts val="0"/>
-              </a:spcBef>
-              <a:spcAft>
-                <a:spcPts val="0"/>
-              </a:spcAft>
-              <a:buNone/>
-            </a:pPr>
-            <a:r>
-              <a:rPr lang="en" sz="5500">
-                <a:solidFill>
-                  <a:srgbClr val="FF0000"/>
-                </a:solidFill>
-              </a:rPr>
-              <a:t>X</a:t>
-            </a:r>
-            <a:endParaRPr sz="5500">
-              <a:solidFill>
-                <a:srgbClr val="FF0000"/>
-              </a:solidFill>
-            </a:endParaRPr>
-          </a:p>
-        </p:txBody>
-      </p:sp>
-    </p:spTree>
-  </p:cSld>
-  <p:clrMapOvr>
-    <a:masterClrMapping/>
-  </p:clrMapOvr>
-</p:sld>
-</file>
-
-<file path=ppt/slides/slide27.xml><?xml version="1.0" encoding="utf-8"?>
-<p:sld xmlns:a="http://schemas.openxmlformats.org/drawingml/2006/main" xmlns:r="http://schemas.openxmlformats.org/officeDocument/2006/relationships" xmlns:mc="http://schemas.openxmlformats.org/markup-compatibility/2006" xmlns:mv="urn:schemas-microsoft-com:mac:vml" xmlns:p="http://schemas.openxmlformats.org/presentationml/2006/main" xmlns:c="http://schemas.openxmlformats.org/drawingml/2006/chart" xmlns:dgm="http://schemas.openxmlformats.org/drawingml/2006/diagram" xmlns:o="urn:schemas-microsoft-com:office:office" xmlns:v="urn:schemas-microsoft-com:vml" xmlns:pvml="urn:schemas-microsoft-com:office:powerpoint" xmlns:com="http://schemas.openxmlformats.org/drawingml/2006/compatibility" xmlns:p14="http://schemas.microsoft.com/office/powerpoint/2010/main" xmlns:p15="http://schemas.microsoft.com/office/powerpoint/2012/main" xmlns:ahyp="http://schemas.microsoft.com/office/drawing/2018/hyperlinkcolor">
-  <p:cSld>
-    <p:spTree>
-      <p:nvGrpSpPr>
-        <p:cNvPr id="216" name="Shape 216"/>
-        <p:cNvGrpSpPr/>
-        <p:nvPr/>
-      </p:nvGrpSpPr>
-      <p:grpSpPr>
-        <a:xfrm>
-          <a:off x="0" y="0"/>
-          <a:ext cx="0" cy="0"/>
-          <a:chOff x="0" y="0"/>
-          <a:chExt cx="0" cy="0"/>
-        </a:xfrm>
-      </p:grpSpPr>
-      <p:pic>
-        <p:nvPicPr>
-          <p:cNvPr id="217" name="Google Shape;217;p40"/>
-          <p:cNvPicPr preferRelativeResize="0"/>
-          <p:nvPr/>
-        </p:nvPicPr>
-        <p:blipFill rotWithShape="1">
-          <a:blip r:embed="rId3">
-            <a:alphaModFix/>
-          </a:blip>
-          <a:srcRect b="10402" l="0" r="0" t="0"/>
-          <a:stretch/>
-        </p:blipFill>
-        <p:spPr>
-          <a:xfrm>
-            <a:off x="4248150" y="495300"/>
-            <a:ext cx="4762500" cy="4267000"/>
-          </a:xfrm>
-          <a:prstGeom prst="rect">
-            <a:avLst/>
-          </a:prstGeom>
-          <a:noFill/>
-          <a:ln>
-            <a:noFill/>
-          </a:ln>
-          <a:effectLst>
-            <a:outerShdw blurRad="57150" rotWithShape="0" algn="bl" dir="5400000" dist="19050">
-              <a:srgbClr val="000000">
-                <a:alpha val="50000"/>
-              </a:srgbClr>
-            </a:outerShdw>
-          </a:effectLst>
-        </p:spPr>
-      </p:pic>
-      <p:sp>
-        <p:nvSpPr>
-          <p:cNvPr id="218" name="Google Shape;218;p40"/>
-          <p:cNvSpPr txBox="1"/>
-          <p:nvPr>
-            <p:ph type="title"/>
-          </p:nvPr>
-        </p:nvSpPr>
-        <p:spPr>
-          <a:xfrm>
-            <a:off x="311700" y="445025"/>
-            <a:ext cx="8520600" cy="572700"/>
-          </a:xfrm>
-          <a:prstGeom prst="rect">
-            <a:avLst/>
-          </a:prstGeom>
-        </p:spPr>
-        <p:txBody>
-          <a:bodyPr anchorCtr="0" anchor="t" bIns="91425" lIns="91425" spcFirstLastPara="1" rIns="91425" wrap="square" tIns="91425">
-            <a:normAutofit fontScale="90000"/>
-          </a:bodyPr>
-          <a:lstStyle/>
-          <a:p>
-            <a:pPr indent="0" lvl="0" marL="0" rtl="0" algn="l">
-              <a:spcBef>
-                <a:spcPts val="0"/>
-              </a:spcBef>
-              <a:spcAft>
-                <a:spcPts val="0"/>
-              </a:spcAft>
-              <a:buNone/>
-            </a:pPr>
-            <a:r>
-              <a:rPr lang="en"/>
-              <a:t>Forward-Thinking</a:t>
-            </a:r>
-            <a:endParaRPr/>
-          </a:p>
-        </p:txBody>
-      </p:sp>
-      <p:sp>
-        <p:nvSpPr>
-          <p:cNvPr id="219" name="Google Shape;219;p40"/>
-          <p:cNvSpPr txBox="1"/>
-          <p:nvPr>
-            <p:ph idx="1" type="body"/>
-          </p:nvPr>
-        </p:nvSpPr>
-        <p:spPr>
-          <a:xfrm>
-            <a:off x="3893650" y="2212725"/>
-            <a:ext cx="1577700" cy="1031400"/>
-          </a:xfrm>
-          <a:prstGeom prst="rect">
-            <a:avLst/>
-          </a:prstGeom>
-        </p:spPr>
-        <p:txBody>
-          <a:bodyPr anchorCtr="0" anchor="t" bIns="91425" lIns="91425" spcFirstLastPara="1" rIns="91425" wrap="square" tIns="91425">
-            <a:noAutofit/>
-          </a:bodyPr>
-          <a:lstStyle/>
-          <a:p>
-            <a:pPr indent="0" lvl="0" marL="457200" rtl="0" algn="l">
-              <a:spcBef>
-                <a:spcPts val="0"/>
-              </a:spcBef>
-              <a:spcAft>
-                <a:spcPts val="1200"/>
-              </a:spcAft>
-              <a:buNone/>
-            </a:pPr>
-            <a:r>
-              <a:rPr lang="en" sz="4400"/>
-              <a:t>UX</a:t>
-            </a:r>
-            <a:endParaRPr sz="4400"/>
-          </a:p>
-        </p:txBody>
-      </p:sp>
-      <p:sp>
-        <p:nvSpPr>
-          <p:cNvPr id="220" name="Google Shape;220;p40"/>
-          <p:cNvSpPr txBox="1"/>
-          <p:nvPr>
-            <p:ph idx="1" type="body"/>
-          </p:nvPr>
-        </p:nvSpPr>
-        <p:spPr>
-          <a:xfrm>
-            <a:off x="7352850" y="2212725"/>
-            <a:ext cx="1657800" cy="1031400"/>
-          </a:xfrm>
-          <a:prstGeom prst="rect">
-            <a:avLst/>
-          </a:prstGeom>
-        </p:spPr>
-        <p:txBody>
-          <a:bodyPr anchorCtr="0" anchor="t" bIns="91425" lIns="91425" spcFirstLastPara="1" rIns="91425" wrap="square" tIns="91425">
-            <a:noAutofit/>
-          </a:bodyPr>
-          <a:lstStyle/>
-          <a:p>
-            <a:pPr indent="0" lvl="0" marL="457200" rtl="0" algn="l">
-              <a:spcBef>
-                <a:spcPts val="0"/>
-              </a:spcBef>
-              <a:spcAft>
-                <a:spcPts val="1200"/>
-              </a:spcAft>
-              <a:buNone/>
-            </a:pPr>
-            <a:r>
-              <a:rPr lang="en" sz="4400"/>
-              <a:t>Dev</a:t>
-            </a:r>
-            <a:endParaRPr sz="4400"/>
-          </a:p>
-        </p:txBody>
-      </p:sp>
-      <p:sp>
-        <p:nvSpPr>
-          <p:cNvPr id="221" name="Google Shape;221;p40"/>
-          <p:cNvSpPr txBox="1"/>
-          <p:nvPr>
-            <p:ph idx="1" type="body"/>
-          </p:nvPr>
-        </p:nvSpPr>
-        <p:spPr>
-          <a:xfrm>
-            <a:off x="311700" y="1152475"/>
-            <a:ext cx="3826800" cy="3416400"/>
-          </a:xfrm>
-          <a:prstGeom prst="rect">
-            <a:avLst/>
-          </a:prstGeom>
-        </p:spPr>
-        <p:txBody>
-          <a:bodyPr anchorCtr="0" anchor="t" bIns="91425" lIns="91425" spcFirstLastPara="1" rIns="91425" wrap="square" tIns="91425">
-            <a:normAutofit/>
-          </a:bodyPr>
-          <a:lstStyle/>
-          <a:p>
-            <a:pPr indent="-342900" lvl="0" marL="457200" rtl="0" algn="l">
-              <a:spcBef>
-                <a:spcPts val="0"/>
-              </a:spcBef>
-              <a:spcAft>
-                <a:spcPts val="0"/>
-              </a:spcAft>
-              <a:buSzPts val="1800"/>
-              <a:buAutoNum type="arabicPeriod"/>
-            </a:pPr>
-            <a:r>
-              <a:rPr lang="en"/>
-              <a:t>UI Architecture between Design and Dev</a:t>
-            </a:r>
-            <a:endParaRPr/>
-          </a:p>
-          <a:p>
-            <a:pPr indent="-342900" lvl="0" marL="457200" rtl="0" algn="l">
-              <a:spcBef>
-                <a:spcPts val="0"/>
-              </a:spcBef>
-              <a:spcAft>
-                <a:spcPts val="0"/>
-              </a:spcAft>
-              <a:buSzPts val="1800"/>
-              <a:buAutoNum type="arabicPeriod"/>
-            </a:pPr>
-            <a:r>
-              <a:rPr lang="en"/>
-              <a:t>Proof-of-Concepts between Design and Dev</a:t>
-            </a:r>
-            <a:endParaRPr/>
-          </a:p>
-          <a:p>
-            <a:pPr indent="-342900" lvl="0" marL="457200" rtl="0" algn="l">
-              <a:spcBef>
-                <a:spcPts val="0"/>
-              </a:spcBef>
-              <a:spcAft>
-                <a:spcPts val="0"/>
-              </a:spcAft>
-              <a:buSzPts val="1800"/>
-              <a:buAutoNum type="arabicPeriod"/>
-            </a:pPr>
-            <a:r>
-              <a:rPr lang="en"/>
-              <a:t>UI Coaching between Design and Dev</a:t>
-            </a:r>
-            <a:endParaRPr/>
-          </a:p>
-        </p:txBody>
-      </p:sp>
-      <p:sp>
-        <p:nvSpPr>
-          <p:cNvPr id="222" name="Google Shape;222;p40"/>
-          <p:cNvSpPr/>
-          <p:nvPr/>
-        </p:nvSpPr>
-        <p:spPr>
-          <a:xfrm>
-            <a:off x="5935275" y="1548800"/>
-            <a:ext cx="1521288" cy="1357668"/>
-          </a:xfrm>
-          <a:prstGeom prst="cloud">
-            <a:avLst/>
-          </a:prstGeom>
-          <a:solidFill>
-            <a:schemeClr val="lt2"/>
-          </a:solidFill>
-          <a:ln cap="flat" cmpd="sng" w="9525">
-            <a:solidFill>
-              <a:schemeClr val="dk2"/>
-            </a:solidFill>
-            <a:prstDash val="solid"/>
-            <a:round/>
-            <a:headEnd len="sm" w="sm" type="none"/>
-            <a:tailEnd len="sm" w="sm" type="none"/>
-          </a:ln>
-        </p:spPr>
-        <p:txBody>
-          <a:bodyPr anchorCtr="0" anchor="ctr" bIns="91425" lIns="91425" spcFirstLastPara="1" rIns="91425" wrap="square" tIns="91425">
-            <a:noAutofit/>
-          </a:bodyPr>
-          <a:lstStyle/>
-          <a:p>
-            <a:pPr indent="0" lvl="0" marL="0" rtl="0" algn="ctr">
-              <a:spcBef>
-                <a:spcPts val="0"/>
-              </a:spcBef>
-              <a:spcAft>
-                <a:spcPts val="0"/>
-              </a:spcAft>
-              <a:buNone/>
-            </a:pPr>
-            <a:r>
-              <a:rPr lang="en" sz="5500">
-                <a:solidFill>
-                  <a:srgbClr val="5BD228"/>
-                </a:solidFill>
-              </a:rPr>
-              <a:t>✔</a:t>
-            </a:r>
-            <a:endParaRPr sz="5500">
-              <a:solidFill>
-                <a:srgbClr val="5BD228"/>
-              </a:solidFill>
-            </a:endParaRPr>
           </a:p>
         </p:txBody>
       </p:sp>
@@ -13013,6 +11349,285 @@
 </file>
 
 <file path=ppt/theme/theme1.xml><?xml version="1.0" encoding="utf-8"?>
+<a:theme xmlns:a="http://schemas.openxmlformats.org/drawingml/2006/main" xmlns:r="http://schemas.openxmlformats.org/officeDocument/2006/relationships">
+  <a:themeElements>
+    <a:clrScheme name="Default">
+      <a:dk1>
+        <a:srgbClr val="000000"/>
+      </a:dk1>
+      <a:lt1>
+        <a:srgbClr val="FFFFFF"/>
+      </a:lt1>
+      <a:dk2>
+        <a:srgbClr val="158158"/>
+      </a:dk2>
+      <a:lt2>
+        <a:srgbClr val="F3F3F3"/>
+      </a:lt2>
+      <a:accent1>
+        <a:srgbClr val="058DC7"/>
+      </a:accent1>
+      <a:accent2>
+        <a:srgbClr val="50B432"/>
+      </a:accent2>
+      <a:accent3>
+        <a:srgbClr val="ED561B"/>
+      </a:accent3>
+      <a:accent4>
+        <a:srgbClr val="EDEF00"/>
+      </a:accent4>
+      <a:accent5>
+        <a:srgbClr val="24CBE5"/>
+      </a:accent5>
+      <a:accent6>
+        <a:srgbClr val="64E572"/>
+      </a:accent6>
+      <a:hlink>
+        <a:srgbClr val="2200CC"/>
+      </a:hlink>
+      <a:folHlink>
+        <a:srgbClr val="551A8B"/>
+      </a:folHlink>
+    </a:clrScheme>
+    <a:fontScheme name="Office">
+      <a:majorFont>
+        <a:latin typeface="Arial"/>
+        <a:ea typeface=""/>
+        <a:cs typeface=""/>
+        <a:font script="Jpan" typeface="ＭＳ Ｐゴシック"/>
+        <a:font script="Hang" typeface="맑은 고딕"/>
+        <a:font script="Hans" typeface="宋体"/>
+        <a:font script="Hant" typeface="新細明體"/>
+        <a:font script="Arab" typeface="Times New Roman"/>
+        <a:font script="Hebr" typeface="Times New Roman"/>
+        <a:font script="Thai" typeface="Angsana New"/>
+        <a:font script="Ethi" typeface="Nyala"/>
+        <a:font script="Beng" typeface="Vrinda"/>
+        <a:font script="Gujr" typeface="Shruti"/>
+        <a:font script="Khmr" typeface="MoolBoran"/>
+        <a:font script="Knda" typeface="Tunga"/>
+        <a:font script="Guru" typeface="Raavi"/>
+        <a:font script="Cans" typeface="Euphemia"/>
+        <a:font script="Cher" typeface="Plantagenet Cherokee"/>
+        <a:font script="Yiii" typeface="Microsoft Yi Baiti"/>
+        <a:font script="Tibt" typeface="Microsoft Himalaya"/>
+        <a:font script="Thaa" typeface="MV Boli"/>
+        <a:font script="Deva" typeface="Mangal"/>
+        <a:font script="Telu" typeface="Gautami"/>
+        <a:font script="Taml" typeface="Latha"/>
+        <a:font script="Syrc" typeface="Estrangelo Edessa"/>
+        <a:font script="Orya" typeface="Kalinga"/>
+        <a:font script="Mlym" typeface="Kartika"/>
+        <a:font script="Laoo" typeface="DokChampa"/>
+        <a:font script="Sinh" typeface="Iskoola Pota"/>
+        <a:font script="Mong" typeface="Mongolian Baiti"/>
+        <a:font script="Viet" typeface="Times New Roman"/>
+        <a:font script="Uigh" typeface="Microsoft Uighur"/>
+        <a:font script="Geor" typeface="Sylfaen"/>
+      </a:majorFont>
+      <a:minorFont>
+        <a:latin typeface="Arial"/>
+        <a:ea typeface=""/>
+        <a:cs typeface=""/>
+        <a:font script="Jpan" typeface="ＭＳ Ｐゴシック"/>
+        <a:font script="Hang" typeface="맑은 고딕"/>
+        <a:font script="Hans" typeface="宋体"/>
+        <a:font script="Hant" typeface="新細明體"/>
+        <a:font script="Arab" typeface="Arial"/>
+        <a:font script="Hebr" typeface="Arial"/>
+        <a:font script="Thai" typeface="Cordia New"/>
+        <a:font script="Ethi" typeface="Nyala"/>
+        <a:font script="Beng" typeface="Vrinda"/>
+        <a:font script="Gujr" typeface="Shruti"/>
+        <a:font script="Khmr" typeface="DaunPenh"/>
+        <a:font script="Knda" typeface="Tunga"/>
+        <a:font script="Guru" typeface="Raavi"/>
+        <a:font script="Cans" typeface="Euphemia"/>
+        <a:font script="Cher" typeface="Plantagenet Cherokee"/>
+        <a:font script="Yiii" typeface="Microsoft Yi Baiti"/>
+        <a:font script="Tibt" typeface="Microsoft Himalaya"/>
+        <a:font script="Thaa" typeface="MV Boli"/>
+        <a:font script="Deva" typeface="Mangal"/>
+        <a:font script="Telu" typeface="Gautami"/>
+        <a:font script="Taml" typeface="Latha"/>
+        <a:font script="Syrc" typeface="Estrangelo Edessa"/>
+        <a:font script="Orya" typeface="Kalinga"/>
+        <a:font script="Mlym" typeface="Kartika"/>
+        <a:font script="Laoo" typeface="DokChampa"/>
+        <a:font script="Sinh" typeface="Iskoola Pota"/>
+        <a:font script="Mong" typeface="Mongolian Baiti"/>
+        <a:font script="Viet" typeface="Arial"/>
+        <a:font script="Uigh" typeface="Microsoft Uighur"/>
+        <a:font script="Geor" typeface="Sylfaen"/>
+      </a:minorFont>
+    </a:fontScheme>
+    <a:fmtScheme name="Office">
+      <a:fillStyleLst>
+        <a:solidFill>
+          <a:schemeClr val="phClr"/>
+        </a:solidFill>
+        <a:gradFill rotWithShape="1">
+          <a:gsLst>
+            <a:gs pos="0">
+              <a:schemeClr val="phClr">
+                <a:tint val="50000"/>
+                <a:satMod val="300000"/>
+              </a:schemeClr>
+            </a:gs>
+            <a:gs pos="35000">
+              <a:schemeClr val="phClr">
+                <a:tint val="37000"/>
+                <a:satMod val="300000"/>
+              </a:schemeClr>
+            </a:gs>
+            <a:gs pos="100000">
+              <a:schemeClr val="phClr">
+                <a:tint val="15000"/>
+                <a:satMod val="350000"/>
+              </a:schemeClr>
+            </a:gs>
+          </a:gsLst>
+          <a:lin ang="16200000" scaled="1"/>
+        </a:gradFill>
+        <a:gradFill rotWithShape="1">
+          <a:gsLst>
+            <a:gs pos="0">
+              <a:schemeClr val="phClr">
+                <a:tint val="100000"/>
+                <a:shade val="100000"/>
+                <a:satMod val="130000"/>
+              </a:schemeClr>
+            </a:gs>
+            <a:gs pos="100000">
+              <a:schemeClr val="phClr">
+                <a:tint val="50000"/>
+                <a:shade val="100000"/>
+                <a:satMod val="350000"/>
+              </a:schemeClr>
+            </a:gs>
+          </a:gsLst>
+          <a:lin ang="16200000" scaled="0"/>
+        </a:gradFill>
+      </a:fillStyleLst>
+      <a:lnStyleLst>
+        <a:ln w="9525" cap="flat" cmpd="sng" algn="ctr">
+          <a:solidFill>
+            <a:schemeClr val="phClr">
+              <a:shade val="95000"/>
+              <a:satMod val="105000"/>
+            </a:schemeClr>
+          </a:solidFill>
+          <a:prstDash val="solid"/>
+        </a:ln>
+        <a:ln w="25400" cap="flat" cmpd="sng" algn="ctr">
+          <a:solidFill>
+            <a:schemeClr val="phClr"/>
+          </a:solidFill>
+          <a:prstDash val="solid"/>
+        </a:ln>
+        <a:ln w="38100" cap="flat" cmpd="sng" algn="ctr">
+          <a:solidFill>
+            <a:schemeClr val="phClr"/>
+          </a:solidFill>
+          <a:prstDash val="solid"/>
+        </a:ln>
+      </a:lnStyleLst>
+      <a:effectStyleLst>
+        <a:effectStyle>
+          <a:effectLst>
+            <a:outerShdw blurRad="40000" dist="20000" dir="5400000" rotWithShape="0">
+              <a:srgbClr val="000000">
+                <a:alpha val="38000"/>
+              </a:srgbClr>
+            </a:outerShdw>
+          </a:effectLst>
+        </a:effectStyle>
+        <a:effectStyle>
+          <a:effectLst>
+            <a:outerShdw blurRad="40000" dist="23000" dir="5400000" rotWithShape="0">
+              <a:srgbClr val="000000">
+                <a:alpha val="35000"/>
+              </a:srgbClr>
+            </a:outerShdw>
+          </a:effectLst>
+        </a:effectStyle>
+        <a:effectStyle>
+          <a:effectLst>
+            <a:outerShdw blurRad="40000" dist="23000" dir="5400000" rotWithShape="0">
+              <a:srgbClr val="000000">
+                <a:alpha val="35000"/>
+              </a:srgbClr>
+            </a:outerShdw>
+          </a:effectLst>
+          <a:scene3d>
+            <a:camera prst="orthographicFront">
+              <a:rot lat="0" lon="0" rev="0"/>
+            </a:camera>
+            <a:lightRig rig="threePt" dir="t">
+              <a:rot lat="0" lon="0" rev="1200000"/>
+            </a:lightRig>
+          </a:scene3d>
+          <a:sp3d>
+            <a:bevelT w="63500" h="25400"/>
+          </a:sp3d>
+        </a:effectStyle>
+      </a:effectStyleLst>
+      <a:bgFillStyleLst>
+        <a:solidFill>
+          <a:schemeClr val="phClr"/>
+        </a:solidFill>
+        <a:gradFill rotWithShape="1">
+          <a:gsLst>
+            <a:gs pos="0">
+              <a:schemeClr val="phClr">
+                <a:tint val="40000"/>
+                <a:satMod val="350000"/>
+              </a:schemeClr>
+            </a:gs>
+            <a:gs pos="40000">
+              <a:schemeClr val="phClr">
+                <a:tint val="45000"/>
+                <a:shade val="99000"/>
+                <a:satMod val="350000"/>
+              </a:schemeClr>
+            </a:gs>
+            <a:gs pos="100000">
+              <a:schemeClr val="phClr">
+                <a:shade val="20000"/>
+                <a:satMod val="255000"/>
+              </a:schemeClr>
+            </a:gs>
+          </a:gsLst>
+          <a:path path="circle">
+            <a:fillToRect l="50000" t="-80000" r="50000" b="180000"/>
+          </a:path>
+        </a:gradFill>
+        <a:gradFill rotWithShape="1">
+          <a:gsLst>
+            <a:gs pos="0">
+              <a:schemeClr val="phClr">
+                <a:tint val="80000"/>
+                <a:satMod val="300000"/>
+              </a:schemeClr>
+            </a:gs>
+            <a:gs pos="100000">
+              <a:schemeClr val="phClr">
+                <a:shade val="30000"/>
+                <a:satMod val="200000"/>
+              </a:schemeClr>
+            </a:gs>
+          </a:gsLst>
+          <a:path path="circle">
+            <a:fillToRect l="50000" t="50000" r="50000" b="50000"/>
+          </a:path>
+        </a:gradFill>
+      </a:bgFillStyleLst>
+    </a:fmtScheme>
+  </a:themeElements>
+</a:theme>
+</file>
+
+<file path=ppt/theme/theme2.xml><?xml version="1.0" encoding="utf-8"?>
 <a:theme xmlns:a="http://schemas.openxmlformats.org/drawingml/2006/main" xmlns:r="http://schemas.openxmlformats.org/officeDocument/2006/relationships" name="Simple Light">
   <a:themeElements>
     <a:clrScheme name="Simple Light">
@@ -13289,283 +11904,4 @@
     </a:fmtScheme>
   </a:themeElements>
 </a:theme>
-</file>
-
-<file path=ppt/theme/theme2.xml><?xml version="1.0" encoding="utf-8"?>
-<a:theme xmlns:a="http://schemas.openxmlformats.org/drawingml/2006/main" xmlns:r="http://schemas.openxmlformats.org/officeDocument/2006/relationships">
-  <a:themeElements>
-    <a:clrScheme name="Default">
-      <a:dk1>
-        <a:srgbClr val="000000"/>
-      </a:dk1>
-      <a:lt1>
-        <a:srgbClr val="FFFFFF"/>
-      </a:lt1>
-      <a:dk2>
-        <a:srgbClr val="158158"/>
-      </a:dk2>
-      <a:lt2>
-        <a:srgbClr val="F3F3F3"/>
-      </a:lt2>
-      <a:accent1>
-        <a:srgbClr val="058DC7"/>
-      </a:accent1>
-      <a:accent2>
-        <a:srgbClr val="50B432"/>
-      </a:accent2>
-      <a:accent3>
-        <a:srgbClr val="ED561B"/>
-      </a:accent3>
-      <a:accent4>
-        <a:srgbClr val="EDEF00"/>
-      </a:accent4>
-      <a:accent5>
-        <a:srgbClr val="24CBE5"/>
-      </a:accent5>
-      <a:accent6>
-        <a:srgbClr val="64E572"/>
-      </a:accent6>
-      <a:hlink>
-        <a:srgbClr val="2200CC"/>
-      </a:hlink>
-      <a:folHlink>
-        <a:srgbClr val="551A8B"/>
-      </a:folHlink>
-    </a:clrScheme>
-    <a:fontScheme name="Office">
-      <a:majorFont>
-        <a:latin typeface="Arial"/>
-        <a:ea typeface=""/>
-        <a:cs typeface=""/>
-        <a:font script="Jpan" typeface="ＭＳ Ｐゴシック"/>
-        <a:font script="Hang" typeface="맑은 고딕"/>
-        <a:font script="Hans" typeface="宋体"/>
-        <a:font script="Hant" typeface="新細明體"/>
-        <a:font script="Arab" typeface="Times New Roman"/>
-        <a:font script="Hebr" typeface="Times New Roman"/>
-        <a:font script="Thai" typeface="Angsana New"/>
-        <a:font script="Ethi" typeface="Nyala"/>
-        <a:font script="Beng" typeface="Vrinda"/>
-        <a:font script="Gujr" typeface="Shruti"/>
-        <a:font script="Khmr" typeface="MoolBoran"/>
-        <a:font script="Knda" typeface="Tunga"/>
-        <a:font script="Guru" typeface="Raavi"/>
-        <a:font script="Cans" typeface="Euphemia"/>
-        <a:font script="Cher" typeface="Plantagenet Cherokee"/>
-        <a:font script="Yiii" typeface="Microsoft Yi Baiti"/>
-        <a:font script="Tibt" typeface="Microsoft Himalaya"/>
-        <a:font script="Thaa" typeface="MV Boli"/>
-        <a:font script="Deva" typeface="Mangal"/>
-        <a:font script="Telu" typeface="Gautami"/>
-        <a:font script="Taml" typeface="Latha"/>
-        <a:font script="Syrc" typeface="Estrangelo Edessa"/>
-        <a:font script="Orya" typeface="Kalinga"/>
-        <a:font script="Mlym" typeface="Kartika"/>
-        <a:font script="Laoo" typeface="DokChampa"/>
-        <a:font script="Sinh" typeface="Iskoola Pota"/>
-        <a:font script="Mong" typeface="Mongolian Baiti"/>
-        <a:font script="Viet" typeface="Times New Roman"/>
-        <a:font script="Uigh" typeface="Microsoft Uighur"/>
-        <a:font script="Geor" typeface="Sylfaen"/>
-      </a:majorFont>
-      <a:minorFont>
-        <a:latin typeface="Arial"/>
-        <a:ea typeface=""/>
-        <a:cs typeface=""/>
-        <a:font script="Jpan" typeface="ＭＳ Ｐゴシック"/>
-        <a:font script="Hang" typeface="맑은 고딕"/>
-        <a:font script="Hans" typeface="宋体"/>
-        <a:font script="Hant" typeface="新細明體"/>
-        <a:font script="Arab" typeface="Arial"/>
-        <a:font script="Hebr" typeface="Arial"/>
-        <a:font script="Thai" typeface="Cordia New"/>
-        <a:font script="Ethi" typeface="Nyala"/>
-        <a:font script="Beng" typeface="Vrinda"/>
-        <a:font script="Gujr" typeface="Shruti"/>
-        <a:font script="Khmr" typeface="DaunPenh"/>
-        <a:font script="Knda" typeface="Tunga"/>
-        <a:font script="Guru" typeface="Raavi"/>
-        <a:font script="Cans" typeface="Euphemia"/>
-        <a:font script="Cher" typeface="Plantagenet Cherokee"/>
-        <a:font script="Yiii" typeface="Microsoft Yi Baiti"/>
-        <a:font script="Tibt" typeface="Microsoft Himalaya"/>
-        <a:font script="Thaa" typeface="MV Boli"/>
-        <a:font script="Deva" typeface="Mangal"/>
-        <a:font script="Telu" typeface="Gautami"/>
-        <a:font script="Taml" typeface="Latha"/>
-        <a:font script="Syrc" typeface="Estrangelo Edessa"/>
-        <a:font script="Orya" typeface="Kalinga"/>
-        <a:font script="Mlym" typeface="Kartika"/>
-        <a:font script="Laoo" typeface="DokChampa"/>
-        <a:font script="Sinh" typeface="Iskoola Pota"/>
-        <a:font script="Mong" typeface="Mongolian Baiti"/>
-        <a:font script="Viet" typeface="Arial"/>
-        <a:font script="Uigh" typeface="Microsoft Uighur"/>
-        <a:font script="Geor" typeface="Sylfaen"/>
-      </a:minorFont>
-    </a:fontScheme>
-    <a:fmtScheme name="Office">
-      <a:fillStyleLst>
-        <a:solidFill>
-          <a:schemeClr val="phClr"/>
-        </a:solidFill>
-        <a:gradFill rotWithShape="1">
-          <a:gsLst>
-            <a:gs pos="0">
-              <a:schemeClr val="phClr">
-                <a:tint val="50000"/>
-                <a:satMod val="300000"/>
-              </a:schemeClr>
-            </a:gs>
-            <a:gs pos="35000">
-              <a:schemeClr val="phClr">
-                <a:tint val="37000"/>
-                <a:satMod val="300000"/>
-              </a:schemeClr>
-            </a:gs>
-            <a:gs pos="100000">
-              <a:schemeClr val="phClr">
-                <a:tint val="15000"/>
-                <a:satMod val="350000"/>
-              </a:schemeClr>
-            </a:gs>
-          </a:gsLst>
-          <a:lin ang="16200000" scaled="1"/>
-        </a:gradFill>
-        <a:gradFill rotWithShape="1">
-          <a:gsLst>
-            <a:gs pos="0">
-              <a:schemeClr val="phClr">
-                <a:tint val="100000"/>
-                <a:shade val="100000"/>
-                <a:satMod val="130000"/>
-              </a:schemeClr>
-            </a:gs>
-            <a:gs pos="100000">
-              <a:schemeClr val="phClr">
-                <a:tint val="50000"/>
-                <a:shade val="100000"/>
-                <a:satMod val="350000"/>
-              </a:schemeClr>
-            </a:gs>
-          </a:gsLst>
-          <a:lin ang="16200000" scaled="0"/>
-        </a:gradFill>
-      </a:fillStyleLst>
-      <a:lnStyleLst>
-        <a:ln w="9525" cap="flat" cmpd="sng" algn="ctr">
-          <a:solidFill>
-            <a:schemeClr val="phClr">
-              <a:shade val="95000"/>
-              <a:satMod val="105000"/>
-            </a:schemeClr>
-          </a:solidFill>
-          <a:prstDash val="solid"/>
-        </a:ln>
-        <a:ln w="25400" cap="flat" cmpd="sng" algn="ctr">
-          <a:solidFill>
-            <a:schemeClr val="phClr"/>
-          </a:solidFill>
-          <a:prstDash val="solid"/>
-        </a:ln>
-        <a:ln w="38100" cap="flat" cmpd="sng" algn="ctr">
-          <a:solidFill>
-            <a:schemeClr val="phClr"/>
-          </a:solidFill>
-          <a:prstDash val="solid"/>
-        </a:ln>
-      </a:lnStyleLst>
-      <a:effectStyleLst>
-        <a:effectStyle>
-          <a:effectLst>
-            <a:outerShdw blurRad="40000" dist="20000" dir="5400000" rotWithShape="0">
-              <a:srgbClr val="000000">
-                <a:alpha val="38000"/>
-              </a:srgbClr>
-            </a:outerShdw>
-          </a:effectLst>
-        </a:effectStyle>
-        <a:effectStyle>
-          <a:effectLst>
-            <a:outerShdw blurRad="40000" dist="23000" dir="5400000" rotWithShape="0">
-              <a:srgbClr val="000000">
-                <a:alpha val="35000"/>
-              </a:srgbClr>
-            </a:outerShdw>
-          </a:effectLst>
-        </a:effectStyle>
-        <a:effectStyle>
-          <a:effectLst>
-            <a:outerShdw blurRad="40000" dist="23000" dir="5400000" rotWithShape="0">
-              <a:srgbClr val="000000">
-                <a:alpha val="35000"/>
-              </a:srgbClr>
-            </a:outerShdw>
-          </a:effectLst>
-          <a:scene3d>
-            <a:camera prst="orthographicFront">
-              <a:rot lat="0" lon="0" rev="0"/>
-            </a:camera>
-            <a:lightRig rig="threePt" dir="t">
-              <a:rot lat="0" lon="0" rev="1200000"/>
-            </a:lightRig>
-          </a:scene3d>
-          <a:sp3d>
-            <a:bevelT w="63500" h="25400"/>
-          </a:sp3d>
-        </a:effectStyle>
-      </a:effectStyleLst>
-      <a:bgFillStyleLst>
-        <a:solidFill>
-          <a:schemeClr val="phClr"/>
-        </a:solidFill>
-        <a:gradFill rotWithShape="1">
-          <a:gsLst>
-            <a:gs pos="0">
-              <a:schemeClr val="phClr">
-                <a:tint val="40000"/>
-                <a:satMod val="350000"/>
-              </a:schemeClr>
-            </a:gs>
-            <a:gs pos="40000">
-              <a:schemeClr val="phClr">
-                <a:tint val="45000"/>
-                <a:shade val="99000"/>
-                <a:satMod val="350000"/>
-              </a:schemeClr>
-            </a:gs>
-            <a:gs pos="100000">
-              <a:schemeClr val="phClr">
-                <a:shade val="20000"/>
-                <a:satMod val="255000"/>
-              </a:schemeClr>
-            </a:gs>
-          </a:gsLst>
-          <a:path path="circle">
-            <a:fillToRect l="50000" t="-80000" r="50000" b="180000"/>
-          </a:path>
-        </a:gradFill>
-        <a:gradFill rotWithShape="1">
-          <a:gsLst>
-            <a:gs pos="0">
-              <a:schemeClr val="phClr">
-                <a:tint val="80000"/>
-                <a:satMod val="300000"/>
-              </a:schemeClr>
-            </a:gs>
-            <a:gs pos="100000">
-              <a:schemeClr val="phClr">
-                <a:shade val="30000"/>
-                <a:satMod val="200000"/>
-              </a:schemeClr>
-            </a:gs>
-          </a:gsLst>
-          <a:path path="circle">
-            <a:fillToRect l="50000" t="50000" r="50000" b="50000"/>
-          </a:path>
-        </a:gradFill>
-      </a:bgFillStyleLst>
-    </a:fmtScheme>
-  </a:themeElements>
-</a:theme>
 </file>